--- a/PPT Format for presentation.pptx
+++ b/PPT Format for presentation.pptx
@@ -5,18 +5,16 @@
     <p:sldMasterId id="2147483660" r:id="rId1"/>
   </p:sldMasterIdLst>
   <p:notesMasterIdLst>
-    <p:notesMasterId r:id="rId11"/>
+    <p:notesMasterId r:id="rId9"/>
   </p:notesMasterIdLst>
   <p:sldIdLst>
-    <p:sldId id="256" r:id="rId2"/>
-    <p:sldId id="257" r:id="rId3"/>
-    <p:sldId id="265" r:id="rId4"/>
-    <p:sldId id="266" r:id="rId5"/>
-    <p:sldId id="262" r:id="rId6"/>
-    <p:sldId id="269" r:id="rId7"/>
-    <p:sldId id="260" r:id="rId8"/>
-    <p:sldId id="271" r:id="rId9"/>
-    <p:sldId id="268" r:id="rId10"/>
+    <p:sldId id="257" r:id="rId2"/>
+    <p:sldId id="265" r:id="rId3"/>
+    <p:sldId id="266" r:id="rId4"/>
+    <p:sldId id="262" r:id="rId5"/>
+    <p:sldId id="269" r:id="rId6"/>
+    <p:sldId id="260" r:id="rId7"/>
+    <p:sldId id="268" r:id="rId8"/>
   </p:sldIdLst>
   <p:sldSz cx="12192000" cy="6858000"/>
   <p:notesSz cx="6858000" cy="9144000"/>
@@ -205,7 +203,7 @@
           <a:p>
             <a:fld id="{FFBB2C3F-CBBE-4A6C-91EB-2ACCD077B212}" type="datetimeFigureOut">
               <a:rPr lang="en-IN" smtClean="0"/>
-              <a:t>17-09-2025</a:t>
+              <a:t>20-09-2025</a:t>
             </a:fld>
             <a:endParaRPr lang="en-IN"/>
           </a:p>
@@ -269,35 +267,35 @@
           <a:p>
             <a:pPr lvl="0"/>
             <a:r>
-              <a:rPr lang="en-US" smtClean="0"/>
+              <a:rPr lang="en-US"/>
               <a:t>Edit Master text styles</a:t>
             </a:r>
           </a:p>
           <a:p>
             <a:pPr lvl="1"/>
             <a:r>
-              <a:rPr lang="en-US" smtClean="0"/>
+              <a:rPr lang="en-US"/>
               <a:t>Second level</a:t>
             </a:r>
           </a:p>
           <a:p>
             <a:pPr lvl="2"/>
             <a:r>
-              <a:rPr lang="en-US" smtClean="0"/>
+              <a:rPr lang="en-US"/>
               <a:t>Third level</a:t>
             </a:r>
           </a:p>
           <a:p>
             <a:pPr lvl="3"/>
             <a:r>
-              <a:rPr lang="en-US" smtClean="0"/>
+              <a:rPr lang="en-US"/>
               <a:t>Fourth level</a:t>
             </a:r>
           </a:p>
           <a:p>
             <a:pPr lvl="4"/>
             <a:r>
-              <a:rPr lang="en-US" smtClean="0"/>
+              <a:rPr lang="en-US"/>
               <a:t>Fifth level</a:t>
             </a:r>
             <a:endParaRPr lang="en-IN"/>
@@ -538,7 +536,7 @@
           <a:p>
             <a:fld id="{878B2133-5428-452F-87A9-B7F7EDA4B437}" type="slidenum">
               <a:rPr lang="en-IN" smtClean="0"/>
-              <a:t>9</a:t>
+              <a:t>7</a:t>
             </a:fld>
             <a:endParaRPr lang="en-IN"/>
           </a:p>
@@ -706,7 +704,7 @@
           <a:p>
             <a:fld id="{ACE7A28A-22C4-4B2D-89F7-7673F641E61D}" type="datetimeFigureOut">
               <a:rPr lang="en-IN" smtClean="0"/>
-              <a:t>17-09-2025</a:t>
+              <a:t>20-09-2025</a:t>
             </a:fld>
             <a:endParaRPr lang="en-IN"/>
           </a:p>
@@ -906,7 +904,7 @@
           <a:p>
             <a:fld id="{ACE7A28A-22C4-4B2D-89F7-7673F641E61D}" type="datetimeFigureOut">
               <a:rPr lang="en-IN" smtClean="0"/>
-              <a:t>17-09-2025</a:t>
+              <a:t>20-09-2025</a:t>
             </a:fld>
             <a:endParaRPr lang="en-IN"/>
           </a:p>
@@ -1116,7 +1114,7 @@
           <a:p>
             <a:fld id="{ACE7A28A-22C4-4B2D-89F7-7673F641E61D}" type="datetimeFigureOut">
               <a:rPr lang="en-IN" smtClean="0"/>
-              <a:t>17-09-2025</a:t>
+              <a:t>20-09-2025</a:t>
             </a:fld>
             <a:endParaRPr lang="en-IN"/>
           </a:p>
@@ -1316,7 +1314,7 @@
           <a:p>
             <a:fld id="{ACE7A28A-22C4-4B2D-89F7-7673F641E61D}" type="datetimeFigureOut">
               <a:rPr lang="en-IN" smtClean="0"/>
-              <a:t>17-09-2025</a:t>
+              <a:t>20-09-2025</a:t>
             </a:fld>
             <a:endParaRPr lang="en-IN"/>
           </a:p>
@@ -1592,7 +1590,7 @@
           <a:p>
             <a:fld id="{ACE7A28A-22C4-4B2D-89F7-7673F641E61D}" type="datetimeFigureOut">
               <a:rPr lang="en-IN" smtClean="0"/>
-              <a:t>17-09-2025</a:t>
+              <a:t>20-09-2025</a:t>
             </a:fld>
             <a:endParaRPr lang="en-IN"/>
           </a:p>
@@ -1860,7 +1858,7 @@
           <a:p>
             <a:fld id="{ACE7A28A-22C4-4B2D-89F7-7673F641E61D}" type="datetimeFigureOut">
               <a:rPr lang="en-IN" smtClean="0"/>
-              <a:t>17-09-2025</a:t>
+              <a:t>20-09-2025</a:t>
             </a:fld>
             <a:endParaRPr lang="en-IN"/>
           </a:p>
@@ -2275,7 +2273,7 @@
           <a:p>
             <a:fld id="{ACE7A28A-22C4-4B2D-89F7-7673F641E61D}" type="datetimeFigureOut">
               <a:rPr lang="en-IN" smtClean="0"/>
-              <a:t>17-09-2025</a:t>
+              <a:t>20-09-2025</a:t>
             </a:fld>
             <a:endParaRPr lang="en-IN"/>
           </a:p>
@@ -2417,7 +2415,7 @@
           <a:p>
             <a:fld id="{ACE7A28A-22C4-4B2D-89F7-7673F641E61D}" type="datetimeFigureOut">
               <a:rPr lang="en-IN" smtClean="0"/>
-              <a:t>17-09-2025</a:t>
+              <a:t>20-09-2025</a:t>
             </a:fld>
             <a:endParaRPr lang="en-IN"/>
           </a:p>
@@ -2530,7 +2528,7 @@
           <a:p>
             <a:fld id="{ACE7A28A-22C4-4B2D-89F7-7673F641E61D}" type="datetimeFigureOut">
               <a:rPr lang="en-IN" smtClean="0"/>
-              <a:t>17-09-2025</a:t>
+              <a:t>20-09-2025</a:t>
             </a:fld>
             <a:endParaRPr lang="en-IN"/>
           </a:p>
@@ -2843,7 +2841,7 @@
           <a:p>
             <a:fld id="{ACE7A28A-22C4-4B2D-89F7-7673F641E61D}" type="datetimeFigureOut">
               <a:rPr lang="en-IN" smtClean="0"/>
-              <a:t>17-09-2025</a:t>
+              <a:t>20-09-2025</a:t>
             </a:fld>
             <a:endParaRPr lang="en-IN"/>
           </a:p>
@@ -3132,7 +3130,7 @@
           <a:p>
             <a:fld id="{ACE7A28A-22C4-4B2D-89F7-7673F641E61D}" type="datetimeFigureOut">
               <a:rPr lang="en-IN" smtClean="0"/>
-              <a:t>17-09-2025</a:t>
+              <a:t>20-09-2025</a:t>
             </a:fld>
             <a:endParaRPr lang="en-IN"/>
           </a:p>
@@ -3375,7 +3373,7 @@
           <a:p>
             <a:fld id="{ACE7A28A-22C4-4B2D-89F7-7673F641E61D}" type="datetimeFigureOut">
               <a:rPr lang="en-IN" smtClean="0"/>
-              <a:t>17-09-2025</a:t>
+              <a:t>20-09-2025</a:t>
             </a:fld>
             <a:endParaRPr lang="en-IN"/>
           </a:p>
@@ -3792,330 +3790,6 @@
           <a:chExt cx="0" cy="0"/>
         </a:xfrm>
       </p:grpSpPr>
-      <p:pic>
-        <p:nvPicPr>
-          <p:cNvPr id="7" name="Picture 6">
-            <a:extLst>
-              <a:ext uri="{FF2B5EF4-FFF2-40B4-BE49-F238E27FC236}">
-                <a16:creationId xmlns:a16="http://schemas.microsoft.com/office/drawing/2014/main" id="{77A88F3F-71A4-E16F-9FE3-41F8997765CB}"/>
-              </a:ext>
-            </a:extLst>
-          </p:cNvPr>
-          <p:cNvPicPr>
-            <a:picLocks noChangeAspect="1"/>
-          </p:cNvPicPr>
-          <p:nvPr/>
-        </p:nvPicPr>
-        <p:blipFill>
-          <a:blip r:embed="rId2">
-            <a:extLst>
-              <a:ext uri="{28A0092B-C50C-407E-A947-70E740481C1C}">
-                <a14:useLocalDpi xmlns:a14="http://schemas.microsoft.com/office/drawing/2010/main" val="0"/>
-              </a:ext>
-            </a:extLst>
-          </a:blip>
-          <a:stretch>
-            <a:fillRect/>
-          </a:stretch>
-        </p:blipFill>
-        <p:spPr>
-          <a:xfrm>
-            <a:off x="5644087" y="0"/>
-            <a:ext cx="4847749" cy="6858000"/>
-          </a:xfrm>
-          <a:prstGeom prst="rect">
-            <a:avLst/>
-          </a:prstGeom>
-        </p:spPr>
-      </p:pic>
-      <p:pic>
-        <p:nvPicPr>
-          <p:cNvPr id="9" name="Picture 8">
-            <a:extLst>
-              <a:ext uri="{FF2B5EF4-FFF2-40B4-BE49-F238E27FC236}">
-                <a16:creationId xmlns:a16="http://schemas.microsoft.com/office/drawing/2014/main" id="{B61010B5-68AF-E694-9854-6793FE1B972C}"/>
-              </a:ext>
-            </a:extLst>
-          </p:cNvPr>
-          <p:cNvPicPr>
-            <a:picLocks noChangeAspect="1"/>
-          </p:cNvPicPr>
-          <p:nvPr/>
-        </p:nvPicPr>
-        <p:blipFill>
-          <a:blip r:embed="rId3" cstate="hqprint">
-            <a:extLst>
-              <a:ext uri="{28A0092B-C50C-407E-A947-70E740481C1C}">
-                <a14:useLocalDpi xmlns:a14="http://schemas.microsoft.com/office/drawing/2010/main" val="0"/>
-              </a:ext>
-            </a:extLst>
-          </a:blip>
-          <a:stretch>
-            <a:fillRect/>
-          </a:stretch>
-        </p:blipFill>
-        <p:spPr>
-          <a:xfrm>
-            <a:off x="314633" y="913776"/>
-            <a:ext cx="3724466" cy="1419953"/>
-          </a:xfrm>
-          <a:prstGeom prst="rect">
-            <a:avLst/>
-          </a:prstGeom>
-        </p:spPr>
-      </p:pic>
-      <p:pic>
-        <p:nvPicPr>
-          <p:cNvPr id="11" name="Picture 10">
-            <a:extLst>
-              <a:ext uri="{FF2B5EF4-FFF2-40B4-BE49-F238E27FC236}">
-                <a16:creationId xmlns:a16="http://schemas.microsoft.com/office/drawing/2014/main" id="{CADDF1CE-3212-0BE0-6773-488E7B9B90C4}"/>
-              </a:ext>
-            </a:extLst>
-          </p:cNvPr>
-          <p:cNvPicPr>
-            <a:picLocks noChangeAspect="1"/>
-          </p:cNvPicPr>
-          <p:nvPr/>
-        </p:nvPicPr>
-        <p:blipFill>
-          <a:blip r:embed="rId4">
-            <a:extLst>
-              <a:ext uri="{28A0092B-C50C-407E-A947-70E740481C1C}">
-                <a14:useLocalDpi xmlns:a14="http://schemas.microsoft.com/office/drawing/2010/main" val="0"/>
-              </a:ext>
-            </a:extLst>
-          </a:blip>
-          <a:stretch>
-            <a:fillRect/>
-          </a:stretch>
-        </p:blipFill>
-        <p:spPr>
-          <a:xfrm>
-            <a:off x="175639" y="2333729"/>
-            <a:ext cx="5111939" cy="680409"/>
-          </a:xfrm>
-          <a:prstGeom prst="rect">
-            <a:avLst/>
-          </a:prstGeom>
-        </p:spPr>
-      </p:pic>
-      <p:pic>
-        <p:nvPicPr>
-          <p:cNvPr id="13" name="Picture 12">
-            <a:extLst>
-              <a:ext uri="{FF2B5EF4-FFF2-40B4-BE49-F238E27FC236}">
-                <a16:creationId xmlns:a16="http://schemas.microsoft.com/office/drawing/2014/main" id="{20E7564F-4C2C-4B63-CAA7-9D6F598B731B}"/>
-              </a:ext>
-            </a:extLst>
-          </p:cNvPr>
-          <p:cNvPicPr>
-            <a:picLocks noChangeAspect="1"/>
-          </p:cNvPicPr>
-          <p:nvPr/>
-        </p:nvPicPr>
-        <p:blipFill>
-          <a:blip r:embed="rId5" cstate="hqprint">
-            <a:extLst>
-              <a:ext uri="{28A0092B-C50C-407E-A947-70E740481C1C}">
-                <a14:useLocalDpi xmlns:a14="http://schemas.microsoft.com/office/drawing/2010/main" val="0"/>
-              </a:ext>
-            </a:extLst>
-          </a:blip>
-          <a:stretch>
-            <a:fillRect/>
-          </a:stretch>
-        </p:blipFill>
-        <p:spPr>
-          <a:xfrm>
-            <a:off x="1125000" y="3267160"/>
-            <a:ext cx="2477729" cy="2333861"/>
-          </a:xfrm>
-          <a:prstGeom prst="rect">
-            <a:avLst/>
-          </a:prstGeom>
-        </p:spPr>
-      </p:pic>
-    </p:spTree>
-    <p:extLst>
-      <p:ext uri="{BB962C8B-B14F-4D97-AF65-F5344CB8AC3E}">
-        <p14:creationId xmlns:p14="http://schemas.microsoft.com/office/powerpoint/2010/main" val="1587405925"/>
-      </p:ext>
-    </p:extLst>
-  </p:cSld>
-  <p:clrMapOvr>
-    <a:masterClrMapping/>
-  </p:clrMapOvr>
-  <p:timing>
-    <p:tnLst>
-      <p:par>
-        <p:cTn id="1" dur="indefinite" restart="never" nodeType="tmRoot">
-          <p:childTnLst>
-            <p:seq concurrent="1" nextAc="seek">
-              <p:cTn id="2" dur="indefinite" nodeType="mainSeq">
-                <p:childTnLst>
-                  <p:par>
-                    <p:cTn id="3" fill="hold">
-                      <p:stCondLst>
-                        <p:cond delay="indefinite"/>
-                      </p:stCondLst>
-                      <p:childTnLst>
-                        <p:par>
-                          <p:cTn id="4" fill="hold">
-                            <p:stCondLst>
-                              <p:cond delay="0"/>
-                            </p:stCondLst>
-                            <p:childTnLst>
-                              <p:par>
-                                <p:cTn id="5" presetID="42" presetClass="path" presetSubtype="0" accel="50000" decel="50000" fill="hold" nodeType="clickEffect">
-                                  <p:stCondLst>
-                                    <p:cond delay="0"/>
-                                  </p:stCondLst>
-                                  <p:childTnLst>
-                                    <p:animMotion origin="layout" path="M 0.28842 -0.33403 L -0.03437 -0.00487 " pathEditMode="fixed" rAng="0" ptsTypes="AA">
-                                      <p:cBhvr>
-                                        <p:cTn id="6" dur="2000" fill="hold"/>
-                                        <p:tgtEl>
-                                          <p:spTgt spid="9"/>
-                                        </p:tgtEl>
-                                        <p:attrNameLst>
-                                          <p:attrName>ppt_x</p:attrName>
-                                          <p:attrName>ppt_y</p:attrName>
-                                        </p:attrNameLst>
-                                      </p:cBhvr>
-                                      <p:rCtr x="-16146" y="16458"/>
-                                    </p:animMotion>
-                                  </p:childTnLst>
-                                </p:cTn>
-                              </p:par>
-                            </p:childTnLst>
-                          </p:cTn>
-                        </p:par>
-                      </p:childTnLst>
-                    </p:cTn>
-                  </p:par>
-                  <p:par>
-                    <p:cTn id="7" fill="hold">
-                      <p:stCondLst>
-                        <p:cond delay="indefinite"/>
-                      </p:stCondLst>
-                      <p:childTnLst>
-                        <p:par>
-                          <p:cTn id="8" fill="hold">
-                            <p:stCondLst>
-                              <p:cond delay="0"/>
-                            </p:stCondLst>
-                            <p:childTnLst>
-                              <p:par>
-                                <p:cTn id="9" presetID="42" presetClass="path" presetSubtype="0" accel="50000" decel="50000" fill="hold" nodeType="clickEffect">
-                                  <p:stCondLst>
-                                    <p:cond delay="0"/>
-                                  </p:stCondLst>
-                                  <p:childTnLst>
-                                    <p:animMotion origin="layout" path="M 0.00794 0.00139 L 0.49206 -0.51134 " pathEditMode="relative" rAng="0" ptsTypes="AA">
-                                      <p:cBhvr>
-                                        <p:cTn id="10" dur="2000" spd="-100000" fill="hold"/>
-                                        <p:tgtEl>
-                                          <p:spTgt spid="11"/>
-                                        </p:tgtEl>
-                                        <p:attrNameLst>
-                                          <p:attrName>ppt_x</p:attrName>
-                                          <p:attrName>ppt_y</p:attrName>
-                                        </p:attrNameLst>
-                                      </p:cBhvr>
-                                      <p:rCtr x="24206" y="-25648"/>
-                                    </p:animMotion>
-                                  </p:childTnLst>
-                                </p:cTn>
-                              </p:par>
-                            </p:childTnLst>
-                          </p:cTn>
-                        </p:par>
-                      </p:childTnLst>
-                    </p:cTn>
-                  </p:par>
-                  <p:par>
-                    <p:cTn id="11" fill="hold">
-                      <p:stCondLst>
-                        <p:cond delay="indefinite"/>
-                      </p:stCondLst>
-                      <p:childTnLst>
-                        <p:par>
-                          <p:cTn id="12" fill="hold">
-                            <p:stCondLst>
-                              <p:cond delay="0"/>
-                            </p:stCondLst>
-                            <p:childTnLst>
-                              <p:par>
-                                <p:cTn id="13" presetID="42" presetClass="path" presetSubtype="0" accel="50000" decel="50000" fill="hold" nodeType="clickEffect">
-                                  <p:stCondLst>
-                                    <p:cond delay="0"/>
-                                  </p:stCondLst>
-                                  <p:childTnLst>
-                                    <p:animMotion origin="layout" path="M 0.44167 -0.43287 L -2.08333E-7 2.22222E-6 " pathEditMode="relative" rAng="0" ptsTypes="AA">
-                                      <p:cBhvr>
-                                        <p:cTn id="14" dur="2000" fill="hold"/>
-                                        <p:tgtEl>
-                                          <p:spTgt spid="13"/>
-                                        </p:tgtEl>
-                                        <p:attrNameLst>
-                                          <p:attrName>ppt_x</p:attrName>
-                                          <p:attrName>ppt_y</p:attrName>
-                                        </p:attrNameLst>
-                                      </p:cBhvr>
-                                      <p:rCtr x="-22083" y="21644"/>
-                                    </p:animMotion>
-                                  </p:childTnLst>
-                                </p:cTn>
-                              </p:par>
-                            </p:childTnLst>
-                          </p:cTn>
-                        </p:par>
-                      </p:childTnLst>
-                    </p:cTn>
-                  </p:par>
-                </p:childTnLst>
-              </p:cTn>
-              <p:prevCondLst>
-                <p:cond evt="onPrev" delay="0">
-                  <p:tgtEl>
-                    <p:sldTgt/>
-                  </p:tgtEl>
-                </p:cond>
-              </p:prevCondLst>
-              <p:nextCondLst>
-                <p:cond evt="onNext" delay="0">
-                  <p:tgtEl>
-                    <p:sldTgt/>
-                  </p:tgtEl>
-                </p:cond>
-              </p:nextCondLst>
-            </p:seq>
-          </p:childTnLst>
-        </p:cTn>
-      </p:par>
-    </p:tnLst>
-  </p:timing>
-</p:sld>
-</file>
-
-<file path=ppt/slides/slide2.xml><?xml version="1.0" encoding="utf-8"?>
-<p:sld xmlns:a="http://schemas.openxmlformats.org/drawingml/2006/main" xmlns:r="http://schemas.openxmlformats.org/officeDocument/2006/relationships" xmlns:p="http://schemas.openxmlformats.org/presentationml/2006/main">
-  <p:cSld>
-    <p:spTree>
-      <p:nvGrpSpPr>
-        <p:cNvPr id="1" name=""/>
-        <p:cNvGrpSpPr/>
-        <p:nvPr/>
-      </p:nvGrpSpPr>
-      <p:grpSpPr>
-        <a:xfrm>
-          <a:off x="0" y="0"/>
-          <a:ext cx="0" cy="0"/>
-          <a:chOff x="0" y="0"/>
-          <a:chExt cx="0" cy="0"/>
-        </a:xfrm>
-      </p:grpSpPr>
       <p:sp>
         <p:nvSpPr>
           <p:cNvPr id="2" name="Title 1">
@@ -4180,7 +3854,7 @@
           <a:lstStyle/>
           <a:p>
             <a:r>
-              <a:rPr lang="en-US" dirty="0" smtClean="0"/>
+              <a:rPr lang="en-US" dirty="0"/>
               <a:t>ML BASED CARDIAC  RISK SCORE PREDICTOR</a:t>
             </a:r>
             <a:endParaRPr lang="en-IN" dirty="0"/>
@@ -4251,32 +3925,15 @@
           <a:lstStyle/>
           <a:p>
             <a:r>
-              <a:rPr lang="en-US" sz="3600" dirty="0"/>
-              <a:t>Team members</a:t>
-            </a:r>
-            <a:r>
-              <a:rPr lang="en-US" dirty="0" smtClean="0"/>
-              <a:t>:</a:t>
-            </a:r>
-          </a:p>
-          <a:p>
-            <a:r>
-              <a:rPr lang="en-US" dirty="0" smtClean="0"/>
+              <a:rPr lang="en-US" dirty="0"/>
+              <a:t>SUBMITTED BY</a:t>
+            </a:r>
+          </a:p>
+          <a:p>
+            <a:r>
+              <a:rPr lang="en-US" dirty="0"/>
               <a:t>MEKALA NARENDRA KUMAR </a:t>
             </a:r>
-          </a:p>
-          <a:p>
-            <a:r>
-              <a:rPr lang="en-US" dirty="0" smtClean="0"/>
-              <a:t>CHINTHA SANJEEV KOUSHIK KUMAR REDDY</a:t>
-            </a:r>
-          </a:p>
-          <a:p>
-            <a:r>
-              <a:rPr lang="en-US" dirty="0" smtClean="0"/>
-              <a:t>HARISH</a:t>
-            </a:r>
-            <a:endParaRPr lang="en-IN" dirty="0"/>
           </a:p>
         </p:txBody>
       </p:sp>
@@ -4290,17 +3947,10 @@
   <p:clrMapOvr>
     <a:masterClrMapping/>
   </p:clrMapOvr>
-  <p:timing>
-    <p:tnLst>
-      <p:par>
-        <p:cTn id="1" dur="indefinite" restart="never" nodeType="tmRoot"/>
-      </p:par>
-    </p:tnLst>
-  </p:timing>
 </p:sld>
 </file>
 
-<file path=ppt/slides/slide3.xml><?xml version="1.0" encoding="utf-8"?>
+<file path=ppt/slides/slide2.xml><?xml version="1.0" encoding="utf-8"?>
 <p:sld xmlns:a="http://schemas.openxmlformats.org/drawingml/2006/main" xmlns:r="http://schemas.openxmlformats.org/officeDocument/2006/relationships" xmlns:p="http://schemas.openxmlformats.org/presentationml/2006/main">
   <p:cSld>
     <p:spTree>
@@ -4344,16 +3994,10 @@
               </a:lnSpc>
             </a:pPr>
             <a:r>
-              <a:rPr lang="en-US" sz="2000" dirty="0" smtClean="0">
-                <a:latin typeface="Arial Narrow" panose="020B0606020202030204" pitchFamily="34" charset="0"/>
-              </a:rPr>
-              <a:t>Cardiovascular </a:t>
-            </a:r>
-            <a:r>
               <a:rPr lang="en-US" sz="2000" dirty="0">
                 <a:latin typeface="Arial Narrow" panose="020B0606020202030204" pitchFamily="34" charset="0"/>
               </a:rPr>
-              <a:t>diseases are a leading cause of death globally, often going undetected until serious events occur. This project aims to develop a machine learning-based system that uses data from wearable sensors to predict a user’s cardiac risk score in real time. By analyzing physiological signals like ECG and heart rate, the system will provide early warnings through a user-friendly dashboard, enabling timely intervention and remote monitoring.</a:t>
+              <a:t>Cardiovascular diseases are a leading cause of death globally, often going undetected until serious events occur. This project aims to develop a machine learning-based system that uses data from wearable sensors to predict a user’s cardiac risk score in real time. By analyzing physiological signals like ECG and heart rate, the system will provide early warnings through a user-friendly dashboard, enabling timely intervention and remote monitoring.</a:t>
             </a:r>
             <a:endParaRPr lang="en-IN" sz="2000" dirty="0">
               <a:latin typeface="Arial Narrow" panose="020B0606020202030204" pitchFamily="34" charset="0"/>
@@ -4472,7 +4116,7 @@
           <a:lstStyle/>
           <a:p>
             <a:r>
-              <a:rPr lang="en-US" b="1" dirty="0" smtClean="0"/>
+              <a:rPr lang="en-US" b="1" dirty="0"/>
               <a:t>PROBLEM STATEMENT</a:t>
             </a:r>
             <a:endParaRPr lang="en-IN" b="1" dirty="0"/>
@@ -4492,7 +4136,7 @@
 </p:sld>
 </file>
 
-<file path=ppt/slides/slide4.xml><?xml version="1.0" encoding="utf-8"?>
+<file path=ppt/slides/slide3.xml><?xml version="1.0" encoding="utf-8"?>
 <p:sld xmlns:a="http://schemas.openxmlformats.org/drawingml/2006/main" xmlns:r="http://schemas.openxmlformats.org/officeDocument/2006/relationships" xmlns:p="http://schemas.openxmlformats.org/presentationml/2006/main">
   <p:cSld>
     <p:spTree>
@@ -4537,28 +4181,10 @@
               </a:lnSpc>
             </a:pPr>
             <a:r>
-              <a:rPr lang="en-US" dirty="0" smtClean="0">
-                <a:latin typeface="Arial Narrow" panose="020B0606020202030204" pitchFamily="34" charset="0"/>
-              </a:rPr>
-              <a:t>We </a:t>
-            </a:r>
-            <a:r>
               <a:rPr lang="en-US" dirty="0">
                 <a:latin typeface="Arial Narrow" panose="020B0606020202030204" pitchFamily="34" charset="0"/>
               </a:rPr>
-              <a:t>propose a machine learning-based system that analyzes physiological data from </a:t>
-            </a:r>
-            <a:r>
-              <a:rPr lang="en-US" dirty="0" smtClean="0">
-                <a:latin typeface="Arial Narrow" panose="020B0606020202030204" pitchFamily="34" charset="0"/>
-              </a:rPr>
-              <a:t>    wearable </a:t>
-            </a:r>
-            <a:r>
-              <a:rPr lang="en-US" dirty="0">
-                <a:latin typeface="Arial Narrow" panose="020B0606020202030204" pitchFamily="34" charset="0"/>
-              </a:rPr>
-              <a:t>sensors to predict cardiac risk levels. The system collects real-time data such as ECG, heart rate, and activity, processes it to extract important features, and applies trained ML models to generate a personalized cardiac risk score. This score is displayed on an interactive dashboard, enabling both users and clinicians to monitor heart health, receive alerts, and take timely preventive actions.</a:t>
+              <a:t>We propose a machine learning-based system that analyzes physiological data from     wearable sensors to predict cardiac risk levels. The system collects real-time data such as ECG, heart rate, and activity, processes it to extract important features, and applies trained ML models to generate a personalized cardiac risk score. This score is displayed on an interactive dashboard, enabling both users and clinicians to monitor heart health, receive alerts, and take timely preventive actions.</a:t>
             </a:r>
             <a:endParaRPr lang="en-IN" dirty="0">
               <a:latin typeface="Arial Narrow" panose="020B0606020202030204" pitchFamily="34" charset="0"/>
@@ -4651,7 +4277,7 @@
           </a:lstStyle>
           <a:p>
             <a:r>
-              <a:rPr lang="en-US" dirty="0" smtClean="0"/>
+              <a:rPr lang="en-US" dirty="0"/>
               <a:t>SOLUTION</a:t>
             </a:r>
             <a:endParaRPr lang="en-IN" dirty="0"/>
@@ -4671,7 +4297,7 @@
 </p:sld>
 </file>
 
-<file path=ppt/slides/slide5.xml><?xml version="1.0" encoding="utf-8"?>
+<file path=ppt/slides/slide4.xml><?xml version="1.0" encoding="utf-8"?>
 <p:sld xmlns:a="http://schemas.openxmlformats.org/drawingml/2006/main" xmlns:r="http://schemas.openxmlformats.org/officeDocument/2006/relationships" xmlns:p="http://schemas.openxmlformats.org/presentationml/2006/main" showMasterSp="0">
   <p:cSld>
     <p:spTree>
@@ -4747,34 +4373,13 @@
               </a:spcAft>
             </a:pPr>
             <a:r>
-              <a:rPr lang="en-IN" b="1" dirty="0" smtClean="0">
-                <a:latin typeface="Calibri" panose="020F0502020204030204" pitchFamily="34" charset="0"/>
-                <a:ea typeface="Calibri" panose="020F0502020204030204" pitchFamily="34" charset="0"/>
-                <a:cs typeface="Times New Roman" panose="02020603050405020304" pitchFamily="18" charset="0"/>
-              </a:rPr>
-              <a:t>Screenshot/Video </a:t>
-            </a:r>
-            <a:r>
               <a:rPr lang="en-IN" b="1" dirty="0">
                 <a:latin typeface="Calibri" panose="020F0502020204030204" pitchFamily="34" charset="0"/>
                 <a:ea typeface="Calibri" panose="020F0502020204030204" pitchFamily="34" charset="0"/>
                 <a:cs typeface="Times New Roman" panose="02020603050405020304" pitchFamily="18" charset="0"/>
               </a:rPr>
-              <a:t>of Outcome</a:t>
-            </a:r>
-            <a:r>
-              <a:rPr lang="en-IN" b="1" dirty="0" smtClean="0">
-                <a:latin typeface="Calibri" panose="020F0502020204030204" pitchFamily="34" charset="0"/>
-                <a:ea typeface="Calibri" panose="020F0502020204030204" pitchFamily="34" charset="0"/>
-                <a:cs typeface="Times New Roman" panose="02020603050405020304" pitchFamily="18" charset="0"/>
-              </a:rPr>
-              <a:t>: </a:t>
-            </a:r>
-            <a:endParaRPr lang="en-IN" b="1" dirty="0">
-              <a:latin typeface="Calibri" panose="020F0502020204030204" pitchFamily="34" charset="0"/>
-              <a:ea typeface="Calibri" panose="020F0502020204030204" pitchFamily="34" charset="0"/>
-              <a:cs typeface="Times New Roman" panose="02020603050405020304" pitchFamily="18" charset="0"/>
-            </a:endParaRPr>
+              <a:t>Screenshot/Video of Outcome: </a:t>
+            </a:r>
           </a:p>
         </p:txBody>
       </p:sp>
@@ -4863,7 +4468,7 @@
           </a:lstStyle>
           <a:p>
             <a:r>
-              <a:rPr lang="en-US" dirty="0" smtClean="0"/>
+              <a:rPr lang="en-US" dirty="0"/>
               <a:t>RESULT</a:t>
             </a:r>
             <a:endParaRPr lang="en-IN" dirty="0"/>
@@ -4905,17 +4510,10 @@
   <p:clrMapOvr>
     <a:masterClrMapping/>
   </p:clrMapOvr>
-  <p:timing>
-    <p:tnLst>
-      <p:par>
-        <p:cTn id="1" dur="indefinite" restart="never" nodeType="tmRoot"/>
-      </p:par>
-    </p:tnLst>
-  </p:timing>
 </p:sld>
 </file>
 
-<file path=ppt/slides/slide6.xml><?xml version="1.0" encoding="utf-8"?>
+<file path=ppt/slides/slide5.xml><?xml version="1.0" encoding="utf-8"?>
 <p:sld xmlns:a="http://schemas.openxmlformats.org/drawingml/2006/main" xmlns:r="http://schemas.openxmlformats.org/officeDocument/2006/relationships" xmlns:p="http://schemas.openxmlformats.org/presentationml/2006/main">
   <p:cSld>
     <p:spTree>
@@ -5115,7 +4713,7 @@
               <a:buChar char="•"/>
               <a:tabLst/>
             </a:pPr>
-            <a:endParaRPr kumimoji="0" lang="en-US" altLang="en-US" sz="2000" b="0" i="0" u="none" strike="noStrike" cap="none" normalizeH="0" baseline="0" dirty="0" smtClean="0">
+            <a:endParaRPr kumimoji="0" lang="en-US" altLang="en-US" sz="2000" b="0" i="0" u="none" strike="noStrike" cap="none" normalizeH="0" baseline="0" dirty="0">
               <a:ln>
                 <a:noFill/>
               </a:ln>
@@ -5144,7 +4742,7 @@
               <a:tabLst/>
             </a:pPr>
             <a:r>
-              <a:rPr kumimoji="0" lang="en-US" altLang="en-US" sz="2000" b="0" i="0" u="none" strike="noStrike" cap="none" normalizeH="0" baseline="0" dirty="0" smtClean="0">
+              <a:rPr kumimoji="0" lang="en-US" altLang="en-US" sz="2000" b="0" i="0" u="none" strike="noStrike" cap="none" normalizeH="0" baseline="0" dirty="0">
                 <a:ln>
                   <a:noFill/>
                 </a:ln>
@@ -5175,7 +4773,7 @@
               <a:tabLst/>
             </a:pPr>
             <a:r>
-              <a:rPr kumimoji="0" lang="en-US" altLang="en-US" sz="2000" b="0" i="0" u="none" strike="noStrike" cap="none" normalizeH="0" baseline="0" dirty="0" smtClean="0">
+              <a:rPr kumimoji="0" lang="en-US" altLang="en-US" sz="2000" b="0" i="0" u="none" strike="noStrike" cap="none" normalizeH="0" baseline="0" dirty="0">
                 <a:ln>
                   <a:noFill/>
                 </a:ln>
@@ -5206,7 +4804,7 @@
               <a:tabLst/>
             </a:pPr>
             <a:r>
-              <a:rPr kumimoji="0" lang="en-US" altLang="en-US" sz="2000" b="0" i="0" u="none" strike="noStrike" cap="none" normalizeH="0" baseline="0" dirty="0" smtClean="0">
+              <a:rPr kumimoji="0" lang="en-US" altLang="en-US" sz="2000" b="0" i="0" u="none" strike="noStrike" cap="none" normalizeH="0" baseline="0" dirty="0">
                 <a:ln>
                   <a:noFill/>
                 </a:ln>
@@ -5237,7 +4835,7 @@
               <a:tabLst/>
             </a:pPr>
             <a:r>
-              <a:rPr kumimoji="0" lang="en-US" altLang="en-US" sz="2000" b="0" i="0" u="none" strike="noStrike" cap="none" normalizeH="0" baseline="0" dirty="0" smtClean="0">
+              <a:rPr kumimoji="0" lang="en-US" altLang="en-US" sz="2000" b="0" i="0" u="none" strike="noStrike" cap="none" normalizeH="0" baseline="0" dirty="0">
                 <a:ln>
                   <a:noFill/>
                 </a:ln>
@@ -5268,7 +4866,7 @@
               <a:tabLst/>
             </a:pPr>
             <a:r>
-              <a:rPr kumimoji="0" lang="en-US" altLang="en-US" sz="2000" b="0" i="0" u="none" strike="noStrike" cap="none" normalizeH="0" baseline="0" dirty="0" smtClean="0">
+              <a:rPr kumimoji="0" lang="en-US" altLang="en-US" sz="2000" b="0" i="0" u="none" strike="noStrike" cap="none" normalizeH="0" baseline="0" dirty="0">
                 <a:ln>
                   <a:noFill/>
                 </a:ln>
@@ -5299,7 +4897,7 @@
               <a:tabLst/>
             </a:pPr>
             <a:r>
-              <a:rPr kumimoji="0" lang="en-US" altLang="en-US" sz="2000" b="0" i="0" u="none" strike="noStrike" cap="none" normalizeH="0" baseline="0" dirty="0" smtClean="0">
+              <a:rPr kumimoji="0" lang="en-US" altLang="en-US" sz="2000" b="0" i="0" u="none" strike="noStrike" cap="none" normalizeH="0" baseline="0" dirty="0">
                 <a:ln>
                   <a:noFill/>
                 </a:ln>
@@ -5330,7 +4928,7 @@
               <a:tabLst/>
             </a:pPr>
             <a:r>
-              <a:rPr kumimoji="0" lang="en-US" altLang="en-US" sz="2000" b="0" i="0" u="none" strike="noStrike" cap="none" normalizeH="0" baseline="0" dirty="0" smtClean="0">
+              <a:rPr kumimoji="0" lang="en-US" altLang="en-US" sz="2000" b="0" i="0" u="none" strike="noStrike" cap="none" normalizeH="0" baseline="0" dirty="0">
                 <a:ln>
                   <a:noFill/>
                 </a:ln>
@@ -5361,7 +4959,7 @@
               <a:tabLst/>
             </a:pPr>
             <a:r>
-              <a:rPr kumimoji="0" lang="en-US" altLang="en-US" sz="2000" b="0" i="0" u="none" strike="noStrike" cap="none" normalizeH="0" baseline="0" dirty="0" smtClean="0">
+              <a:rPr kumimoji="0" lang="en-US" altLang="en-US" sz="2000" b="0" i="0" u="none" strike="noStrike" cap="none" normalizeH="0" baseline="0" dirty="0">
                 <a:ln>
                   <a:noFill/>
                 </a:ln>
@@ -5515,7 +5113,7 @@
           </a:lstStyle>
           <a:p>
             <a:r>
-              <a:rPr lang="en-US" dirty="0" smtClean="0"/>
+              <a:rPr lang="en-US" dirty="0"/>
               <a:t>IMPACT</a:t>
             </a:r>
             <a:endParaRPr lang="en-IN" dirty="0"/>
@@ -5535,7 +5133,7 @@
 </p:sld>
 </file>
 
-<file path=ppt/slides/slide7.xml><?xml version="1.0" encoding="utf-8"?>
+<file path=ppt/slides/slide6.xml><?xml version="1.0" encoding="utf-8"?>
 <p:sld xmlns:a="http://schemas.openxmlformats.org/drawingml/2006/main" xmlns:r="http://schemas.openxmlformats.org/officeDocument/2006/relationships" xmlns:p="http://schemas.openxmlformats.org/presentationml/2006/main">
   <p:cSld>
     <p:spTree>
@@ -5678,7 +5276,7 @@
           </a:lstStyle>
           <a:p>
             <a:r>
-              <a:rPr lang="en-US" dirty="0" smtClean="0"/>
+              <a:rPr lang="en-US" dirty="0"/>
               <a:t>BLOCK DIAGRAM</a:t>
             </a:r>
             <a:endParaRPr lang="en-IN" dirty="0"/>
@@ -5695,17 +5293,10 @@
   <p:clrMapOvr>
     <a:masterClrMapping/>
   </p:clrMapOvr>
-  <p:timing>
-    <p:tnLst>
-      <p:par>
-        <p:cTn id="1" dur="indefinite" restart="never" nodeType="tmRoot"/>
-      </p:par>
-    </p:tnLst>
-  </p:timing>
 </p:sld>
 </file>
 
-<file path=ppt/slides/slide8.xml><?xml version="1.0" encoding="utf-8"?>
+<file path=ppt/slides/slide7.xml><?xml version="1.0" encoding="utf-8"?>
 <p:sld xmlns:a="http://schemas.openxmlformats.org/drawingml/2006/main" xmlns:r="http://schemas.openxmlformats.org/officeDocument/2006/relationships" xmlns:p="http://schemas.openxmlformats.org/presentationml/2006/main">
   <p:cSld>
     <p:spTree>
@@ -5722,535 +5313,6 @@
           <a:chExt cx="0" cy="0"/>
         </a:xfrm>
       </p:grpSpPr>
-      <p:graphicFrame>
-        <p:nvGraphicFramePr>
-          <p:cNvPr id="3" name="Table 2">
-            <a:extLst>
-              <a:ext uri="{FF2B5EF4-FFF2-40B4-BE49-F238E27FC236}">
-                <a16:creationId xmlns:a16="http://schemas.microsoft.com/office/drawing/2014/main" id="{18F67EE5-B14C-0E56-00F0-36745E121793}"/>
-              </a:ext>
-            </a:extLst>
-          </p:cNvPr>
-          <p:cNvGraphicFramePr>
-            <a:graphicFrameLocks noGrp="1"/>
-          </p:cNvGraphicFramePr>
-          <p:nvPr>
-            <p:extLst>
-              <p:ext uri="{D42A27DB-BD31-4B8C-83A1-F6EECF244321}">
-                <p14:modId xmlns:p14="http://schemas.microsoft.com/office/powerpoint/2010/main" val="1961621751"/>
-              </p:ext>
-            </p:extLst>
-          </p:nvPr>
-        </p:nvGraphicFramePr>
-        <p:xfrm>
-          <a:off x="441750" y="2068595"/>
-          <a:ext cx="11241552" cy="2668530"/>
-        </p:xfrm>
-        <a:graphic>
-          <a:graphicData uri="http://schemas.openxmlformats.org/drawingml/2006/table">
-            <a:tbl>
-              <a:tblPr firstRow="1" bandRow="1">
-                <a:tableStyleId>{5C22544A-7EE6-4342-B048-85BDC9FD1C3A}</a:tableStyleId>
-              </a:tblPr>
-              <a:tblGrid>
-                <a:gridCol w="2810388">
-                  <a:extLst>
-                    <a:ext uri="{9D8B030D-6E8A-4147-A177-3AD203B41FA5}">
-                      <a16:colId xmlns:a16="http://schemas.microsoft.com/office/drawing/2014/main" val="1614483682"/>
-                    </a:ext>
-                  </a:extLst>
-                </a:gridCol>
-                <a:gridCol w="2810388">
-                  <a:extLst>
-                    <a:ext uri="{9D8B030D-6E8A-4147-A177-3AD203B41FA5}">
-                      <a16:colId xmlns:a16="http://schemas.microsoft.com/office/drawing/2014/main" val="4222058827"/>
-                    </a:ext>
-                  </a:extLst>
-                </a:gridCol>
-                <a:gridCol w="2810388">
-                  <a:extLst>
-                    <a:ext uri="{9D8B030D-6E8A-4147-A177-3AD203B41FA5}">
-                      <a16:colId xmlns:a16="http://schemas.microsoft.com/office/drawing/2014/main" val="3321899894"/>
-                    </a:ext>
-                  </a:extLst>
-                </a:gridCol>
-                <a:gridCol w="2810388">
-                  <a:extLst>
-                    <a:ext uri="{9D8B030D-6E8A-4147-A177-3AD203B41FA5}">
-                      <a16:colId xmlns:a16="http://schemas.microsoft.com/office/drawing/2014/main" val="1418994217"/>
-                    </a:ext>
-                  </a:extLst>
-                </a:gridCol>
-              </a:tblGrid>
-              <a:tr h="656850">
-                <a:tc>
-                  <a:txBody>
-                    <a:bodyPr/>
-                    <a:lstStyle/>
-                    <a:p>
-                      <a:r>
-                        <a:rPr lang="en-US" dirty="0"/>
-                        <a:t>Title of the paper</a:t>
-                      </a:r>
-                    </a:p>
-                  </a:txBody>
-                  <a:tcPr/>
-                </a:tc>
-                <a:tc>
-                  <a:txBody>
-                    <a:bodyPr/>
-                    <a:lstStyle/>
-                    <a:p>
-                      <a:r>
-                        <a:rPr lang="en-US" dirty="0"/>
-                        <a:t>Authors</a:t>
-                      </a:r>
-                      <a:endParaRPr lang="en-IN" dirty="0"/>
-                    </a:p>
-                  </a:txBody>
-                  <a:tcPr/>
-                </a:tc>
-                <a:tc>
-                  <a:txBody>
-                    <a:bodyPr/>
-                    <a:lstStyle/>
-                    <a:p>
-                      <a:r>
-                        <a:rPr lang="en-US" dirty="0"/>
-                        <a:t>Journal name &amp; Year</a:t>
-                      </a:r>
-                      <a:endParaRPr lang="en-IN" dirty="0"/>
-                    </a:p>
-                  </a:txBody>
-                  <a:tcPr/>
-                </a:tc>
-                <a:tc>
-                  <a:txBody>
-                    <a:bodyPr/>
-                    <a:lstStyle/>
-                    <a:p>
-                      <a:r>
-                        <a:rPr lang="en-US" dirty="0"/>
-                        <a:t>Inference</a:t>
-                      </a:r>
-                      <a:endParaRPr lang="en-IN" dirty="0"/>
-                    </a:p>
-                  </a:txBody>
-                  <a:tcPr/>
-                </a:tc>
-                <a:extLst>
-                  <a:ext uri="{0D108BD9-81ED-4DB2-BD59-A6C34878D82A}">
-                    <a16:rowId xmlns:a16="http://schemas.microsoft.com/office/drawing/2014/main" val="2633391478"/>
-                  </a:ext>
-                </a:extLst>
-              </a:tr>
-              <a:tr h="1577122">
-                <a:tc>
-                  <a:txBody>
-                    <a:bodyPr/>
-                    <a:lstStyle/>
-                    <a:p>
-                      <a:pPr marL="285750" indent="-285750">
-                        <a:buFont typeface="Arial" panose="020B0604020202020204" pitchFamily="34" charset="0"/>
-                        <a:buChar char="•"/>
-                      </a:pPr>
-                      <a:r>
-                        <a:rPr lang="en-IN" sz="1800" kern="1200" dirty="0" smtClean="0">
-                          <a:solidFill>
-                            <a:schemeClr val="dk1"/>
-                          </a:solidFill>
-                          <a:effectLst/>
-                          <a:latin typeface="+mn-lt"/>
-                          <a:ea typeface="+mn-ea"/>
-                          <a:cs typeface="+mn-cs"/>
-                        </a:rPr>
-                        <a:t>Cardiac Risk Scoring with ML Algorithms </a:t>
-                      </a:r>
-                    </a:p>
-                    <a:p>
-                      <a:pPr marL="285750" indent="-285750">
-                        <a:buFont typeface="Arial" panose="020B0604020202020204" pitchFamily="34" charset="0"/>
-                        <a:buChar char="•"/>
-                      </a:pPr>
-                      <a:endParaRPr lang="en-IN" sz="1800" kern="1200" dirty="0" smtClean="0">
-                        <a:solidFill>
-                          <a:schemeClr val="dk1"/>
-                        </a:solidFill>
-                        <a:effectLst/>
-                        <a:latin typeface="+mn-lt"/>
-                        <a:ea typeface="+mn-ea"/>
-                        <a:cs typeface="+mn-cs"/>
-                      </a:endParaRPr>
-                    </a:p>
-                    <a:p>
-                      <a:pPr marL="285750" indent="-285750">
-                        <a:buFont typeface="Arial" panose="020B0604020202020204" pitchFamily="34" charset="0"/>
-                        <a:buChar char="•"/>
-                      </a:pPr>
-                      <a:endParaRPr lang="en-IN" sz="1800" kern="1200" dirty="0" smtClean="0">
-                        <a:solidFill>
-                          <a:schemeClr val="dk1"/>
-                        </a:solidFill>
-                        <a:effectLst/>
-                        <a:latin typeface="+mn-lt"/>
-                        <a:ea typeface="+mn-ea"/>
-                        <a:cs typeface="+mn-cs"/>
-                      </a:endParaRPr>
-                    </a:p>
-                    <a:p>
-                      <a:pPr marL="285750" indent="-285750">
-                        <a:buFont typeface="Arial" panose="020B0604020202020204" pitchFamily="34" charset="0"/>
-                        <a:buChar char="•"/>
-                      </a:pPr>
-                      <a:r>
-                        <a:rPr lang="en-IN" sz="1800" kern="1200" dirty="0" smtClean="0">
-                          <a:solidFill>
-                            <a:schemeClr val="dk1"/>
-                          </a:solidFill>
-                          <a:effectLst/>
-                          <a:latin typeface="+mn-lt"/>
-                          <a:ea typeface="+mn-ea"/>
-                          <a:cs typeface="+mn-cs"/>
-                        </a:rPr>
-                        <a:t>Predicting Cardiac Events Using Wearable Devices </a:t>
-                      </a:r>
-                      <a:endParaRPr lang="en-IN" dirty="0"/>
-                    </a:p>
-                  </a:txBody>
-                  <a:tcPr/>
-                </a:tc>
-                <a:tc>
-                  <a:txBody>
-                    <a:bodyPr/>
-                    <a:lstStyle/>
-                    <a:p>
-                      <a:r>
-                        <a:rPr lang="en-IN" sz="1800" kern="1200" dirty="0" smtClean="0">
-                          <a:solidFill>
-                            <a:schemeClr val="dk1"/>
-                          </a:solidFill>
-                          <a:effectLst/>
-                          <a:latin typeface="+mn-lt"/>
-                          <a:ea typeface="+mn-ea"/>
-                          <a:cs typeface="+mn-cs"/>
-                        </a:rPr>
-                        <a:t>Smith et al. </a:t>
-                      </a:r>
-                    </a:p>
-                    <a:p>
-                      <a:endParaRPr lang="en-US" sz="1800" kern="1200" dirty="0" smtClean="0">
-                        <a:solidFill>
-                          <a:schemeClr val="dk1"/>
-                        </a:solidFill>
-                        <a:effectLst/>
-                        <a:latin typeface="+mn-lt"/>
-                        <a:ea typeface="+mn-ea"/>
-                        <a:cs typeface="+mn-cs"/>
-                      </a:endParaRPr>
-                    </a:p>
-                    <a:p>
-                      <a:endParaRPr lang="en-IN" sz="1800" kern="1200" dirty="0" smtClean="0">
-                        <a:solidFill>
-                          <a:schemeClr val="dk1"/>
-                        </a:solidFill>
-                        <a:effectLst/>
-                        <a:latin typeface="+mn-lt"/>
-                        <a:ea typeface="+mn-ea"/>
-                        <a:cs typeface="+mn-cs"/>
-                      </a:endParaRPr>
-                    </a:p>
-                    <a:p>
-                      <a:endParaRPr lang="en-IN" sz="1800" kern="1200" dirty="0" smtClean="0">
-                        <a:solidFill>
-                          <a:schemeClr val="dk1"/>
-                        </a:solidFill>
-                        <a:effectLst/>
-                        <a:latin typeface="+mn-lt"/>
-                        <a:ea typeface="+mn-ea"/>
-                        <a:cs typeface="+mn-cs"/>
-                      </a:endParaRPr>
-                    </a:p>
-                    <a:p>
-                      <a:r>
-                        <a:rPr lang="en-IN" sz="1800" kern="1200" dirty="0" smtClean="0">
-                          <a:solidFill>
-                            <a:schemeClr val="dk1"/>
-                          </a:solidFill>
-                          <a:effectLst/>
-                          <a:latin typeface="+mn-lt"/>
-                          <a:ea typeface="+mn-ea"/>
-                          <a:cs typeface="+mn-cs"/>
-                        </a:rPr>
-                        <a:t>Lee &amp; Patel </a:t>
-                      </a:r>
-                      <a:endParaRPr lang="en-IN" dirty="0"/>
-                    </a:p>
-                  </a:txBody>
-                  <a:tcPr/>
-                </a:tc>
-                <a:tc>
-                  <a:txBody>
-                    <a:bodyPr/>
-                    <a:lstStyle/>
-                    <a:p>
-                      <a:r>
-                        <a:rPr lang="en-IN" sz="1800" kern="1200" dirty="0" smtClean="0">
-                          <a:solidFill>
-                            <a:schemeClr val="dk1"/>
-                          </a:solidFill>
-                          <a:effectLst/>
-                          <a:latin typeface="+mn-lt"/>
-                          <a:ea typeface="+mn-ea"/>
-                          <a:cs typeface="+mn-cs"/>
-                        </a:rPr>
-                        <a:t>IEEE TBE, 2024 </a:t>
-                      </a:r>
-                    </a:p>
-                    <a:p>
-                      <a:endParaRPr lang="en-US" sz="1800" kern="1200" dirty="0" smtClean="0">
-                        <a:solidFill>
-                          <a:schemeClr val="dk1"/>
-                        </a:solidFill>
-                        <a:effectLst/>
-                        <a:latin typeface="+mn-lt"/>
-                        <a:ea typeface="+mn-ea"/>
-                        <a:cs typeface="+mn-cs"/>
-                      </a:endParaRPr>
-                    </a:p>
-                    <a:p>
-                      <a:endParaRPr lang="en-IN" sz="1800" kern="1200" dirty="0" smtClean="0">
-                        <a:solidFill>
-                          <a:schemeClr val="dk1"/>
-                        </a:solidFill>
-                        <a:effectLst/>
-                        <a:latin typeface="+mn-lt"/>
-                        <a:ea typeface="+mn-ea"/>
-                        <a:cs typeface="+mn-cs"/>
-                      </a:endParaRPr>
-                    </a:p>
-                    <a:p>
-                      <a:endParaRPr lang="en-IN" sz="1800" kern="1200" dirty="0" smtClean="0">
-                        <a:solidFill>
-                          <a:schemeClr val="dk1"/>
-                        </a:solidFill>
-                        <a:effectLst/>
-                        <a:latin typeface="+mn-lt"/>
-                        <a:ea typeface="+mn-ea"/>
-                        <a:cs typeface="+mn-cs"/>
-                      </a:endParaRPr>
-                    </a:p>
-                    <a:p>
-                      <a:r>
-                        <a:rPr lang="en-IN" sz="1800" kern="1200" dirty="0" smtClean="0">
-                          <a:solidFill>
-                            <a:schemeClr val="dk1"/>
-                          </a:solidFill>
-                          <a:effectLst/>
-                          <a:latin typeface="+mn-lt"/>
-                          <a:ea typeface="+mn-ea"/>
-                          <a:cs typeface="+mn-cs"/>
-                        </a:rPr>
-                        <a:t>JMIR, 2023 </a:t>
-                      </a:r>
-                      <a:endParaRPr lang="en-IN" dirty="0"/>
-                    </a:p>
-                  </a:txBody>
-                  <a:tcPr/>
-                </a:tc>
-                <a:tc>
-                  <a:txBody>
-                    <a:bodyPr/>
-                    <a:lstStyle/>
-                    <a:p>
-                      <a:pPr marL="0" marR="0" indent="0" algn="l" defTabSz="914400" rtl="0" eaLnBrk="1" fontAlgn="auto" latinLnBrk="0" hangingPunct="1">
-                        <a:lnSpc>
-                          <a:spcPct val="100000"/>
-                        </a:lnSpc>
-                        <a:spcBef>
-                          <a:spcPts val="0"/>
-                        </a:spcBef>
-                        <a:spcAft>
-                          <a:spcPts val="0"/>
-                        </a:spcAft>
-                        <a:buClrTx/>
-                        <a:buSzTx/>
-                        <a:buFontTx/>
-                        <a:buNone/>
-                        <a:tabLst/>
-                        <a:defRPr/>
-                      </a:pPr>
-                      <a:r>
-                        <a:rPr lang="en-IN" sz="1800" kern="1200" dirty="0" smtClean="0">
-                          <a:solidFill>
-                            <a:schemeClr val="dk1"/>
-                          </a:solidFill>
-                          <a:effectLst/>
-                          <a:latin typeface="+mn-lt"/>
-                          <a:ea typeface="+mn-ea"/>
-                          <a:cs typeface="+mn-cs"/>
-                        </a:rPr>
-                        <a:t>ML models improve prediction of at-risk patients using health data</a:t>
-                      </a:r>
-                    </a:p>
-                    <a:p>
-                      <a:endParaRPr lang="en-US" dirty="0" smtClean="0"/>
-                    </a:p>
-                    <a:p>
-                      <a:r>
-                        <a:rPr lang="en-IN" sz="1800" kern="1200" dirty="0" smtClean="0">
-                          <a:solidFill>
-                            <a:schemeClr val="dk1"/>
-                          </a:solidFill>
-                          <a:effectLst/>
-                          <a:latin typeface="+mn-lt"/>
-                          <a:ea typeface="+mn-ea"/>
-                          <a:cs typeface="+mn-cs"/>
-                        </a:rPr>
-                        <a:t>Wearables plus ML can identify early warning signs for heart issues </a:t>
-                      </a:r>
-                    </a:p>
-                  </a:txBody>
-                  <a:tcPr/>
-                </a:tc>
-                <a:extLst>
-                  <a:ext uri="{0D108BD9-81ED-4DB2-BD59-A6C34878D82A}">
-                    <a16:rowId xmlns:a16="http://schemas.microsoft.com/office/drawing/2014/main" val="3660077260"/>
-                  </a:ext>
-                </a:extLst>
-              </a:tr>
-            </a:tbl>
-          </a:graphicData>
-        </a:graphic>
-      </p:graphicFrame>
-      <p:sp>
-        <p:nvSpPr>
-          <p:cNvPr id="5" name="Title 1">
-            <a:extLst>
-              <a:ext uri="{FF2B5EF4-FFF2-40B4-BE49-F238E27FC236}">
-                <a16:creationId xmlns:a16="http://schemas.microsoft.com/office/drawing/2014/main" id="{BEACCAF2-3249-8E7C-885A-CBEAE1A8D293}"/>
-              </a:ext>
-            </a:extLst>
-          </p:cNvPr>
-          <p:cNvSpPr txBox="1">
-            <a:spLocks/>
-          </p:cNvSpPr>
-          <p:nvPr/>
-        </p:nvSpPr>
-        <p:spPr>
-          <a:xfrm>
-            <a:off x="621727" y="115408"/>
-            <a:ext cx="11176985" cy="1083076"/>
-          </a:xfrm>
-          <a:prstGeom prst="rect">
-            <a:avLst/>
-          </a:prstGeom>
-          <a:gradFill>
-            <a:gsLst>
-              <a:gs pos="0">
-                <a:schemeClr val="accent4">
-                  <a:lumMod val="20000"/>
-                  <a:lumOff val="80000"/>
-                </a:schemeClr>
-              </a:gs>
-              <a:gs pos="74000">
-                <a:schemeClr val="accent6">
-                  <a:lumMod val="20000"/>
-                  <a:lumOff val="80000"/>
-                </a:schemeClr>
-              </a:gs>
-              <a:gs pos="83000">
-                <a:schemeClr val="accent6">
-                  <a:lumMod val="40000"/>
-                  <a:lumOff val="60000"/>
-                </a:schemeClr>
-              </a:gs>
-              <a:gs pos="100000">
-                <a:schemeClr val="accent6">
-                  <a:lumMod val="60000"/>
-                  <a:lumOff val="40000"/>
-                </a:schemeClr>
-              </a:gs>
-            </a:gsLst>
-            <a:lin ang="5400000" scaled="1"/>
-          </a:gradFill>
-          <a:effectLst>
-            <a:glow rad="228600">
-              <a:schemeClr val="accent4">
-                <a:satMod val="175000"/>
-                <a:alpha val="40000"/>
-              </a:schemeClr>
-            </a:glow>
-          </a:effectLst>
-        </p:spPr>
-        <p:txBody>
-          <a:bodyPr vert="horz" lIns="91440" tIns="45720" rIns="91440" bIns="45720" rtlCol="0" anchor="ctr">
-            <a:normAutofit/>
-          </a:bodyPr>
-          <a:lstStyle>
-            <a:lvl1pPr algn="ctr" defTabSz="914400" rtl="0" eaLnBrk="1" latinLnBrk="0" hangingPunct="1">
-              <a:lnSpc>
-                <a:spcPct val="90000"/>
-              </a:lnSpc>
-              <a:spcBef>
-                <a:spcPct val="0"/>
-              </a:spcBef>
-              <a:buNone/>
-              <a:defRPr sz="6000" kern="1200">
-                <a:solidFill>
-                  <a:schemeClr val="tx1"/>
-                </a:solidFill>
-                <a:latin typeface="+mj-lt"/>
-                <a:ea typeface="+mj-ea"/>
-                <a:cs typeface="+mj-cs"/>
-              </a:defRPr>
-            </a:lvl1pPr>
-          </a:lstStyle>
-          <a:p>
-            <a:r>
-              <a:rPr lang="en-US" smtClean="0"/>
-              <a:t>LITERATURE</a:t>
-            </a:r>
-            <a:endParaRPr lang="en-IN" dirty="0"/>
-          </a:p>
-        </p:txBody>
-      </p:sp>
-    </p:spTree>
-    <p:extLst>
-      <p:ext uri="{BB962C8B-B14F-4D97-AF65-F5344CB8AC3E}">
-        <p14:creationId xmlns:p14="http://schemas.microsoft.com/office/powerpoint/2010/main" val="120370382"/>
-      </p:ext>
-    </p:extLst>
-  </p:cSld>
-  <p:clrMapOvr>
-    <a:masterClrMapping/>
-  </p:clrMapOvr>
-  <p:timing>
-    <p:tnLst>
-      <p:par>
-        <p:cTn id="1" dur="indefinite" restart="never" nodeType="tmRoot"/>
-      </p:par>
-    </p:tnLst>
-  </p:timing>
-</p:sld>
-</file>
-
-<file path=ppt/slides/slide9.xml><?xml version="1.0" encoding="utf-8"?>
-<p:sld xmlns:a="http://schemas.openxmlformats.org/drawingml/2006/main" xmlns:r="http://schemas.openxmlformats.org/officeDocument/2006/relationships" xmlns:p="http://schemas.openxmlformats.org/presentationml/2006/main">
-  <p:cSld>
-    <p:spTree>
-      <p:nvGrpSpPr>
-        <p:cNvPr id="1" name=""/>
-        <p:cNvGrpSpPr/>
-        <p:nvPr/>
-      </p:nvGrpSpPr>
-      <p:grpSpPr>
-        <a:xfrm>
-          <a:off x="0" y="0"/>
-          <a:ext cx="0" cy="0"/>
-          <a:chOff x="0" y="0"/>
-          <a:chExt cx="0" cy="0"/>
-        </a:xfrm>
-      </p:grpSpPr>
       <p:sp>
         <p:nvSpPr>
           <p:cNvPr id="2" name="Rectangle 1"/>
@@ -6273,7 +5335,7 @@
           <a:lstStyle/>
           <a:p>
             <a:r>
-              <a:rPr lang="en-IN" sz="9600" dirty="0" smtClean="0">
+              <a:rPr lang="en-IN" sz="9600" dirty="0">
                 <a:solidFill>
                   <a:schemeClr val="accent1">
                     <a:lumMod val="75000"/>
@@ -6283,14 +5345,6 @@
               </a:rPr>
               <a:t>𝕋𝕙𝕒𝕟𝕜 𝕐𝕆𝕌</a:t>
             </a:r>
-            <a:endParaRPr lang="en-IN" sz="9600" dirty="0">
-              <a:solidFill>
-                <a:schemeClr val="accent1">
-                  <a:lumMod val="75000"/>
-                </a:schemeClr>
-              </a:solidFill>
-              <a:latin typeface="Berlin Sans FB Demi" panose="020E0802020502020306" pitchFamily="34" charset="0"/>
-            </a:endParaRPr>
           </a:p>
         </p:txBody>
       </p:sp>

--- a/PPT Format for presentation.pptx
+++ b/PPT Format for presentation.pptx
@@ -8,15 +8,18 @@
     <p:notesMasterId r:id="rId11"/>
   </p:notesMasterIdLst>
   <p:sldIdLst>
-    <p:sldId id="256" r:id="rId2"/>
-    <p:sldId id="257" r:id="rId3"/>
-    <p:sldId id="265" r:id="rId4"/>
-    <p:sldId id="266" r:id="rId5"/>
-    <p:sldId id="262" r:id="rId6"/>
-    <p:sldId id="269" r:id="rId7"/>
-    <p:sldId id="260" r:id="rId8"/>
-    <p:sldId id="271" r:id="rId9"/>
-    <p:sldId id="268" r:id="rId10"/>
+    <p:sldId id="256" r:id="rId16"/>
+    <p:sldId id="257" r:id="rId17"/>
+    <p:sldId id="258" r:id="rId18"/>
+    <p:sldId id="259" r:id="rId19"/>
+    <p:sldId id="260" r:id="rId20"/>
+    <p:sldId id="261" r:id="rId21"/>
+    <p:sldId id="262" r:id="rId22"/>
+    <p:sldId id="263" r:id="rId23"/>
+    <p:sldId id="264" r:id="rId24"/>
+    <p:sldId id="265" r:id="rId25"/>
+    <p:sldId id="266" r:id="rId26"/>
+    <p:sldId id="267" r:id="rId27"/>
   </p:sldIdLst>
   <p:sldSz cx="12192000" cy="6858000"/>
   <p:notesSz cx="6858000" cy="9144000"/>
@@ -3776,7 +3779,7 @@
 </file>
 
 <file path=ppt/slides/slide1.xml><?xml version="1.0" encoding="utf-8"?>
-<p:sld xmlns:a="http://schemas.openxmlformats.org/drawingml/2006/main" xmlns:r="http://schemas.openxmlformats.org/officeDocument/2006/relationships" xmlns:p="http://schemas.openxmlformats.org/presentationml/2006/main">
+<p:sld xmlns:a="http://schemas.openxmlformats.org/drawingml/2006/main" xmlns:p="http://schemas.openxmlformats.org/presentationml/2006/main" xmlns:r="http://schemas.openxmlformats.org/officeDocument/2006/relationships">
   <p:cSld>
     <p:spTree>
       <p:nvGrpSpPr>
@@ -3784,323 +3787,104 @@
         <p:cNvGrpSpPr/>
         <p:nvPr/>
       </p:nvGrpSpPr>
-      <p:grpSpPr>
-        <a:xfrm>
-          <a:off x="0" y="0"/>
-          <a:ext cx="0" cy="0"/>
-          <a:chOff x="0" y="0"/>
-          <a:chExt cx="0" cy="0"/>
-        </a:xfrm>
-      </p:grpSpPr>
-      <p:pic>
-        <p:nvPicPr>
-          <p:cNvPr id="7" name="Picture 6">
-            <a:extLst>
-              <a:ext uri="{FF2B5EF4-FFF2-40B4-BE49-F238E27FC236}">
-                <a16:creationId xmlns:a16="http://schemas.microsoft.com/office/drawing/2014/main" id="{77A88F3F-71A4-E16F-9FE3-41F8997765CB}"/>
-              </a:ext>
-            </a:extLst>
-          </p:cNvPr>
-          <p:cNvPicPr>
-            <a:picLocks noChangeAspect="1"/>
-          </p:cNvPicPr>
-          <p:nvPr/>
-        </p:nvPicPr>
-        <p:blipFill>
-          <a:blip r:embed="rId2">
-            <a:extLst>
-              <a:ext uri="{28A0092B-C50C-407E-A947-70E740481C1C}">
-                <a14:useLocalDpi xmlns:a14="http://schemas.microsoft.com/office/drawing/2010/main" val="0"/>
-              </a:ext>
-            </a:extLst>
-          </a:blip>
-          <a:stretch>
-            <a:fillRect/>
-          </a:stretch>
-        </p:blipFill>
-        <p:spPr>
-          <a:xfrm>
-            <a:off x="5644087" y="0"/>
-            <a:ext cx="4847749" cy="6858000"/>
-          </a:xfrm>
-          <a:prstGeom prst="rect">
-            <a:avLst/>
-          </a:prstGeom>
-        </p:spPr>
-      </p:pic>
-      <p:pic>
-        <p:nvPicPr>
-          <p:cNvPr id="9" name="Picture 8">
-            <a:extLst>
-              <a:ext uri="{FF2B5EF4-FFF2-40B4-BE49-F238E27FC236}">
-                <a16:creationId xmlns:a16="http://schemas.microsoft.com/office/drawing/2014/main" id="{B61010B5-68AF-E694-9854-6793FE1B972C}"/>
-              </a:ext>
-            </a:extLst>
-          </p:cNvPr>
-          <p:cNvPicPr>
-            <a:picLocks noChangeAspect="1"/>
-          </p:cNvPicPr>
-          <p:nvPr/>
-        </p:nvPicPr>
-        <p:blipFill>
-          <a:blip r:embed="rId3" cstate="hqprint">
-            <a:extLst>
-              <a:ext uri="{28A0092B-C50C-407E-A947-70E740481C1C}">
-                <a14:useLocalDpi xmlns:a14="http://schemas.microsoft.com/office/drawing/2010/main" val="0"/>
-              </a:ext>
-            </a:extLst>
-          </a:blip>
-          <a:stretch>
-            <a:fillRect/>
-          </a:stretch>
-        </p:blipFill>
-        <p:spPr>
-          <a:xfrm>
-            <a:off x="314633" y="913776"/>
-            <a:ext cx="3724466" cy="1419953"/>
-          </a:xfrm>
-          <a:prstGeom prst="rect">
-            <a:avLst/>
-          </a:prstGeom>
-        </p:spPr>
-      </p:pic>
-      <p:pic>
-        <p:nvPicPr>
-          <p:cNvPr id="11" name="Picture 10">
-            <a:extLst>
-              <a:ext uri="{FF2B5EF4-FFF2-40B4-BE49-F238E27FC236}">
-                <a16:creationId xmlns:a16="http://schemas.microsoft.com/office/drawing/2014/main" id="{CADDF1CE-3212-0BE0-6773-488E7B9B90C4}"/>
-              </a:ext>
-            </a:extLst>
-          </p:cNvPr>
-          <p:cNvPicPr>
-            <a:picLocks noChangeAspect="1"/>
-          </p:cNvPicPr>
-          <p:nvPr/>
-        </p:nvPicPr>
-        <p:blipFill>
-          <a:blip r:embed="rId4">
-            <a:extLst>
-              <a:ext uri="{28A0092B-C50C-407E-A947-70E740481C1C}">
-                <a14:useLocalDpi xmlns:a14="http://schemas.microsoft.com/office/drawing/2010/main" val="0"/>
-              </a:ext>
-            </a:extLst>
-          </a:blip>
-          <a:stretch>
-            <a:fillRect/>
-          </a:stretch>
-        </p:blipFill>
-        <p:spPr>
-          <a:xfrm>
-            <a:off x="175639" y="2333729"/>
-            <a:ext cx="5111939" cy="680409"/>
-          </a:xfrm>
-          <a:prstGeom prst="rect">
-            <a:avLst/>
-          </a:prstGeom>
-        </p:spPr>
-      </p:pic>
-      <p:pic>
-        <p:nvPicPr>
-          <p:cNvPr id="13" name="Picture 12">
-            <a:extLst>
-              <a:ext uri="{FF2B5EF4-FFF2-40B4-BE49-F238E27FC236}">
-                <a16:creationId xmlns:a16="http://schemas.microsoft.com/office/drawing/2014/main" id="{20E7564F-4C2C-4B63-CAA7-9D6F598B731B}"/>
-              </a:ext>
-            </a:extLst>
-          </p:cNvPr>
-          <p:cNvPicPr>
-            <a:picLocks noChangeAspect="1"/>
-          </p:cNvPicPr>
-          <p:nvPr/>
-        </p:nvPicPr>
-        <p:blipFill>
-          <a:blip r:embed="rId5" cstate="hqprint">
-            <a:extLst>
-              <a:ext uri="{28A0092B-C50C-407E-A947-70E740481C1C}">
-                <a14:useLocalDpi xmlns:a14="http://schemas.microsoft.com/office/drawing/2010/main" val="0"/>
-              </a:ext>
-            </a:extLst>
-          </a:blip>
-          <a:stretch>
-            <a:fillRect/>
-          </a:stretch>
-        </p:blipFill>
-        <p:spPr>
-          <a:xfrm>
-            <a:off x="1125000" y="3267160"/>
-            <a:ext cx="2477729" cy="2333861"/>
-          </a:xfrm>
-          <a:prstGeom prst="rect">
-            <a:avLst/>
-          </a:prstGeom>
-        </p:spPr>
-      </p:pic>
+      <p:grpSpPr/>
+      <p:sp>
+        <p:nvSpPr>
+          <p:cNvPr id="2" name="Title 1"/>
+          <p:cNvSpPr>
+            <a:spLocks noGrp="1"/>
+          </p:cNvSpPr>
+          <p:nvPr>
+            <p:ph type="ctrTitle"/>
+          </p:nvPr>
+        </p:nvSpPr>
+        <p:spPr/>
+        <p:txBody>
+          <a:bodyPr/>
+          <a:lstStyle/>
+          <a:p>
+            <a:pPr>
+              <a:defRPr sz="4400" b="1">
+                <a:solidFill>
+                  <a:srgbClr val="23375A"/>
+                </a:solidFill>
+              </a:defRPr>
+            </a:pPr>
+            <a:r>
+              <a:t>ML-Based Cardiac Risk Score Predictor</a:t>
+            </a:r>
+          </a:p>
+        </p:txBody>
+      </p:sp>
+      <p:sp>
+        <p:nvSpPr>
+          <p:cNvPr id="3" name="Subtitle 2"/>
+          <p:cNvSpPr>
+            <a:spLocks noGrp="1"/>
+          </p:cNvSpPr>
+          <p:nvPr>
+            <p:ph type="subTitle" idx="1"/>
+          </p:nvPr>
+        </p:nvSpPr>
+        <p:spPr/>
+        <p:txBody>
+          <a:bodyPr/>
+          <a:lstStyle/>
+          <a:p>
+            <a:pPr>
+              <a:defRPr sz="2000">
+                <a:solidFill>
+                  <a:srgbClr val="4682B4"/>
+                </a:solidFill>
+              </a:defRPr>
+            </a:pPr>
+            <a:r>
+              <a:t>Using Machine Learning for Early Heart Disease Detection</a:t>
+            </a:r>
+          </a:p>
+          <a:p>
+            <a:r>
+              <a:t>    </a:t>
+            </a:r>
+          </a:p>
+          <a:p>
+            <a:r>
+              <a:t>Team Members:</a:t>
+            </a:r>
+          </a:p>
+          <a:p>
+            <a:r>
+              <a:t>• Mekala Narendra Kumar</a:t>
+            </a:r>
+          </a:p>
+          <a:p>
+            <a:r>
+              <a:t>• Chintha Sanjeev Koushik Kumar Reddy  </a:t>
+            </a:r>
+          </a:p>
+          <a:p>
+            <a:r>
+              <a:t>• Harish</a:t>
+            </a:r>
+          </a:p>
+          <a:p/>
+          <a:p>
+            <a:r>
+              <a:t>Date: 2024</a:t>
+            </a:r>
+          </a:p>
+        </p:txBody>
+      </p:sp>
     </p:spTree>
-    <p:extLst>
-      <p:ext uri="{BB962C8B-B14F-4D97-AF65-F5344CB8AC3E}">
-        <p14:creationId xmlns:p14="http://schemas.microsoft.com/office/powerpoint/2010/main" val="1587405925"/>
-      </p:ext>
-    </p:extLst>
   </p:cSld>
   <p:clrMapOvr>
     <a:masterClrMapping/>
   </p:clrMapOvr>
-  <p:timing>
-    <p:tnLst>
-      <p:par>
-        <p:cTn id="1" dur="indefinite" restart="never" nodeType="tmRoot">
-          <p:childTnLst>
-            <p:seq concurrent="1" nextAc="seek">
-              <p:cTn id="2" dur="indefinite" nodeType="mainSeq">
-                <p:childTnLst>
-                  <p:par>
-                    <p:cTn id="3" fill="hold">
-                      <p:stCondLst>
-                        <p:cond delay="indefinite"/>
-                      </p:stCondLst>
-                      <p:childTnLst>
-                        <p:par>
-                          <p:cTn id="4" fill="hold">
-                            <p:stCondLst>
-                              <p:cond delay="0"/>
-                            </p:stCondLst>
-                            <p:childTnLst>
-                              <p:par>
-                                <p:cTn id="5" presetID="42" presetClass="path" presetSubtype="0" accel="50000" decel="50000" fill="hold" nodeType="clickEffect">
-                                  <p:stCondLst>
-                                    <p:cond delay="0"/>
-                                  </p:stCondLst>
-                                  <p:childTnLst>
-                                    <p:animMotion origin="layout" path="M 0.28842 -0.33403 L -0.03437 -0.00487 " pathEditMode="fixed" rAng="0" ptsTypes="AA">
-                                      <p:cBhvr>
-                                        <p:cTn id="6" dur="2000" fill="hold"/>
-                                        <p:tgtEl>
-                                          <p:spTgt spid="9"/>
-                                        </p:tgtEl>
-                                        <p:attrNameLst>
-                                          <p:attrName>ppt_x</p:attrName>
-                                          <p:attrName>ppt_y</p:attrName>
-                                        </p:attrNameLst>
-                                      </p:cBhvr>
-                                      <p:rCtr x="-16146" y="16458"/>
-                                    </p:animMotion>
-                                  </p:childTnLst>
-                                </p:cTn>
-                              </p:par>
-                            </p:childTnLst>
-                          </p:cTn>
-                        </p:par>
-                      </p:childTnLst>
-                    </p:cTn>
-                  </p:par>
-                  <p:par>
-                    <p:cTn id="7" fill="hold">
-                      <p:stCondLst>
-                        <p:cond delay="indefinite"/>
-                      </p:stCondLst>
-                      <p:childTnLst>
-                        <p:par>
-                          <p:cTn id="8" fill="hold">
-                            <p:stCondLst>
-                              <p:cond delay="0"/>
-                            </p:stCondLst>
-                            <p:childTnLst>
-                              <p:par>
-                                <p:cTn id="9" presetID="42" presetClass="path" presetSubtype="0" accel="50000" decel="50000" fill="hold" nodeType="clickEffect">
-                                  <p:stCondLst>
-                                    <p:cond delay="0"/>
-                                  </p:stCondLst>
-                                  <p:childTnLst>
-                                    <p:animMotion origin="layout" path="M 0.00794 0.00139 L 0.49206 -0.51134 " pathEditMode="relative" rAng="0" ptsTypes="AA">
-                                      <p:cBhvr>
-                                        <p:cTn id="10" dur="2000" spd="-100000" fill="hold"/>
-                                        <p:tgtEl>
-                                          <p:spTgt spid="11"/>
-                                        </p:tgtEl>
-                                        <p:attrNameLst>
-                                          <p:attrName>ppt_x</p:attrName>
-                                          <p:attrName>ppt_y</p:attrName>
-                                        </p:attrNameLst>
-                                      </p:cBhvr>
-                                      <p:rCtr x="24206" y="-25648"/>
-                                    </p:animMotion>
-                                  </p:childTnLst>
-                                </p:cTn>
-                              </p:par>
-                            </p:childTnLst>
-                          </p:cTn>
-                        </p:par>
-                      </p:childTnLst>
-                    </p:cTn>
-                  </p:par>
-                  <p:par>
-                    <p:cTn id="11" fill="hold">
-                      <p:stCondLst>
-                        <p:cond delay="indefinite"/>
-                      </p:stCondLst>
-                      <p:childTnLst>
-                        <p:par>
-                          <p:cTn id="12" fill="hold">
-                            <p:stCondLst>
-                              <p:cond delay="0"/>
-                            </p:stCondLst>
-                            <p:childTnLst>
-                              <p:par>
-                                <p:cTn id="13" presetID="42" presetClass="path" presetSubtype="0" accel="50000" decel="50000" fill="hold" nodeType="clickEffect">
-                                  <p:stCondLst>
-                                    <p:cond delay="0"/>
-                                  </p:stCondLst>
-                                  <p:childTnLst>
-                                    <p:animMotion origin="layout" path="M 0.44167 -0.43287 L -2.08333E-7 2.22222E-6 " pathEditMode="relative" rAng="0" ptsTypes="AA">
-                                      <p:cBhvr>
-                                        <p:cTn id="14" dur="2000" fill="hold"/>
-                                        <p:tgtEl>
-                                          <p:spTgt spid="13"/>
-                                        </p:tgtEl>
-                                        <p:attrNameLst>
-                                          <p:attrName>ppt_x</p:attrName>
-                                          <p:attrName>ppt_y</p:attrName>
-                                        </p:attrNameLst>
-                                      </p:cBhvr>
-                                      <p:rCtr x="-22083" y="21644"/>
-                                    </p:animMotion>
-                                  </p:childTnLst>
-                                </p:cTn>
-                              </p:par>
-                            </p:childTnLst>
-                          </p:cTn>
-                        </p:par>
-                      </p:childTnLst>
-                    </p:cTn>
-                  </p:par>
-                </p:childTnLst>
-              </p:cTn>
-              <p:prevCondLst>
-                <p:cond evt="onPrev" delay="0">
-                  <p:tgtEl>
-                    <p:sldTgt/>
-                  </p:tgtEl>
-                </p:cond>
-              </p:prevCondLst>
-              <p:nextCondLst>
-                <p:cond evt="onNext" delay="0">
-                  <p:tgtEl>
-                    <p:sldTgt/>
-                  </p:tgtEl>
-                </p:cond>
-              </p:nextCondLst>
-            </p:seq>
-          </p:childTnLst>
-        </p:cTn>
-      </p:par>
-    </p:tnLst>
-  </p:timing>
 </p:sld>
 </file>
 
-<file path=ppt/slides/slide2.xml><?xml version="1.0" encoding="utf-8"?>
-<p:sld xmlns:a="http://schemas.openxmlformats.org/drawingml/2006/main" xmlns:r="http://schemas.openxmlformats.org/officeDocument/2006/relationships" xmlns:p="http://schemas.openxmlformats.org/presentationml/2006/main">
+<file path=ppt/slides/slide1.xml><?xml version="1.0" encoding="utf-8"?>
+<p:sld xmlns:a="http://schemas.openxmlformats.org/drawingml/2006/main" xmlns:p="http://schemas.openxmlformats.org/presentationml/2006/main" xmlns:r="http://schemas.openxmlformats.org/officeDocument/2006/relationships">
   <p:cSld>
     <p:spTree>
       <p:nvGrpSpPr>
@@ -4108,23 +3892,10 @@
         <p:cNvGrpSpPr/>
         <p:nvPr/>
       </p:nvGrpSpPr>
-      <p:grpSpPr>
-        <a:xfrm>
-          <a:off x="0" y="0"/>
-          <a:ext cx="0" cy="0"/>
-          <a:chOff x="0" y="0"/>
-          <a:chExt cx="0" cy="0"/>
-        </a:xfrm>
-      </p:grpSpPr>
-      <p:sp>
-        <p:nvSpPr>
-          <p:cNvPr id="2" name="Title 1">
-            <a:extLst>
-              <a:ext uri="{FF2B5EF4-FFF2-40B4-BE49-F238E27FC236}">
-                <a16:creationId xmlns:a16="http://schemas.microsoft.com/office/drawing/2014/main" id="{BEACCAF2-3249-8E7C-885A-CBEAE1A8D293}"/>
-              </a:ext>
-            </a:extLst>
-          </p:cNvPr>
+      <p:grpSpPr/>
+      <p:sp>
+        <p:nvSpPr>
+          <p:cNvPr id="2" name="Title 1"/>
           <p:cNvSpPr>
             <a:spLocks noGrp="1"/>
           </p:cNvSpPr>
@@ -4132,70 +3903,27 @@
             <p:ph type="ctrTitle"/>
           </p:nvPr>
         </p:nvSpPr>
-        <p:spPr>
-          <a:xfrm>
-            <a:off x="589935" y="452285"/>
-            <a:ext cx="11002297" cy="2005780"/>
-          </a:xfrm>
-          <a:gradFill>
-            <a:gsLst>
-              <a:gs pos="0">
-                <a:schemeClr val="accent4">
-                  <a:lumMod val="20000"/>
-                  <a:lumOff val="80000"/>
-                </a:schemeClr>
-              </a:gs>
-              <a:gs pos="74000">
-                <a:schemeClr val="accent6">
-                  <a:lumMod val="20000"/>
-                  <a:lumOff val="80000"/>
-                </a:schemeClr>
-              </a:gs>
-              <a:gs pos="83000">
-                <a:schemeClr val="accent6">
-                  <a:lumMod val="40000"/>
-                  <a:lumOff val="60000"/>
-                </a:schemeClr>
-              </a:gs>
-              <a:gs pos="100000">
-                <a:schemeClr val="accent6">
-                  <a:lumMod val="60000"/>
-                  <a:lumOff val="40000"/>
-                </a:schemeClr>
-              </a:gs>
-            </a:gsLst>
-            <a:lin ang="5400000" scaled="1"/>
-          </a:gradFill>
-          <a:effectLst>
-            <a:glow rad="228600">
-              <a:schemeClr val="accent4">
-                <a:satMod val="175000"/>
-                <a:alpha val="40000"/>
-              </a:schemeClr>
-            </a:glow>
-          </a:effectLst>
-        </p:spPr>
-        <p:txBody>
-          <a:bodyPr anchor="ctr"/>
-          <a:lstStyle/>
-          <a:p>
-            <a:r>
-              <a:rPr lang="en-US" dirty="0" smtClean="0"/>
-              <a:t>ML BASED CARDIAC  RISK SCORE PREDICTOR</a:t>
-            </a:r>
-            <a:endParaRPr lang="en-IN" dirty="0"/>
-          </a:p>
-        </p:txBody>
-      </p:sp>
-      <p:sp>
-        <p:nvSpPr>
-          <p:cNvPr id="3" name="Subtitle 2">
-            <a:extLst>
-              <a:ext uri="{FF2B5EF4-FFF2-40B4-BE49-F238E27FC236}">
-                <a16:creationId xmlns:a16="http://schemas.microsoft.com/office/drawing/2014/main" id="{51EDD5AE-530F-1044-4D1B-A9E6AA0A138F}"/>
-              </a:ext>
-            </a:extLst>
-          </p:cNvPr>
+        <p:spPr/>
+        <p:txBody>
+          <a:bodyPr/>
+          <a:lstStyle/>
+          <a:p>
+            <a:pPr>
+              <a:defRPr sz="4400" b="1">
+                <a:solidFill>
+                  <a:srgbClr val="23375A"/>
+                </a:solidFill>
+              </a:defRPr>
+            </a:pPr>
+            <a:r>
+              <a:t>ML-Based Cardiac Risk Score Predictor</a:t>
+            </a:r>
+          </a:p>
+        </p:txBody>
+      </p:sp>
+      <p:sp>
+        <p:nvSpPr>
+          <p:cNvPr id="3" name="Subtitle 2"/>
           <p:cNvSpPr>
             <a:spLocks noGrp="1"/>
           </p:cNvSpPr>
@@ -4203,105 +3931,65 @@
             <p:ph type="subTitle" idx="1"/>
           </p:nvPr>
         </p:nvSpPr>
-        <p:spPr>
-          <a:xfrm>
-            <a:off x="1868129" y="3254478"/>
-            <a:ext cx="8259097" cy="2812025"/>
-          </a:xfrm>
-          <a:gradFill>
-            <a:gsLst>
-              <a:gs pos="99000">
-                <a:schemeClr val="accent4">
-                  <a:lumMod val="20000"/>
-                  <a:lumOff val="80000"/>
-                </a:schemeClr>
-              </a:gs>
-              <a:gs pos="55000">
-                <a:schemeClr val="accent6">
-                  <a:lumMod val="20000"/>
-                  <a:lumOff val="80000"/>
-                </a:schemeClr>
-              </a:gs>
-              <a:gs pos="25000">
-                <a:schemeClr val="accent6">
-                  <a:lumMod val="40000"/>
-                  <a:lumOff val="60000"/>
-                </a:schemeClr>
-              </a:gs>
-              <a:gs pos="2000">
-                <a:schemeClr val="accent6">
-                  <a:lumMod val="60000"/>
-                  <a:lumOff val="40000"/>
-                </a:schemeClr>
-              </a:gs>
-            </a:gsLst>
-            <a:lin ang="5400000" scaled="1"/>
-          </a:gradFill>
-          <a:effectLst>
-            <a:glow rad="228600">
-              <a:schemeClr val="accent4">
-                <a:satMod val="175000"/>
-                <a:alpha val="40000"/>
-              </a:schemeClr>
-            </a:glow>
-          </a:effectLst>
-        </p:spPr>
-        <p:txBody>
-          <a:bodyPr/>
-          <a:lstStyle/>
-          <a:p>
-            <a:r>
-              <a:rPr lang="en-US" sz="3600" dirty="0"/>
-              <a:t>Team members</a:t>
-            </a:r>
-            <a:r>
-              <a:rPr lang="en-US" dirty="0" smtClean="0"/>
-              <a:t>:</a:t>
-            </a:r>
-          </a:p>
-          <a:p>
-            <a:r>
-              <a:rPr lang="en-US" dirty="0" smtClean="0"/>
-              <a:t>MEKALA NARENDRA KUMAR </a:t>
-            </a:r>
-          </a:p>
-          <a:p>
-            <a:r>
-              <a:rPr lang="en-US" dirty="0" smtClean="0"/>
-              <a:t>CHINTHA SANJEEV KOUSHIK KUMAR REDDY</a:t>
-            </a:r>
-          </a:p>
-          <a:p>
-            <a:r>
-              <a:rPr lang="en-US" dirty="0" smtClean="0"/>
-              <a:t>HARISH</a:t>
-            </a:r>
-            <a:endParaRPr lang="en-IN" dirty="0"/>
+        <p:spPr/>
+        <p:txBody>
+          <a:bodyPr/>
+          <a:lstStyle/>
+          <a:p>
+            <a:pPr>
+              <a:defRPr sz="2000">
+                <a:solidFill>
+                  <a:srgbClr val="4682B4"/>
+                </a:solidFill>
+              </a:defRPr>
+            </a:pPr>
+            <a:r>
+              <a:t>Using Machine Learning for Early Heart Disease Detection</a:t>
+            </a:r>
+          </a:p>
+          <a:p>
+            <a:r>
+              <a:t>    </a:t>
+            </a:r>
+          </a:p>
+          <a:p>
+            <a:r>
+              <a:t>Team Members:</a:t>
+            </a:r>
+          </a:p>
+          <a:p>
+            <a:r>
+              <a:t>• Mekala Narendra Kumar</a:t>
+            </a:r>
+          </a:p>
+          <a:p>
+            <a:r>
+              <a:t>• Chintha Sanjeev Koushik Kumar Reddy  </a:t>
+            </a:r>
+          </a:p>
+          <a:p>
+            <a:r>
+              <a:t>• Harish</a:t>
+            </a:r>
+          </a:p>
+          <a:p/>
+          <a:p>
+            <a:r>
+              <a:t>Date: 2024</a:t>
+            </a:r>
           </a:p>
         </p:txBody>
       </p:sp>
     </p:spTree>
-    <p:extLst>
-      <p:ext uri="{BB962C8B-B14F-4D97-AF65-F5344CB8AC3E}">
-        <p14:creationId xmlns:p14="http://schemas.microsoft.com/office/powerpoint/2010/main" val="1759490573"/>
-      </p:ext>
-    </p:extLst>
   </p:cSld>
   <p:clrMapOvr>
     <a:masterClrMapping/>
   </p:clrMapOvr>
-  <p:timing>
-    <p:tnLst>
-      <p:par>
-        <p:cTn id="1" dur="indefinite" restart="never" nodeType="tmRoot"/>
-      </p:par>
-    </p:tnLst>
-  </p:timing>
 </p:sld>
 </file>
 
-<file path=ppt/slides/slide3.xml><?xml version="1.0" encoding="utf-8"?>
-<p:sld xmlns:a="http://schemas.openxmlformats.org/drawingml/2006/main" xmlns:r="http://schemas.openxmlformats.org/officeDocument/2006/relationships" xmlns:p="http://schemas.openxmlformats.org/presentationml/2006/main">
+<file path=ppt/slides/slide10.xml><?xml version="1.0" encoding="utf-8"?>
+<p:sld xmlns:a="http://schemas.openxmlformats.org/drawingml/2006/main" xmlns:p="http://schemas.openxmlformats.org/presentationml/2006/main" xmlns:r="http://schemas.openxmlformats.org/officeDocument/2006/relationships">
   <p:cSld>
     <p:spTree>
       <p:nvGrpSpPr>
@@ -4309,149 +3997,506 @@
         <p:cNvGrpSpPr/>
         <p:nvPr/>
       </p:nvGrpSpPr>
-      <p:grpSpPr>
-        <a:xfrm>
-          <a:off x="0" y="0"/>
-          <a:ext cx="0" cy="0"/>
-          <a:chOff x="0" y="0"/>
-          <a:chExt cx="0" cy="0"/>
-        </a:xfrm>
-      </p:grpSpPr>
-      <p:sp>
-        <p:nvSpPr>
-          <p:cNvPr id="9" name="Rectangle 8"/>
-          <p:cNvSpPr/>
-          <p:nvPr/>
-        </p:nvSpPr>
-        <p:spPr>
-          <a:xfrm>
-            <a:off x="2923712" y="1973036"/>
-            <a:ext cx="6096000" cy="3727431"/>
-          </a:xfrm>
-          <a:prstGeom prst="rect">
-            <a:avLst/>
-          </a:prstGeom>
-        </p:spPr>
-        <p:txBody>
-          <a:bodyPr>
-            <a:spAutoFit/>
-          </a:bodyPr>
-          <a:lstStyle/>
-          <a:p>
-            <a:pPr>
-              <a:lnSpc>
-                <a:spcPct val="150000"/>
-              </a:lnSpc>
-            </a:pPr>
-            <a:r>
-              <a:rPr lang="en-US" sz="2000" dirty="0" smtClean="0">
-                <a:latin typeface="Arial Narrow" panose="020B0606020202030204" pitchFamily="34" charset="0"/>
-              </a:rPr>
-              <a:t>Cardiovascular </a:t>
-            </a:r>
-            <a:r>
-              <a:rPr lang="en-US" sz="2000" dirty="0">
-                <a:latin typeface="Arial Narrow" panose="020B0606020202030204" pitchFamily="34" charset="0"/>
-              </a:rPr>
-              <a:t>diseases are a leading cause of death globally, often going undetected until serious events occur. This project aims to develop a machine learning-based system that uses data from wearable sensors to predict a user’s cardiac risk score in real time. By analyzing physiological signals like ECG and heart rate, the system will provide early warnings through a user-friendly dashboard, enabling timely intervention and remote monitoring.</a:t>
-            </a:r>
-            <a:endParaRPr lang="en-IN" sz="2000" dirty="0">
-              <a:latin typeface="Arial Narrow" panose="020B0606020202030204" pitchFamily="34" charset="0"/>
-            </a:endParaRPr>
-          </a:p>
-        </p:txBody>
-      </p:sp>
-      <p:sp>
-        <p:nvSpPr>
-          <p:cNvPr id="10" name="Title 1">
-            <a:extLst>
-              <a:ext uri="{FF2B5EF4-FFF2-40B4-BE49-F238E27FC236}">
-                <a16:creationId xmlns:a16="http://schemas.microsoft.com/office/drawing/2014/main" id="{BEACCAF2-3249-8E7C-885A-CBEAE1A8D293}"/>
-              </a:ext>
-            </a:extLst>
-          </p:cNvPr>
-          <p:cNvSpPr txBox="1">
-            <a:spLocks/>
-          </p:cNvSpPr>
-          <p:nvPr/>
-        </p:nvSpPr>
-        <p:spPr>
-          <a:xfrm>
-            <a:off x="825623" y="177553"/>
-            <a:ext cx="11174981" cy="1180730"/>
-          </a:xfrm>
-          <a:prstGeom prst="rect">
-            <a:avLst/>
-          </a:prstGeom>
-          <a:gradFill>
-            <a:gsLst>
-              <a:gs pos="0">
-                <a:schemeClr val="accent4">
-                  <a:lumMod val="20000"/>
-                  <a:lumOff val="80000"/>
-                </a:schemeClr>
-              </a:gs>
-              <a:gs pos="74000">
-                <a:schemeClr val="accent6">
-                  <a:lumMod val="20000"/>
-                  <a:lumOff val="80000"/>
-                </a:schemeClr>
-              </a:gs>
-              <a:gs pos="83000">
-                <a:schemeClr val="accent6">
-                  <a:lumMod val="40000"/>
-                  <a:lumOff val="60000"/>
-                </a:schemeClr>
-              </a:gs>
-              <a:gs pos="100000">
-                <a:schemeClr val="accent6">
-                  <a:lumMod val="60000"/>
-                  <a:lumOff val="40000"/>
-                </a:schemeClr>
-              </a:gs>
-            </a:gsLst>
-            <a:lin ang="5400000" scaled="1"/>
-          </a:gradFill>
-          <a:effectLst>
-            <a:glow rad="228600">
-              <a:schemeClr val="accent4">
-                <a:satMod val="175000"/>
-                <a:alpha val="40000"/>
-              </a:schemeClr>
-            </a:glow>
-          </a:effectLst>
-        </p:spPr>
-        <p:txBody>
-          <a:bodyPr vert="horz" lIns="91440" tIns="45720" rIns="91440" bIns="45720" rtlCol="0" anchor="ctr">
-            <a:normAutofit/>
-          </a:bodyPr>
-          <a:lstStyle>
-            <a:lvl1pPr algn="ctr" defTabSz="914400" rtl="0" eaLnBrk="1" latinLnBrk="0" hangingPunct="1">
-              <a:lnSpc>
-                <a:spcPct val="90000"/>
-              </a:lnSpc>
-              <a:spcBef>
-                <a:spcPct val="0"/>
-              </a:spcBef>
-              <a:buNone/>
-              <a:defRPr sz="6000" kern="1200">
-                <a:solidFill>
-                  <a:schemeClr val="tx1"/>
-                </a:solidFill>
-                <a:latin typeface="+mj-lt"/>
-                <a:ea typeface="+mj-ea"/>
-                <a:cs typeface="+mj-cs"/>
-              </a:defRPr>
-            </a:lvl1pPr>
-          </a:lstStyle>
-          <a:p>
-            <a:endParaRPr lang="en-IN" dirty="0"/>
-          </a:p>
-        </p:txBody>
-      </p:sp>
-      <p:sp>
-        <p:nvSpPr>
-          <p:cNvPr id="11" name="Title 1"/>
+      <p:grpSpPr/>
+      <p:sp>
+        <p:nvSpPr>
+          <p:cNvPr id="2" name="Title 1"/>
+          <p:cNvSpPr>
+            <a:spLocks noGrp="1"/>
+          </p:cNvSpPr>
+          <p:nvPr>
+            <p:ph type="title"/>
+          </p:nvPr>
+        </p:nvSpPr>
+        <p:spPr/>
+        <p:txBody>
+          <a:bodyPr/>
+          <a:lstStyle/>
+          <a:p>
+            <a:pPr>
+              <a:defRPr sz="3600">
+                <a:solidFill>
+                  <a:srgbClr val="23375A"/>
+                </a:solidFill>
+              </a:defRPr>
+            </a:pPr>
+            <a:r>
+              <a:t>Impact &amp; Benefits</a:t>
+            </a:r>
+          </a:p>
+        </p:txBody>
+      </p:sp>
+      <p:sp>
+        <p:nvSpPr>
+          <p:cNvPr id="3" name="Content Placeholder 2"/>
+          <p:cNvSpPr>
+            <a:spLocks noGrp="1"/>
+          </p:cNvSpPr>
+          <p:nvPr>
+            <p:ph idx="1"/>
+          </p:nvPr>
+        </p:nvSpPr>
+        <p:spPr/>
+        <p:txBody>
+          <a:bodyPr/>
+          <a:lstStyle/>
+          <a:p>
+            <a:pPr>
+              <a:defRPr sz="1600">
+                <a:solidFill>
+                  <a:srgbClr val="282828"/>
+                </a:solidFill>
+              </a:defRPr>
+            </a:pPr>
+            <a:r>
+              <a:t>Healthcare Impact:</a:t>
+            </a:r>
+          </a:p>
+          <a:p>
+            <a:pPr>
+              <a:defRPr sz="1600">
+                <a:solidFill>
+                  <a:srgbClr val="282828"/>
+                </a:solidFill>
+              </a:defRPr>
+            </a:pPr>
+            <a:r>
+              <a:t>• Early detection of cardiac risk factors</a:t>
+            </a:r>
+          </a:p>
+          <a:p>
+            <a:pPr>
+              <a:defRPr sz="1600">
+                <a:solidFill>
+                  <a:srgbClr val="282828"/>
+                </a:solidFill>
+              </a:defRPr>
+            </a:pPr>
+            <a:r>
+              <a:t>• Reduced healthcare costs through prevention</a:t>
+            </a:r>
+          </a:p>
+          <a:p>
+            <a:pPr>
+              <a:defRPr sz="1600">
+                <a:solidFill>
+                  <a:srgbClr val="282828"/>
+                </a:solidFill>
+              </a:defRPr>
+            </a:pPr>
+            <a:r>
+              <a:t>• Improved patient outcomes and quality of life</a:t>
+            </a:r>
+          </a:p>
+          <a:p>
+            <a:pPr>
+              <a:defRPr sz="1600">
+                <a:solidFill>
+                  <a:srgbClr val="282828"/>
+                </a:solidFill>
+              </a:defRPr>
+            </a:pPr>
+            <a:r>
+              <a:t>• Support for clinical decision-making</a:t>
+            </a:r>
+          </a:p>
+          <a:p>
+            <a:pPr>
+              <a:defRPr sz="1600">
+                <a:solidFill>
+                  <a:srgbClr val="282828"/>
+                </a:solidFill>
+              </a:defRPr>
+            </a:pPr>
+          </a:p>
+          <a:p>
+            <a:pPr>
+              <a:defRPr sz="1600">
+                <a:solidFill>
+                  <a:srgbClr val="282828"/>
+                </a:solidFill>
+              </a:defRPr>
+            </a:pPr>
+            <a:r>
+              <a:t>Societal Benefits:</a:t>
+            </a:r>
+          </a:p>
+          <a:p>
+            <a:pPr>
+              <a:defRPr sz="1600">
+                <a:solidFill>
+                  <a:srgbClr val="282828"/>
+                </a:solidFill>
+              </a:defRPr>
+            </a:pPr>
+            <a:r>
+              <a:t>• Increased awareness about heart health</a:t>
+            </a:r>
+          </a:p>
+          <a:p>
+            <a:pPr>
+              <a:defRPr sz="1600">
+                <a:solidFill>
+                  <a:srgbClr val="282828"/>
+                </a:solidFill>
+              </a:defRPr>
+            </a:pPr>
+            <a:r>
+              <a:t>• Democratization of cardiac risk assessment</a:t>
+            </a:r>
+          </a:p>
+          <a:p>
+            <a:pPr>
+              <a:defRPr sz="1600">
+                <a:solidFill>
+                  <a:srgbClr val="282828"/>
+                </a:solidFill>
+              </a:defRPr>
+            </a:pPr>
+            <a:r>
+              <a:t>• Promotion of preventive healthcare</a:t>
+            </a:r>
+          </a:p>
+          <a:p>
+            <a:pPr>
+              <a:defRPr sz="1600">
+                <a:solidFill>
+                  <a:srgbClr val="282828"/>
+                </a:solidFill>
+              </a:defRPr>
+            </a:pPr>
+            <a:r>
+              <a:t>• Reduced burden on healthcare systems</a:t>
+            </a:r>
+          </a:p>
+          <a:p>
+            <a:pPr>
+              <a:defRPr sz="1600">
+                <a:solidFill>
+                  <a:srgbClr val="282828"/>
+                </a:solidFill>
+              </a:defRPr>
+            </a:pPr>
+          </a:p>
+          <a:p>
+            <a:pPr>
+              <a:defRPr sz="1600">
+                <a:solidFill>
+                  <a:srgbClr val="282828"/>
+                </a:solidFill>
+              </a:defRPr>
+            </a:pPr>
+            <a:r>
+              <a:t>Technology Advancement:</a:t>
+            </a:r>
+          </a:p>
+          <a:p>
+            <a:pPr>
+              <a:defRPr sz="1600">
+                <a:solidFill>
+                  <a:srgbClr val="282828"/>
+                </a:solidFill>
+              </a:defRPr>
+            </a:pPr>
+            <a:r>
+              <a:t>• Integration of wearable technology in healthcare</a:t>
+            </a:r>
+          </a:p>
+          <a:p>
+            <a:pPr>
+              <a:defRPr sz="1600">
+                <a:solidFill>
+                  <a:srgbClr val="282828"/>
+                </a:solidFill>
+              </a:defRPr>
+            </a:pPr>
+            <a:r>
+              <a:t>• Advancement in personalized medicine</a:t>
+            </a:r>
+          </a:p>
+          <a:p>
+            <a:pPr>
+              <a:defRPr sz="1600">
+                <a:solidFill>
+                  <a:srgbClr val="282828"/>
+                </a:solidFill>
+              </a:defRPr>
+            </a:pPr>
+            <a:r>
+              <a:t>• Contribution to digital health ecosystem</a:t>
+            </a:r>
+          </a:p>
+          <a:p>
+            <a:pPr>
+              <a:defRPr sz="1600">
+                <a:solidFill>
+                  <a:srgbClr val="282828"/>
+                </a:solidFill>
+              </a:defRPr>
+            </a:pPr>
+            <a:r>
+              <a:t>• Open-source components for research community</a:t>
+            </a:r>
+          </a:p>
+        </p:txBody>
+      </p:sp>
+    </p:spTree>
+  </p:cSld>
+  <p:clrMapOvr>
+    <a:masterClrMapping/>
+  </p:clrMapOvr>
+</p:sld>
+</file>
+
+<file path=ppt/slides/slide11.xml><?xml version="1.0" encoding="utf-8"?>
+<p:sld xmlns:a="http://schemas.openxmlformats.org/drawingml/2006/main" xmlns:p="http://schemas.openxmlformats.org/presentationml/2006/main" xmlns:r="http://schemas.openxmlformats.org/officeDocument/2006/relationships">
+  <p:cSld>
+    <p:spTree>
+      <p:nvGrpSpPr>
+        <p:cNvPr id="1" name=""/>
+        <p:cNvGrpSpPr/>
+        <p:nvPr/>
+      </p:nvGrpSpPr>
+      <p:grpSpPr/>
+      <p:sp>
+        <p:nvSpPr>
+          <p:cNvPr id="2" name="Title 1"/>
+          <p:cNvSpPr>
+            <a:spLocks noGrp="1"/>
+          </p:cNvSpPr>
+          <p:nvPr>
+            <p:ph type="title"/>
+          </p:nvPr>
+        </p:nvSpPr>
+        <p:spPr/>
+        <p:txBody>
+          <a:bodyPr/>
+          <a:lstStyle/>
+          <a:p>
+            <a:pPr>
+              <a:defRPr sz="3600">
+                <a:solidFill>
+                  <a:srgbClr val="23375A"/>
+                </a:solidFill>
+              </a:defRPr>
+            </a:pPr>
+            <a:r>
+              <a:t>Future Work &amp; Conclusion</a:t>
+            </a:r>
+          </a:p>
+        </p:txBody>
+      </p:sp>
+      <p:sp>
+        <p:nvSpPr>
+          <p:cNvPr id="3" name="Content Placeholder 2"/>
+          <p:cNvSpPr>
+            <a:spLocks noGrp="1"/>
+          </p:cNvSpPr>
+          <p:nvPr>
+            <p:ph idx="1"/>
+          </p:nvPr>
+        </p:nvSpPr>
+        <p:spPr/>
+        <p:txBody>
+          <a:bodyPr/>
+          <a:lstStyle/>
+          <a:p>
+            <a:pPr>
+              <a:defRPr sz="1600">
+                <a:solidFill>
+                  <a:srgbClr val="282828"/>
+                </a:solidFill>
+              </a:defRPr>
+            </a:pPr>
+            <a:r>
+              <a:t>Future Enhancements:</a:t>
+            </a:r>
+          </a:p>
+          <a:p>
+            <a:pPr>
+              <a:defRPr sz="1600">
+                <a:solidFill>
+                  <a:srgbClr val="282828"/>
+                </a:solidFill>
+              </a:defRPr>
+            </a:pPr>
+            <a:r>
+              <a:t>• Integration with Electronic Health Records (EHR)</a:t>
+            </a:r>
+          </a:p>
+          <a:p>
+            <a:pPr>
+              <a:defRPr sz="1600">
+                <a:solidFill>
+                  <a:srgbClr val="282828"/>
+                </a:solidFill>
+              </a:defRPr>
+            </a:pPr>
+            <a:r>
+              <a:t>• Advanced deep learning architectures</a:t>
+            </a:r>
+          </a:p>
+          <a:p>
+            <a:pPr>
+              <a:defRPr sz="1600">
+                <a:solidFill>
+                  <a:srgbClr val="282828"/>
+                </a:solidFill>
+              </a:defRPr>
+            </a:pPr>
+            <a:r>
+              <a:t>• Multi-modal data fusion (imaging, genomics)</a:t>
+            </a:r>
+          </a:p>
+          <a:p>
+            <a:pPr>
+              <a:defRPr sz="1600">
+                <a:solidFill>
+                  <a:srgbClr val="282828"/>
+                </a:solidFill>
+              </a:defRPr>
+            </a:pPr>
+            <a:r>
+              <a:t>• Federated learning for privacy preservation</a:t>
+            </a:r>
+          </a:p>
+          <a:p>
+            <a:pPr>
+              <a:defRPr sz="1600">
+                <a:solidFill>
+                  <a:srgbClr val="282828"/>
+                </a:solidFill>
+              </a:defRPr>
+            </a:pPr>
+            <a:r>
+              <a:t>• Expansion to other cardiovascular conditions</a:t>
+            </a:r>
+          </a:p>
+          <a:p>
+            <a:pPr>
+              <a:defRPr sz="1600">
+                <a:solidFill>
+                  <a:srgbClr val="282828"/>
+                </a:solidFill>
+              </a:defRPr>
+            </a:pPr>
+          </a:p>
+          <a:p>
+            <a:pPr>
+              <a:defRPr sz="1600">
+                <a:solidFill>
+                  <a:srgbClr val="282828"/>
+                </a:solidFill>
+              </a:defRPr>
+            </a:pPr>
+            <a:r>
+              <a:t>Conclusion:</a:t>
+            </a:r>
+          </a:p>
+          <a:p>
+            <a:pPr>
+              <a:defRPr sz="1600">
+                <a:solidFill>
+                  <a:srgbClr val="282828"/>
+                </a:solidFill>
+              </a:defRPr>
+            </a:pPr>
+            <a:r>
+              <a:t>• Successfully developed ML-based cardiac risk predictor</a:t>
+            </a:r>
+          </a:p>
+          <a:p>
+            <a:pPr>
+              <a:defRPr sz="1600">
+                <a:solidFill>
+                  <a:srgbClr val="282828"/>
+                </a:solidFill>
+              </a:defRPr>
+            </a:pPr>
+            <a:r>
+              <a:t>• Achieved superior performance compared to traditional methods</a:t>
+            </a:r>
+          </a:p>
+          <a:p>
+            <a:pPr>
+              <a:defRPr sz="1600">
+                <a:solidFill>
+                  <a:srgbClr val="282828"/>
+                </a:solidFill>
+              </a:defRPr>
+            </a:pPr>
+            <a:r>
+              <a:t>• Demonstrated feasibility of real-time risk assessment</a:t>
+            </a:r>
+          </a:p>
+          <a:p>
+            <a:pPr>
+              <a:defRPr sz="1600">
+                <a:solidFill>
+                  <a:srgbClr val="282828"/>
+                </a:solidFill>
+              </a:defRPr>
+            </a:pPr>
+            <a:r>
+              <a:t>• Created scalable and user-friendly solution</a:t>
+            </a:r>
+          </a:p>
+          <a:p>
+            <a:pPr>
+              <a:defRPr sz="1600">
+                <a:solidFill>
+                  <a:srgbClr val="282828"/>
+                </a:solidFill>
+              </a:defRPr>
+            </a:pPr>
+            <a:r>
+              <a:t>• Significant potential for improving cardiovascular health outcomes</a:t>
+            </a:r>
+          </a:p>
+          <a:p>
+            <a:pPr>
+              <a:defRPr sz="1600">
+                <a:solidFill>
+                  <a:srgbClr val="282828"/>
+                </a:solidFill>
+              </a:defRPr>
+            </a:pPr>
+          </a:p>
+          <a:p>
+            <a:pPr>
+              <a:defRPr sz="1600">
+                <a:solidFill>
+                  <a:srgbClr val="282828"/>
+                </a:solidFill>
+              </a:defRPr>
+            </a:pPr>
+            <a:r>
+              <a:t>Next Steps: Clinical trials and regulatory approval process</a:t>
+            </a:r>
+          </a:p>
+        </p:txBody>
+      </p:sp>
+    </p:spTree>
+  </p:cSld>
+  <p:clrMapOvr>
+    <a:masterClrMapping/>
+  </p:clrMapOvr>
+</p:sld>
+</file>
+
+<file path=ppt/slides/slide12.xml><?xml version="1.0" encoding="utf-8"?>
+<p:sld xmlns:a="http://schemas.openxmlformats.org/drawingml/2006/main" xmlns:p="http://schemas.openxmlformats.org/presentationml/2006/main" xmlns:r="http://schemas.openxmlformats.org/officeDocument/2006/relationships">
+  <p:cSld>
+    <p:spTree>
+      <p:nvGrpSpPr>
+        <p:cNvPr id="1" name=""/>
+        <p:cNvGrpSpPr/>
+        <p:nvPr/>
+      </p:nvGrpSpPr>
+      <p:grpSpPr/>
+      <p:sp>
+        <p:nvSpPr>
+          <p:cNvPr id="2" name="Title 1"/>
           <p:cNvSpPr>
             <a:spLocks noGrp="1"/>
           </p:cNvSpPr>
@@ -4459,32 +4504,758 @@
             <p:ph type="ctrTitle"/>
           </p:nvPr>
         </p:nvSpPr>
-        <p:spPr>
-          <a:xfrm>
-            <a:off x="62145" y="319596"/>
-            <a:ext cx="12011486" cy="1038687"/>
-          </a:xfrm>
-        </p:spPr>
-        <p:txBody>
-          <a:bodyPr>
-            <a:normAutofit/>
-          </a:bodyPr>
-          <a:lstStyle/>
-          <a:p>
-            <a:r>
-              <a:rPr lang="en-US" b="1" dirty="0" smtClean="0"/>
-              <a:t>PROBLEM STATEMENT</a:t>
-            </a:r>
-            <a:endParaRPr lang="en-IN" b="1" dirty="0"/>
+        <p:spPr/>
+        <p:txBody>
+          <a:bodyPr/>
+          <a:lstStyle/>
+          <a:p>
+            <a:pPr algn="ctr">
+              <a:defRPr sz="4400" b="1">
+                <a:solidFill>
+                  <a:srgbClr val="23375A"/>
+                </a:solidFill>
+              </a:defRPr>
+            </a:pPr>
+            <a:r>
+              <a:t>Thank You!</a:t>
+            </a:r>
+          </a:p>
+        </p:txBody>
+      </p:sp>
+      <p:sp>
+        <p:nvSpPr>
+          <p:cNvPr id="3" name="Subtitle 2"/>
+          <p:cNvSpPr>
+            <a:spLocks noGrp="1"/>
+          </p:cNvSpPr>
+          <p:nvPr>
+            <p:ph type="subTitle" idx="1"/>
+          </p:nvPr>
+        </p:nvSpPr>
+        <p:spPr/>
+        <p:txBody>
+          <a:bodyPr/>
+          <a:lstStyle/>
+          <a:p>
+            <a:pPr algn="ctr">
+              <a:defRPr sz="2000">
+                <a:solidFill>
+                  <a:srgbClr val="4682B4"/>
+                </a:solidFill>
+              </a:defRPr>
+            </a:pPr>
+            <a:r>
+              <a:t>Questions &amp; Discussion</a:t>
+            </a:r>
+          </a:p>
+          <a:p>
+            <a:r>
+              <a:t>    </a:t>
+            </a:r>
+          </a:p>
+          <a:p>
+            <a:r>
+              <a:t>Contact Information:</a:t>
+            </a:r>
+          </a:p>
+          <a:p>
+            <a:r>
+              <a:t>Mekala Narendra Kumar</a:t>
+            </a:r>
+          </a:p>
+          <a:p>
+            <a:r>
+              <a:t>[Email/LinkedIn information]</a:t>
+            </a:r>
+          </a:p>
+          <a:p/>
+          <a:p>
+            <a:r>
+              <a:t>Project Repository:</a:t>
+            </a:r>
+          </a:p>
+          <a:p>
+            <a:r>
+              <a:t>github.com/mekalanarendrakumar/ml-cardiac-risk-predictor</a:t>
+            </a:r>
           </a:p>
         </p:txBody>
       </p:sp>
     </p:spTree>
-    <p:extLst>
-      <p:ext uri="{BB962C8B-B14F-4D97-AF65-F5344CB8AC3E}">
-        <p14:creationId xmlns:p14="http://schemas.microsoft.com/office/powerpoint/2010/main" val="659685552"/>
-      </p:ext>
-    </p:extLst>
+  </p:cSld>
+  <p:clrMapOvr>
+    <a:masterClrMapping/>
+  </p:clrMapOvr>
+</p:sld>
+</file>
+
+<file path=ppt/slides/slide2.xml><?xml version="1.0" encoding="utf-8"?>
+<p:sld xmlns:a="http://schemas.openxmlformats.org/drawingml/2006/main" xmlns:p="http://schemas.openxmlformats.org/presentationml/2006/main" xmlns:r="http://schemas.openxmlformats.org/officeDocument/2006/relationships">
+  <p:cSld>
+    <p:spTree>
+      <p:nvGrpSpPr>
+        <p:cNvPr id="1" name=""/>
+        <p:cNvGrpSpPr/>
+        <p:nvPr/>
+      </p:nvGrpSpPr>
+      <p:grpSpPr/>
+      <p:sp>
+        <p:nvSpPr>
+          <p:cNvPr id="2" name="Title 1"/>
+          <p:cNvSpPr>
+            <a:spLocks noGrp="1"/>
+          </p:cNvSpPr>
+          <p:nvPr>
+            <p:ph type="title"/>
+          </p:nvPr>
+        </p:nvSpPr>
+        <p:spPr/>
+        <p:txBody>
+          <a:bodyPr/>
+          <a:lstStyle/>
+          <a:p>
+            <a:pPr>
+              <a:defRPr sz="3600">
+                <a:solidFill>
+                  <a:srgbClr val="23375A"/>
+                </a:solidFill>
+              </a:defRPr>
+            </a:pPr>
+            <a:r>
+              <a:t>Agenda</a:t>
+            </a:r>
+          </a:p>
+        </p:txBody>
+      </p:sp>
+      <p:sp>
+        <p:nvSpPr>
+          <p:cNvPr id="3" name="Content Placeholder 2"/>
+          <p:cNvSpPr>
+            <a:spLocks noGrp="1"/>
+          </p:cNvSpPr>
+          <p:nvPr>
+            <p:ph idx="1"/>
+          </p:nvPr>
+        </p:nvSpPr>
+        <p:spPr/>
+        <p:txBody>
+          <a:bodyPr/>
+          <a:lstStyle/>
+          <a:p>
+            <a:pPr>
+              <a:defRPr sz="2000">
+                <a:solidFill>
+                  <a:srgbClr val="282828"/>
+                </a:solidFill>
+              </a:defRPr>
+            </a:pPr>
+            <a:r>
+              <a:t>1. Problem Statement &amp; Motivation</a:t>
+            </a:r>
+          </a:p>
+          <a:p>
+            <a:pPr>
+              <a:defRPr sz="2000">
+                <a:solidFill>
+                  <a:srgbClr val="282828"/>
+                </a:solidFill>
+              </a:defRPr>
+            </a:pPr>
+            <a:r>
+              <a:t>2. Literature Review</a:t>
+            </a:r>
+          </a:p>
+          <a:p>
+            <a:pPr>
+              <a:defRPr sz="2000">
+                <a:solidFill>
+                  <a:srgbClr val="282828"/>
+                </a:solidFill>
+              </a:defRPr>
+            </a:pPr>
+            <a:r>
+              <a:t>3. Proposed Solution &amp; Methodology</a:t>
+            </a:r>
+          </a:p>
+          <a:p>
+            <a:pPr>
+              <a:defRPr sz="2000">
+                <a:solidFill>
+                  <a:srgbClr val="282828"/>
+                </a:solidFill>
+              </a:defRPr>
+            </a:pPr>
+            <a:r>
+              <a:t>4. System Architecture</a:t>
+            </a:r>
+          </a:p>
+          <a:p>
+            <a:pPr>
+              <a:defRPr sz="2000">
+                <a:solidFill>
+                  <a:srgbClr val="282828"/>
+                </a:solidFill>
+              </a:defRPr>
+            </a:pPr>
+            <a:r>
+              <a:t>5. Implementation Details</a:t>
+            </a:r>
+          </a:p>
+          <a:p>
+            <a:pPr>
+              <a:defRPr sz="2000">
+                <a:solidFill>
+                  <a:srgbClr val="282828"/>
+                </a:solidFill>
+              </a:defRPr>
+            </a:pPr>
+            <a:r>
+              <a:t>6. Results &amp; Performance Evaluation</a:t>
+            </a:r>
+          </a:p>
+          <a:p>
+            <a:pPr>
+              <a:defRPr sz="2000">
+                <a:solidFill>
+                  <a:srgbClr val="282828"/>
+                </a:solidFill>
+              </a:defRPr>
+            </a:pPr>
+            <a:r>
+              <a:t>7. Impact &amp; Benefits</a:t>
+            </a:r>
+          </a:p>
+          <a:p>
+            <a:pPr>
+              <a:defRPr sz="2000">
+                <a:solidFill>
+                  <a:srgbClr val="282828"/>
+                </a:solidFill>
+              </a:defRPr>
+            </a:pPr>
+            <a:r>
+              <a:t>8. Future Work &amp; Conclusion</a:t>
+            </a:r>
+          </a:p>
+          <a:p>
+            <a:pPr>
+              <a:defRPr sz="2000">
+                <a:solidFill>
+                  <a:srgbClr val="282828"/>
+                </a:solidFill>
+              </a:defRPr>
+            </a:pPr>
+            <a:r>
+              <a:t>9. Q&amp;A Session</a:t>
+            </a:r>
+          </a:p>
+        </p:txBody>
+      </p:sp>
+    </p:spTree>
+  </p:cSld>
+  <p:clrMapOvr>
+    <a:masterClrMapping/>
+  </p:clrMapOvr>
+</p:sld>
+</file>
+
+<file path=ppt/slides/slide2.xml><?xml version="1.0" encoding="utf-8"?>
+<p:sld xmlns:a="http://schemas.openxmlformats.org/drawingml/2006/main" xmlns:p="http://schemas.openxmlformats.org/presentationml/2006/main" xmlns:r="http://schemas.openxmlformats.org/officeDocument/2006/relationships">
+  <p:cSld>
+    <p:spTree>
+      <p:nvGrpSpPr>
+        <p:cNvPr id="1" name=""/>
+        <p:cNvGrpSpPr/>
+        <p:nvPr/>
+      </p:nvGrpSpPr>
+      <p:grpSpPr/>
+      <p:sp>
+        <p:nvSpPr>
+          <p:cNvPr id="2" name="Title 1"/>
+          <p:cNvSpPr>
+            <a:spLocks noGrp="1"/>
+          </p:cNvSpPr>
+          <p:nvPr>
+            <p:ph type="title"/>
+          </p:nvPr>
+        </p:nvSpPr>
+        <p:spPr/>
+        <p:txBody>
+          <a:bodyPr/>
+          <a:lstStyle/>
+          <a:p>
+            <a:pPr>
+              <a:defRPr sz="3600">
+                <a:solidFill>
+                  <a:srgbClr val="23375A"/>
+                </a:solidFill>
+              </a:defRPr>
+            </a:pPr>
+            <a:r>
+              <a:t>Agenda</a:t>
+            </a:r>
+          </a:p>
+        </p:txBody>
+      </p:sp>
+      <p:sp>
+        <p:nvSpPr>
+          <p:cNvPr id="3" name="Content Placeholder 2"/>
+          <p:cNvSpPr>
+            <a:spLocks noGrp="1"/>
+          </p:cNvSpPr>
+          <p:nvPr>
+            <p:ph idx="1"/>
+          </p:nvPr>
+        </p:nvSpPr>
+        <p:spPr/>
+        <p:txBody>
+          <a:bodyPr/>
+          <a:lstStyle/>
+          <a:p>
+            <a:pPr>
+              <a:defRPr sz="2000">
+                <a:solidFill>
+                  <a:srgbClr val="282828"/>
+                </a:solidFill>
+              </a:defRPr>
+            </a:pPr>
+            <a:r>
+              <a:t>1. Problem Statement &amp; Motivation</a:t>
+            </a:r>
+          </a:p>
+          <a:p>
+            <a:pPr>
+              <a:defRPr sz="2000">
+                <a:solidFill>
+                  <a:srgbClr val="282828"/>
+                </a:solidFill>
+              </a:defRPr>
+            </a:pPr>
+            <a:r>
+              <a:t>2. Literature Review</a:t>
+            </a:r>
+          </a:p>
+          <a:p>
+            <a:pPr>
+              <a:defRPr sz="2000">
+                <a:solidFill>
+                  <a:srgbClr val="282828"/>
+                </a:solidFill>
+              </a:defRPr>
+            </a:pPr>
+            <a:r>
+              <a:t>3. Proposed Solution &amp; Methodology</a:t>
+            </a:r>
+          </a:p>
+          <a:p>
+            <a:pPr>
+              <a:defRPr sz="2000">
+                <a:solidFill>
+                  <a:srgbClr val="282828"/>
+                </a:solidFill>
+              </a:defRPr>
+            </a:pPr>
+            <a:r>
+              <a:t>4. System Architecture</a:t>
+            </a:r>
+          </a:p>
+          <a:p>
+            <a:pPr>
+              <a:defRPr sz="2000">
+                <a:solidFill>
+                  <a:srgbClr val="282828"/>
+                </a:solidFill>
+              </a:defRPr>
+            </a:pPr>
+            <a:r>
+              <a:t>5. Implementation Details</a:t>
+            </a:r>
+          </a:p>
+          <a:p>
+            <a:pPr>
+              <a:defRPr sz="2000">
+                <a:solidFill>
+                  <a:srgbClr val="282828"/>
+                </a:solidFill>
+              </a:defRPr>
+            </a:pPr>
+            <a:r>
+              <a:t>6. Results &amp; Performance Evaluation</a:t>
+            </a:r>
+          </a:p>
+          <a:p>
+            <a:pPr>
+              <a:defRPr sz="2000">
+                <a:solidFill>
+                  <a:srgbClr val="282828"/>
+                </a:solidFill>
+              </a:defRPr>
+            </a:pPr>
+            <a:r>
+              <a:t>7. Impact &amp; Benefits</a:t>
+            </a:r>
+          </a:p>
+          <a:p>
+            <a:pPr>
+              <a:defRPr sz="2000">
+                <a:solidFill>
+                  <a:srgbClr val="282828"/>
+                </a:solidFill>
+              </a:defRPr>
+            </a:pPr>
+            <a:r>
+              <a:t>8. Future Work &amp; Conclusion</a:t>
+            </a:r>
+          </a:p>
+          <a:p>
+            <a:pPr>
+              <a:defRPr sz="2000">
+                <a:solidFill>
+                  <a:srgbClr val="282828"/>
+                </a:solidFill>
+              </a:defRPr>
+            </a:pPr>
+            <a:r>
+              <a:t>9. Q&amp;A Session</a:t>
+            </a:r>
+          </a:p>
+        </p:txBody>
+      </p:sp>
+    </p:spTree>
+  </p:cSld>
+  <p:clrMapOvr>
+    <a:masterClrMapping/>
+  </p:clrMapOvr>
+</p:sld>
+</file>
+
+<file path=ppt/slides/slide3.xml><?xml version="1.0" encoding="utf-8"?>
+<p:sld xmlns:a="http://schemas.openxmlformats.org/drawingml/2006/main" xmlns:p="http://schemas.openxmlformats.org/presentationml/2006/main" xmlns:r="http://schemas.openxmlformats.org/officeDocument/2006/relationships">
+  <p:cSld>
+    <p:spTree>
+      <p:nvGrpSpPr>
+        <p:cNvPr id="1" name=""/>
+        <p:cNvGrpSpPr/>
+        <p:nvPr/>
+      </p:nvGrpSpPr>
+      <p:grpSpPr/>
+      <p:sp>
+        <p:nvSpPr>
+          <p:cNvPr id="2" name="Title 1"/>
+          <p:cNvSpPr>
+            <a:spLocks noGrp="1"/>
+          </p:cNvSpPr>
+          <p:nvPr>
+            <p:ph type="title"/>
+          </p:nvPr>
+        </p:nvSpPr>
+        <p:spPr/>
+        <p:txBody>
+          <a:bodyPr/>
+          <a:lstStyle/>
+          <a:p>
+            <a:pPr>
+              <a:defRPr sz="3600">
+                <a:solidFill>
+                  <a:srgbClr val="23375A"/>
+                </a:solidFill>
+              </a:defRPr>
+            </a:pPr>
+            <a:r>
+              <a:t>Problem Statement</a:t>
+            </a:r>
+          </a:p>
+        </p:txBody>
+      </p:sp>
+      <p:sp>
+        <p:nvSpPr>
+          <p:cNvPr id="3" name="Content Placeholder 2"/>
+          <p:cNvSpPr>
+            <a:spLocks noGrp="1"/>
+          </p:cNvSpPr>
+          <p:nvPr>
+            <p:ph idx="1"/>
+          </p:nvPr>
+        </p:nvSpPr>
+        <p:spPr/>
+        <p:txBody>
+          <a:bodyPr/>
+          <a:lstStyle/>
+          <a:p>
+            <a:pPr>
+              <a:defRPr sz="1800">
+                <a:solidFill>
+                  <a:srgbClr val="282828"/>
+                </a:solidFill>
+              </a:defRPr>
+            </a:pPr>
+            <a:r>
+              <a:t>• Cardiovascular diseases (CVD) are the leading cause of death globally</a:t>
+            </a:r>
+          </a:p>
+          <a:p>
+            <a:pPr>
+              <a:defRPr sz="1800">
+                <a:solidFill>
+                  <a:srgbClr val="282828"/>
+                </a:solidFill>
+              </a:defRPr>
+            </a:pPr>
+            <a:r>
+              <a:t>• WHO reports: 17.9 million deaths annually due to CVD</a:t>
+            </a:r>
+          </a:p>
+          <a:p>
+            <a:pPr>
+              <a:defRPr sz="1800">
+                <a:solidFill>
+                  <a:srgbClr val="282828"/>
+                </a:solidFill>
+              </a:defRPr>
+            </a:pPr>
+            <a:r>
+              <a:t>• 80% of premature heart disease deaths are preventable</a:t>
+            </a:r>
+          </a:p>
+          <a:p>
+            <a:pPr>
+              <a:defRPr sz="1800">
+                <a:solidFill>
+                  <a:srgbClr val="282828"/>
+                </a:solidFill>
+              </a:defRPr>
+            </a:pPr>
+            <a:r>
+              <a:t>• Current diagnostic methods often detect problems too late</a:t>
+            </a:r>
+          </a:p>
+          <a:p>
+            <a:pPr>
+              <a:defRPr sz="1800">
+                <a:solidFill>
+                  <a:srgbClr val="282828"/>
+                </a:solidFill>
+              </a:defRPr>
+            </a:pPr>
+            <a:r>
+              <a:t>• Limited access to specialized cardiac screening</a:t>
+            </a:r>
+          </a:p>
+          <a:p>
+            <a:pPr>
+              <a:defRPr sz="1800">
+                <a:solidFill>
+                  <a:srgbClr val="282828"/>
+                </a:solidFill>
+              </a:defRPr>
+            </a:pPr>
+            <a:r>
+              <a:t>• Need for early detection and prevention systems</a:t>
+            </a:r>
+          </a:p>
+          <a:p>
+            <a:pPr>
+              <a:defRPr sz="1800">
+                <a:solidFill>
+                  <a:srgbClr val="282828"/>
+                </a:solidFill>
+              </a:defRPr>
+            </a:pPr>
+            <a:r>
+              <a:t>• Traditional risk assessment tools lack precision</a:t>
+            </a:r>
+          </a:p>
+          <a:p>
+            <a:pPr>
+              <a:defRPr sz="1800">
+                <a:solidFill>
+                  <a:srgbClr val="282828"/>
+                </a:solidFill>
+              </a:defRPr>
+            </a:pPr>
+          </a:p>
+          <a:p>
+            <a:pPr>
+              <a:defRPr sz="1800">
+                <a:solidFill>
+                  <a:srgbClr val="282828"/>
+                </a:solidFill>
+              </a:defRPr>
+            </a:pPr>
+            <a:r>
+              <a:t>Key Challenge: How can we leverage ML to predict cardiac risk early and accurately?</a:t>
+            </a:r>
+          </a:p>
+        </p:txBody>
+      </p:sp>
+    </p:spTree>
+  </p:cSld>
+  <p:clrMapOvr>
+    <a:masterClrMapping/>
+  </p:clrMapOvr>
+</p:sld>
+</file>
+
+<file path=ppt/slides/slide3.xml><?xml version="1.0" encoding="utf-8"?>
+<p:sld xmlns:a="http://schemas.openxmlformats.org/drawingml/2006/main" xmlns:p="http://schemas.openxmlformats.org/presentationml/2006/main" xmlns:r="http://schemas.openxmlformats.org/officeDocument/2006/relationships">
+  <p:cSld>
+    <p:spTree>
+      <p:nvGrpSpPr>
+        <p:cNvPr id="1" name=""/>
+        <p:cNvGrpSpPr/>
+        <p:nvPr/>
+      </p:nvGrpSpPr>
+      <p:grpSpPr/>
+      <p:sp>
+        <p:nvSpPr>
+          <p:cNvPr id="2" name="Title 1"/>
+          <p:cNvSpPr>
+            <a:spLocks noGrp="1"/>
+          </p:cNvSpPr>
+          <p:nvPr>
+            <p:ph type="title"/>
+          </p:nvPr>
+        </p:nvSpPr>
+        <p:spPr/>
+        <p:txBody>
+          <a:bodyPr/>
+          <a:lstStyle/>
+          <a:p>
+            <a:pPr>
+              <a:defRPr sz="3600">
+                <a:solidFill>
+                  <a:srgbClr val="23375A"/>
+                </a:solidFill>
+              </a:defRPr>
+            </a:pPr>
+            <a:r>
+              <a:t>Problem Statement</a:t>
+            </a:r>
+          </a:p>
+        </p:txBody>
+      </p:sp>
+      <p:sp>
+        <p:nvSpPr>
+          <p:cNvPr id="3" name="Content Placeholder 2"/>
+          <p:cNvSpPr>
+            <a:spLocks noGrp="1"/>
+          </p:cNvSpPr>
+          <p:nvPr>
+            <p:ph idx="1"/>
+          </p:nvPr>
+        </p:nvSpPr>
+        <p:spPr/>
+        <p:txBody>
+          <a:bodyPr/>
+          <a:lstStyle/>
+          <a:p>
+            <a:pPr>
+              <a:defRPr sz="1800">
+                <a:solidFill>
+                  <a:srgbClr val="282828"/>
+                </a:solidFill>
+              </a:defRPr>
+            </a:pPr>
+            <a:r>
+              <a:t>• Cardiovascular diseases (CVD) are the leading cause of death globally</a:t>
+            </a:r>
+          </a:p>
+          <a:p>
+            <a:pPr>
+              <a:defRPr sz="1800">
+                <a:solidFill>
+                  <a:srgbClr val="282828"/>
+                </a:solidFill>
+              </a:defRPr>
+            </a:pPr>
+            <a:r>
+              <a:t>• WHO reports: 17.9 million deaths annually due to CVD</a:t>
+            </a:r>
+          </a:p>
+          <a:p>
+            <a:pPr>
+              <a:defRPr sz="1800">
+                <a:solidFill>
+                  <a:srgbClr val="282828"/>
+                </a:solidFill>
+              </a:defRPr>
+            </a:pPr>
+            <a:r>
+              <a:t>• 80% of premature heart disease deaths are preventable</a:t>
+            </a:r>
+          </a:p>
+          <a:p>
+            <a:pPr>
+              <a:defRPr sz="1800">
+                <a:solidFill>
+                  <a:srgbClr val="282828"/>
+                </a:solidFill>
+              </a:defRPr>
+            </a:pPr>
+            <a:r>
+              <a:t>• Current diagnostic methods often detect problems too late</a:t>
+            </a:r>
+          </a:p>
+          <a:p>
+            <a:pPr>
+              <a:defRPr sz="1800">
+                <a:solidFill>
+                  <a:srgbClr val="282828"/>
+                </a:solidFill>
+              </a:defRPr>
+            </a:pPr>
+            <a:r>
+              <a:t>• Limited access to specialized cardiac screening</a:t>
+            </a:r>
+          </a:p>
+          <a:p>
+            <a:pPr>
+              <a:defRPr sz="1800">
+                <a:solidFill>
+                  <a:srgbClr val="282828"/>
+                </a:solidFill>
+              </a:defRPr>
+            </a:pPr>
+            <a:r>
+              <a:t>• Need for early detection and prevention systems</a:t>
+            </a:r>
+          </a:p>
+          <a:p>
+            <a:pPr>
+              <a:defRPr sz="1800">
+                <a:solidFill>
+                  <a:srgbClr val="282828"/>
+                </a:solidFill>
+              </a:defRPr>
+            </a:pPr>
+            <a:r>
+              <a:t>• Traditional risk assessment tools lack precision</a:t>
+            </a:r>
+          </a:p>
+          <a:p>
+            <a:pPr>
+              <a:defRPr sz="1800">
+                <a:solidFill>
+                  <a:srgbClr val="282828"/>
+                </a:solidFill>
+              </a:defRPr>
+            </a:pPr>
+          </a:p>
+          <a:p>
+            <a:pPr>
+              <a:defRPr sz="1800">
+                <a:solidFill>
+                  <a:srgbClr val="282828"/>
+                </a:solidFill>
+              </a:defRPr>
+            </a:pPr>
+            <a:r>
+              <a:t>Key Challenge: How can we leverage ML to predict cardiac risk early and accurately?</a:t>
+            </a:r>
+          </a:p>
+        </p:txBody>
+      </p:sp>
+    </p:spTree>
   </p:cSld>
   <p:clrMapOvr>
     <a:masterClrMapping/>
@@ -4493,7 +5264,7 @@
 </file>
 
 <file path=ppt/slides/slide4.xml><?xml version="1.0" encoding="utf-8"?>
-<p:sld xmlns:a="http://schemas.openxmlformats.org/drawingml/2006/main" xmlns:r="http://schemas.openxmlformats.org/officeDocument/2006/relationships" xmlns:p="http://schemas.openxmlformats.org/presentationml/2006/main">
+<p:sld xmlns:a="http://schemas.openxmlformats.org/drawingml/2006/main" xmlns:p="http://schemas.openxmlformats.org/presentationml/2006/main" xmlns:r="http://schemas.openxmlformats.org/officeDocument/2006/relationships">
   <p:cSld>
     <p:spTree>
       <p:nvGrpSpPr>
@@ -4501,169 +5272,444 @@
         <p:cNvGrpSpPr/>
         <p:nvPr/>
       </p:nvGrpSpPr>
-      <p:grpSpPr>
-        <a:xfrm>
-          <a:off x="0" y="0"/>
-          <a:ext cx="0" cy="0"/>
-          <a:chOff x="0" y="0"/>
-          <a:chExt cx="0" cy="0"/>
-        </a:xfrm>
-      </p:grpSpPr>
-      <p:sp>
-        <p:nvSpPr>
-          <p:cNvPr id="3" name="Subtitle 2"/>
-          <p:cNvSpPr>
-            <a:spLocks noGrp="1"/>
-          </p:cNvSpPr>
-          <p:nvPr>
-            <p:ph type="subTitle" idx="1"/>
-          </p:nvPr>
-        </p:nvSpPr>
-        <p:spPr>
-          <a:xfrm>
-            <a:off x="1290221" y="1455939"/>
-            <a:ext cx="9611557" cy="4210234"/>
-          </a:xfrm>
-        </p:spPr>
-        <p:txBody>
-          <a:bodyPr>
-            <a:normAutofit fontScale="92500"/>
-          </a:bodyPr>
-          <a:lstStyle/>
-          <a:p>
-            <a:pPr>
-              <a:lnSpc>
-                <a:spcPct val="200000"/>
-              </a:lnSpc>
-            </a:pPr>
-            <a:r>
-              <a:rPr lang="en-US" dirty="0" smtClean="0">
-                <a:latin typeface="Arial Narrow" panose="020B0606020202030204" pitchFamily="34" charset="0"/>
-              </a:rPr>
-              <a:t>We </a:t>
-            </a:r>
-            <a:r>
-              <a:rPr lang="en-US" dirty="0">
-                <a:latin typeface="Arial Narrow" panose="020B0606020202030204" pitchFamily="34" charset="0"/>
-              </a:rPr>
-              <a:t>propose a machine learning-based system that analyzes physiological data from </a:t>
-            </a:r>
-            <a:r>
-              <a:rPr lang="en-US" dirty="0" smtClean="0">
-                <a:latin typeface="Arial Narrow" panose="020B0606020202030204" pitchFamily="34" charset="0"/>
-              </a:rPr>
-              <a:t>    wearable </a:t>
-            </a:r>
-            <a:r>
-              <a:rPr lang="en-US" dirty="0">
-                <a:latin typeface="Arial Narrow" panose="020B0606020202030204" pitchFamily="34" charset="0"/>
-              </a:rPr>
-              <a:t>sensors to predict cardiac risk levels. The system collects real-time data such as ECG, heart rate, and activity, processes it to extract important features, and applies trained ML models to generate a personalized cardiac risk score. This score is displayed on an interactive dashboard, enabling both users and clinicians to monitor heart health, receive alerts, and take timely preventive actions.</a:t>
-            </a:r>
-            <a:endParaRPr lang="en-IN" dirty="0">
-              <a:latin typeface="Arial Narrow" panose="020B0606020202030204" pitchFamily="34" charset="0"/>
-            </a:endParaRPr>
-          </a:p>
-        </p:txBody>
-      </p:sp>
-      <p:sp>
-        <p:nvSpPr>
-          <p:cNvPr id="8" name="Title 1">
-            <a:extLst>
-              <a:ext uri="{FF2B5EF4-FFF2-40B4-BE49-F238E27FC236}">
-                <a16:creationId xmlns:a16="http://schemas.microsoft.com/office/drawing/2014/main" id="{BEACCAF2-3249-8E7C-885A-CBEAE1A8D293}"/>
-              </a:ext>
-            </a:extLst>
-          </p:cNvPr>
-          <p:cNvSpPr txBox="1">
-            <a:spLocks/>
-          </p:cNvSpPr>
-          <p:nvPr/>
-        </p:nvSpPr>
-        <p:spPr>
-          <a:xfrm>
-            <a:off x="639192" y="133165"/>
-            <a:ext cx="11176985" cy="1207363"/>
-          </a:xfrm>
-          <a:prstGeom prst="rect">
-            <a:avLst/>
-          </a:prstGeom>
-          <a:gradFill>
-            <a:gsLst>
-              <a:gs pos="0">
-                <a:schemeClr val="accent4">
-                  <a:lumMod val="20000"/>
-                  <a:lumOff val="80000"/>
-                </a:schemeClr>
-              </a:gs>
-              <a:gs pos="74000">
-                <a:schemeClr val="accent6">
-                  <a:lumMod val="20000"/>
-                  <a:lumOff val="80000"/>
-                </a:schemeClr>
-              </a:gs>
-              <a:gs pos="83000">
-                <a:schemeClr val="accent6">
-                  <a:lumMod val="40000"/>
-                  <a:lumOff val="60000"/>
-                </a:schemeClr>
-              </a:gs>
-              <a:gs pos="100000">
-                <a:schemeClr val="accent6">
-                  <a:lumMod val="60000"/>
-                  <a:lumOff val="40000"/>
-                </a:schemeClr>
-              </a:gs>
-            </a:gsLst>
-            <a:lin ang="5400000" scaled="1"/>
-          </a:gradFill>
-          <a:effectLst>
-            <a:glow rad="228600">
-              <a:schemeClr val="accent4">
-                <a:satMod val="175000"/>
-                <a:alpha val="40000"/>
-              </a:schemeClr>
-            </a:glow>
-          </a:effectLst>
-        </p:spPr>
-        <p:txBody>
-          <a:bodyPr vert="horz" lIns="91440" tIns="45720" rIns="91440" bIns="45720" rtlCol="0" anchor="ctr">
-            <a:normAutofit/>
-          </a:bodyPr>
-          <a:lstStyle>
-            <a:lvl1pPr algn="ctr" defTabSz="914400" rtl="0" eaLnBrk="1" latinLnBrk="0" hangingPunct="1">
-              <a:lnSpc>
-                <a:spcPct val="90000"/>
-              </a:lnSpc>
-              <a:spcBef>
-                <a:spcPct val="0"/>
-              </a:spcBef>
-              <a:buNone/>
-              <a:defRPr sz="6000" kern="1200">
-                <a:solidFill>
-                  <a:schemeClr val="tx1"/>
-                </a:solidFill>
-                <a:latin typeface="+mj-lt"/>
-                <a:ea typeface="+mj-ea"/>
-                <a:cs typeface="+mj-cs"/>
-              </a:defRPr>
-            </a:lvl1pPr>
-          </a:lstStyle>
-          <a:p>
-            <a:r>
-              <a:rPr lang="en-US" dirty="0" smtClean="0"/>
-              <a:t>SOLUTION</a:t>
-            </a:r>
-            <a:endParaRPr lang="en-IN" dirty="0"/>
+      <p:grpSpPr/>
+      <p:sp>
+        <p:nvSpPr>
+          <p:cNvPr id="2" name="Title 1"/>
+          <p:cNvSpPr>
+            <a:spLocks noGrp="1"/>
+          </p:cNvSpPr>
+          <p:nvPr>
+            <p:ph type="title"/>
+          </p:nvPr>
+        </p:nvSpPr>
+        <p:spPr/>
+        <p:txBody>
+          <a:bodyPr/>
+          <a:lstStyle/>
+          <a:p>
+            <a:pPr>
+              <a:defRPr sz="3600">
+                <a:solidFill>
+                  <a:srgbClr val="23375A"/>
+                </a:solidFill>
+              </a:defRPr>
+            </a:pPr>
+            <a:r>
+              <a:t>Literature Review</a:t>
+            </a:r>
+          </a:p>
+        </p:txBody>
+      </p:sp>
+      <p:sp>
+        <p:nvSpPr>
+          <p:cNvPr id="3" name="Content Placeholder 2"/>
+          <p:cNvSpPr>
+            <a:spLocks noGrp="1"/>
+          </p:cNvSpPr>
+          <p:nvPr>
+            <p:ph idx="1"/>
+          </p:nvPr>
+        </p:nvSpPr>
+        <p:spPr/>
+        <p:txBody>
+          <a:bodyPr/>
+          <a:lstStyle/>
+          <a:p>
+            <a:pPr>
+              <a:defRPr sz="1600">
+                <a:solidFill>
+                  <a:srgbClr val="282828"/>
+                </a:solidFill>
+              </a:defRPr>
+            </a:pPr>
+            <a:r>
+              <a:t>Recent Advances in Cardiac Risk Prediction:</a:t>
+            </a:r>
+          </a:p>
+          <a:p>
+            <a:pPr>
+              <a:defRPr sz="1600">
+                <a:solidFill>
+                  <a:srgbClr val="282828"/>
+                </a:solidFill>
+              </a:defRPr>
+            </a:pPr>
+          </a:p>
+          <a:p>
+            <a:pPr>
+              <a:defRPr sz="1600">
+                <a:solidFill>
+                  <a:srgbClr val="282828"/>
+                </a:solidFill>
+              </a:defRPr>
+            </a:pPr>
+            <a:r>
+              <a:t>• Framingham Risk Score (1998): Traditional statistical approach</a:t>
+            </a:r>
+          </a:p>
+          <a:p>
+            <a:pPr>
+              <a:defRPr sz="1600">
+                <a:solidFill>
+                  <a:srgbClr val="282828"/>
+                </a:solidFill>
+              </a:defRPr>
+            </a:pPr>
+            <a:r>
+              <a:t>• Machine Learning Applications:</a:t>
+            </a:r>
+          </a:p>
+          <a:p>
+            <a:pPr>
+              <a:defRPr sz="1600">
+                <a:solidFill>
+                  <a:srgbClr val="282828"/>
+                </a:solidFill>
+              </a:defRPr>
+            </a:pPr>
+            <a:r>
+              <a:t>  - Random Forest models achieving 85-90% accuracy</a:t>
+            </a:r>
+          </a:p>
+          <a:p>
+            <a:pPr>
+              <a:defRPr sz="1600">
+                <a:solidFill>
+                  <a:srgbClr val="282828"/>
+                </a:solidFill>
+              </a:defRPr>
+            </a:pPr>
+            <a:r>
+              <a:t>  - SVM classifiers for risk stratification</a:t>
+            </a:r>
+          </a:p>
+          <a:p>
+            <a:pPr>
+              <a:defRPr sz="1600">
+                <a:solidFill>
+                  <a:srgbClr val="282828"/>
+                </a:solidFill>
+              </a:defRPr>
+            </a:pPr>
+            <a:r>
+              <a:t>  - Deep learning for ECG analysis</a:t>
+            </a:r>
+          </a:p>
+          <a:p>
+            <a:pPr>
+              <a:defRPr sz="1600">
+                <a:solidFill>
+                  <a:srgbClr val="282828"/>
+                </a:solidFill>
+              </a:defRPr>
+            </a:pPr>
+            <a:r>
+              <a:t>• Wearable Technology Integration:</a:t>
+            </a:r>
+          </a:p>
+          <a:p>
+            <a:pPr>
+              <a:defRPr sz="1600">
+                <a:solidFill>
+                  <a:srgbClr val="282828"/>
+                </a:solidFill>
+              </a:defRPr>
+            </a:pPr>
+            <a:r>
+              <a:t>  - Heart rate variability analysis</a:t>
+            </a:r>
+          </a:p>
+          <a:p>
+            <a:pPr>
+              <a:defRPr sz="1600">
+                <a:solidFill>
+                  <a:srgbClr val="282828"/>
+                </a:solidFill>
+              </a:defRPr>
+            </a:pPr>
+            <a:r>
+              <a:t>  - Real-time monitoring capabilities</a:t>
+            </a:r>
+          </a:p>
+          <a:p>
+            <a:pPr>
+              <a:defRPr sz="1600">
+                <a:solidFill>
+                  <a:srgbClr val="282828"/>
+                </a:solidFill>
+              </a:defRPr>
+            </a:pPr>
+            <a:r>
+              <a:t>• Limitations in Current Approaches:</a:t>
+            </a:r>
+          </a:p>
+          <a:p>
+            <a:pPr>
+              <a:defRPr sz="1600">
+                <a:solidFill>
+                  <a:srgbClr val="282828"/>
+                </a:solidFill>
+              </a:defRPr>
+            </a:pPr>
+            <a:r>
+              <a:t>  - Limited feature sets</a:t>
+            </a:r>
+          </a:p>
+          <a:p>
+            <a:pPr>
+              <a:defRPr sz="1600">
+                <a:solidFill>
+                  <a:srgbClr val="282828"/>
+                </a:solidFill>
+              </a:defRPr>
+            </a:pPr>
+            <a:r>
+              <a:t>  - Population-specific biases</a:t>
+            </a:r>
+          </a:p>
+          <a:p>
+            <a:pPr>
+              <a:defRPr sz="1600">
+                <a:solidFill>
+                  <a:srgbClr val="282828"/>
+                </a:solidFill>
+              </a:defRPr>
+            </a:pPr>
+            <a:r>
+              <a:t>  - Lack of real-time prediction</a:t>
+            </a:r>
           </a:p>
         </p:txBody>
       </p:sp>
     </p:spTree>
-    <p:extLst>
-      <p:ext uri="{BB962C8B-B14F-4D97-AF65-F5344CB8AC3E}">
-        <p14:creationId xmlns:p14="http://schemas.microsoft.com/office/powerpoint/2010/main" val="4085644585"/>
-      </p:ext>
-    </p:extLst>
+  </p:cSld>
+  <p:clrMapOvr>
+    <a:masterClrMapping/>
+  </p:clrMapOvr>
+</p:sld>
+</file>
+
+<file path=ppt/slides/slide4.xml><?xml version="1.0" encoding="utf-8"?>
+<p:sld xmlns:a="http://schemas.openxmlformats.org/drawingml/2006/main" xmlns:p="http://schemas.openxmlformats.org/presentationml/2006/main" xmlns:r="http://schemas.openxmlformats.org/officeDocument/2006/relationships">
+  <p:cSld>
+    <p:spTree>
+      <p:nvGrpSpPr>
+        <p:cNvPr id="1" name=""/>
+        <p:cNvGrpSpPr/>
+        <p:nvPr/>
+      </p:nvGrpSpPr>
+      <p:grpSpPr/>
+      <p:sp>
+        <p:nvSpPr>
+          <p:cNvPr id="2" name="Title 1"/>
+          <p:cNvSpPr>
+            <a:spLocks noGrp="1"/>
+          </p:cNvSpPr>
+          <p:nvPr>
+            <p:ph type="title"/>
+          </p:nvPr>
+        </p:nvSpPr>
+        <p:spPr/>
+        <p:txBody>
+          <a:bodyPr/>
+          <a:lstStyle/>
+          <a:p>
+            <a:pPr>
+              <a:defRPr sz="3600">
+                <a:solidFill>
+                  <a:srgbClr val="23375A"/>
+                </a:solidFill>
+              </a:defRPr>
+            </a:pPr>
+            <a:r>
+              <a:t>Literature Review</a:t>
+            </a:r>
+          </a:p>
+        </p:txBody>
+      </p:sp>
+      <p:sp>
+        <p:nvSpPr>
+          <p:cNvPr id="3" name="Content Placeholder 2"/>
+          <p:cNvSpPr>
+            <a:spLocks noGrp="1"/>
+          </p:cNvSpPr>
+          <p:nvPr>
+            <p:ph idx="1"/>
+          </p:nvPr>
+        </p:nvSpPr>
+        <p:spPr/>
+        <p:txBody>
+          <a:bodyPr/>
+          <a:lstStyle/>
+          <a:p>
+            <a:pPr>
+              <a:defRPr sz="1600">
+                <a:solidFill>
+                  <a:srgbClr val="282828"/>
+                </a:solidFill>
+              </a:defRPr>
+            </a:pPr>
+            <a:r>
+              <a:t>Recent Advances in Cardiac Risk Prediction:</a:t>
+            </a:r>
+          </a:p>
+          <a:p>
+            <a:pPr>
+              <a:defRPr sz="1600">
+                <a:solidFill>
+                  <a:srgbClr val="282828"/>
+                </a:solidFill>
+              </a:defRPr>
+            </a:pPr>
+          </a:p>
+          <a:p>
+            <a:pPr>
+              <a:defRPr sz="1600">
+                <a:solidFill>
+                  <a:srgbClr val="282828"/>
+                </a:solidFill>
+              </a:defRPr>
+            </a:pPr>
+            <a:r>
+              <a:t>• Framingham Risk Score (1998): Traditional statistical approach</a:t>
+            </a:r>
+          </a:p>
+          <a:p>
+            <a:pPr>
+              <a:defRPr sz="1600">
+                <a:solidFill>
+                  <a:srgbClr val="282828"/>
+                </a:solidFill>
+              </a:defRPr>
+            </a:pPr>
+            <a:r>
+              <a:t>• Machine Learning Applications:</a:t>
+            </a:r>
+          </a:p>
+          <a:p>
+            <a:pPr>
+              <a:defRPr sz="1600">
+                <a:solidFill>
+                  <a:srgbClr val="282828"/>
+                </a:solidFill>
+              </a:defRPr>
+            </a:pPr>
+            <a:r>
+              <a:t>  - Random Forest models achieving 85-90% accuracy</a:t>
+            </a:r>
+          </a:p>
+          <a:p>
+            <a:pPr>
+              <a:defRPr sz="1600">
+                <a:solidFill>
+                  <a:srgbClr val="282828"/>
+                </a:solidFill>
+              </a:defRPr>
+            </a:pPr>
+            <a:r>
+              <a:t>  - SVM classifiers for risk stratification</a:t>
+            </a:r>
+          </a:p>
+          <a:p>
+            <a:pPr>
+              <a:defRPr sz="1600">
+                <a:solidFill>
+                  <a:srgbClr val="282828"/>
+                </a:solidFill>
+              </a:defRPr>
+            </a:pPr>
+            <a:r>
+              <a:t>  - Deep learning for ECG analysis</a:t>
+            </a:r>
+          </a:p>
+          <a:p>
+            <a:pPr>
+              <a:defRPr sz="1600">
+                <a:solidFill>
+                  <a:srgbClr val="282828"/>
+                </a:solidFill>
+              </a:defRPr>
+            </a:pPr>
+            <a:r>
+              <a:t>• Wearable Technology Integration:</a:t>
+            </a:r>
+          </a:p>
+          <a:p>
+            <a:pPr>
+              <a:defRPr sz="1600">
+                <a:solidFill>
+                  <a:srgbClr val="282828"/>
+                </a:solidFill>
+              </a:defRPr>
+            </a:pPr>
+            <a:r>
+              <a:t>  - Heart rate variability analysis</a:t>
+            </a:r>
+          </a:p>
+          <a:p>
+            <a:pPr>
+              <a:defRPr sz="1600">
+                <a:solidFill>
+                  <a:srgbClr val="282828"/>
+                </a:solidFill>
+              </a:defRPr>
+            </a:pPr>
+            <a:r>
+              <a:t>  - Real-time monitoring capabilities</a:t>
+            </a:r>
+          </a:p>
+          <a:p>
+            <a:pPr>
+              <a:defRPr sz="1600">
+                <a:solidFill>
+                  <a:srgbClr val="282828"/>
+                </a:solidFill>
+              </a:defRPr>
+            </a:pPr>
+            <a:r>
+              <a:t>• Limitations in Current Approaches:</a:t>
+            </a:r>
+          </a:p>
+          <a:p>
+            <a:pPr>
+              <a:defRPr sz="1600">
+                <a:solidFill>
+                  <a:srgbClr val="282828"/>
+                </a:solidFill>
+              </a:defRPr>
+            </a:pPr>
+            <a:r>
+              <a:t>  - Limited feature sets</a:t>
+            </a:r>
+          </a:p>
+          <a:p>
+            <a:pPr>
+              <a:defRPr sz="1600">
+                <a:solidFill>
+                  <a:srgbClr val="282828"/>
+                </a:solidFill>
+              </a:defRPr>
+            </a:pPr>
+            <a:r>
+              <a:t>  - Population-specific biases</a:t>
+            </a:r>
+          </a:p>
+          <a:p>
+            <a:pPr>
+              <a:defRPr sz="1600">
+                <a:solidFill>
+                  <a:srgbClr val="282828"/>
+                </a:solidFill>
+              </a:defRPr>
+            </a:pPr>
+            <a:r>
+              <a:t>  - Lack of real-time prediction</a:t>
+            </a:r>
+          </a:p>
+        </p:txBody>
+      </p:sp>
+    </p:spTree>
   </p:cSld>
   <p:clrMapOvr>
     <a:masterClrMapping/>
@@ -4672,7 +5718,7 @@
 </file>
 
 <file path=ppt/slides/slide5.xml><?xml version="1.0" encoding="utf-8"?>
-<p:sld xmlns:a="http://schemas.openxmlformats.org/drawingml/2006/main" xmlns:r="http://schemas.openxmlformats.org/officeDocument/2006/relationships" xmlns:p="http://schemas.openxmlformats.org/presentationml/2006/main" showMasterSp="0">
+<p:sld xmlns:a="http://schemas.openxmlformats.org/drawingml/2006/main" xmlns:p="http://schemas.openxmlformats.org/presentationml/2006/main" xmlns:r="http://schemas.openxmlformats.org/officeDocument/2006/relationships">
   <p:cSld>
     <p:spTree>
       <p:nvGrpSpPr>
@@ -4680,243 +5726,235 @@
         <p:cNvGrpSpPr/>
         <p:nvPr/>
       </p:nvGrpSpPr>
-      <p:grpSpPr>
-        <a:xfrm>
-          <a:off x="0" y="0"/>
-          <a:ext cx="0" cy="0"/>
-          <a:chOff x="0" y="0"/>
-          <a:chExt cx="0" cy="0"/>
-        </a:xfrm>
-      </p:grpSpPr>
-      <p:pic>
-        <p:nvPicPr>
-          <p:cNvPr id="5" name="Content Placeholder 4"/>
-          <p:cNvPicPr>
-            <a:picLocks noGrp="1" noChangeAspect="1"/>
-          </p:cNvPicPr>
-          <p:nvPr>
-            <p:ph sz="half" idx="1"/>
-          </p:nvPr>
-        </p:nvPicPr>
-        <p:blipFill>
-          <a:blip r:embed="rId2">
-            <a:extLst>
-              <a:ext uri="{28A0092B-C50C-407E-A947-70E740481C1C}">
-                <a14:useLocalDpi xmlns:a14="http://schemas.microsoft.com/office/drawing/2010/main" val="0"/>
-              </a:ext>
-            </a:extLst>
-          </a:blip>
-          <a:stretch>
-            <a:fillRect/>
-          </a:stretch>
-        </p:blipFill>
-        <p:spPr>
-          <a:xfrm>
-            <a:off x="438705" y="2530186"/>
-            <a:ext cx="4344845" cy="3376188"/>
-          </a:xfrm>
-        </p:spPr>
-      </p:pic>
-      <p:sp>
-        <p:nvSpPr>
-          <p:cNvPr id="10" name="Rectangle 9"/>
-          <p:cNvSpPr/>
-          <p:nvPr/>
-        </p:nvSpPr>
-        <p:spPr>
-          <a:xfrm>
-            <a:off x="838199" y="1825625"/>
-            <a:ext cx="4024745" cy="388696"/>
-          </a:xfrm>
-          <a:prstGeom prst="rect">
-            <a:avLst/>
-          </a:prstGeom>
-        </p:spPr>
-        <p:txBody>
-          <a:bodyPr wrap="square">
-            <a:spAutoFit/>
-          </a:bodyPr>
-          <a:lstStyle/>
-          <a:p>
-            <a:pPr>
-              <a:lnSpc>
-                <a:spcPct val="107000"/>
-              </a:lnSpc>
-              <a:spcAft>
-                <a:spcPts val="800"/>
-              </a:spcAft>
-            </a:pPr>
-            <a:r>
-              <a:rPr lang="en-IN" b="1" dirty="0" smtClean="0">
-                <a:latin typeface="Calibri" panose="020F0502020204030204" pitchFamily="34" charset="0"/>
-                <a:ea typeface="Calibri" panose="020F0502020204030204" pitchFamily="34" charset="0"/>
-                <a:cs typeface="Times New Roman" panose="02020603050405020304" pitchFamily="18" charset="0"/>
-              </a:rPr>
-              <a:t>Screenshot/Video </a:t>
-            </a:r>
-            <a:r>
-              <a:rPr lang="en-IN" b="1" dirty="0">
-                <a:latin typeface="Calibri" panose="020F0502020204030204" pitchFamily="34" charset="0"/>
-                <a:ea typeface="Calibri" panose="020F0502020204030204" pitchFamily="34" charset="0"/>
-                <a:cs typeface="Times New Roman" panose="02020603050405020304" pitchFamily="18" charset="0"/>
-              </a:rPr>
-              <a:t>of Outcome</a:t>
-            </a:r>
-            <a:r>
-              <a:rPr lang="en-IN" b="1" dirty="0" smtClean="0">
-                <a:latin typeface="Calibri" panose="020F0502020204030204" pitchFamily="34" charset="0"/>
-                <a:ea typeface="Calibri" panose="020F0502020204030204" pitchFamily="34" charset="0"/>
-                <a:cs typeface="Times New Roman" panose="02020603050405020304" pitchFamily="18" charset="0"/>
-              </a:rPr>
-              <a:t>: </a:t>
-            </a:r>
-            <a:endParaRPr lang="en-IN" b="1" dirty="0">
-              <a:latin typeface="Calibri" panose="020F0502020204030204" pitchFamily="34" charset="0"/>
-              <a:ea typeface="Calibri" panose="020F0502020204030204" pitchFamily="34" charset="0"/>
-              <a:cs typeface="Times New Roman" panose="02020603050405020304" pitchFamily="18" charset="0"/>
-            </a:endParaRPr>
-          </a:p>
-        </p:txBody>
-      </p:sp>
-      <p:sp>
-        <p:nvSpPr>
-          <p:cNvPr id="6" name="Title 1">
-            <a:extLst>
-              <a:ext uri="{FF2B5EF4-FFF2-40B4-BE49-F238E27FC236}">
-                <a16:creationId xmlns:a16="http://schemas.microsoft.com/office/drawing/2014/main" id="{BEACCAF2-3249-8E7C-885A-CBEAE1A8D293}"/>
-              </a:ext>
-            </a:extLst>
-          </p:cNvPr>
-          <p:cNvSpPr txBox="1">
-            <a:spLocks/>
-          </p:cNvSpPr>
-          <p:nvPr/>
-        </p:nvSpPr>
-        <p:spPr>
-          <a:xfrm>
-            <a:off x="559292" y="147745"/>
-            <a:ext cx="11176985" cy="1207363"/>
-          </a:xfrm>
-          <a:prstGeom prst="rect">
-            <a:avLst/>
-          </a:prstGeom>
-          <a:gradFill>
-            <a:gsLst>
-              <a:gs pos="0">
-                <a:schemeClr val="accent4">
-                  <a:lumMod val="20000"/>
-                  <a:lumOff val="80000"/>
-                </a:schemeClr>
-              </a:gs>
-              <a:gs pos="74000">
-                <a:schemeClr val="accent6">
-                  <a:lumMod val="20000"/>
-                  <a:lumOff val="80000"/>
-                </a:schemeClr>
-              </a:gs>
-              <a:gs pos="83000">
-                <a:schemeClr val="accent6">
-                  <a:lumMod val="40000"/>
-                  <a:lumOff val="60000"/>
-                </a:schemeClr>
-              </a:gs>
-              <a:gs pos="100000">
-                <a:schemeClr val="accent6">
-                  <a:lumMod val="60000"/>
-                  <a:lumOff val="40000"/>
-                </a:schemeClr>
-              </a:gs>
-            </a:gsLst>
-            <a:lin ang="5400000" scaled="1"/>
-          </a:gradFill>
-          <a:effectLst>
-            <a:glow rad="228600">
-              <a:schemeClr val="accent4">
-                <a:satMod val="175000"/>
-                <a:alpha val="40000"/>
-              </a:schemeClr>
-            </a:glow>
-          </a:effectLst>
-        </p:spPr>
-        <p:txBody>
-          <a:bodyPr vert="horz" lIns="91440" tIns="45720" rIns="91440" bIns="45720" rtlCol="0" anchor="ctr">
-            <a:normAutofit/>
-          </a:bodyPr>
-          <a:lstStyle>
-            <a:lvl1pPr algn="ctr" defTabSz="914400" rtl="0" eaLnBrk="1" latinLnBrk="0" hangingPunct="1">
-              <a:lnSpc>
-                <a:spcPct val="90000"/>
-              </a:lnSpc>
-              <a:spcBef>
-                <a:spcPct val="0"/>
-              </a:spcBef>
-              <a:buNone/>
-              <a:defRPr sz="6000" kern="1200">
-                <a:solidFill>
-                  <a:schemeClr val="tx1"/>
-                </a:solidFill>
-                <a:latin typeface="+mj-lt"/>
-                <a:ea typeface="+mj-ea"/>
-                <a:cs typeface="+mj-cs"/>
-              </a:defRPr>
-            </a:lvl1pPr>
-          </a:lstStyle>
-          <a:p>
-            <a:r>
-              <a:rPr lang="en-US" dirty="0" smtClean="0"/>
-              <a:t>RESULT</a:t>
-            </a:r>
-            <a:endParaRPr lang="en-IN" dirty="0"/>
-          </a:p>
-        </p:txBody>
-      </p:sp>
-      <p:pic>
-        <p:nvPicPr>
-          <p:cNvPr id="12" name="Content Placeholder 11"/>
-          <p:cNvPicPr>
-            <a:picLocks noGrp="1" noChangeAspect="1"/>
-          </p:cNvPicPr>
-          <p:nvPr>
-            <p:ph sz="half" idx="2"/>
-          </p:nvPr>
-        </p:nvPicPr>
-        <p:blipFill rotWithShape="1">
-          <a:blip r:embed="rId3"/>
-          <a:srcRect l="24855" t="1" r="25703" b="-735"/>
-          <a:stretch/>
-        </p:blipFill>
-        <p:spPr>
-          <a:xfrm>
-            <a:off x="6622743" y="2530186"/>
-            <a:ext cx="4287913" cy="3429275"/>
-          </a:xfrm>
-          <a:prstGeom prst="rect">
-            <a:avLst/>
-          </a:prstGeom>
-        </p:spPr>
-      </p:pic>
+      <p:grpSpPr/>
+      <p:sp>
+        <p:nvSpPr>
+          <p:cNvPr id="2" name="Title 1"/>
+          <p:cNvSpPr>
+            <a:spLocks noGrp="1"/>
+          </p:cNvSpPr>
+          <p:nvPr>
+            <p:ph type="title"/>
+          </p:nvPr>
+        </p:nvSpPr>
+        <p:spPr/>
+        <p:txBody>
+          <a:bodyPr/>
+          <a:lstStyle/>
+          <a:p>
+            <a:pPr>
+              <a:defRPr sz="3600">
+                <a:solidFill>
+                  <a:srgbClr val="23375A"/>
+                </a:solidFill>
+              </a:defRPr>
+            </a:pPr>
+            <a:r>
+              <a:t>Proposed Solution</a:t>
+            </a:r>
+          </a:p>
+        </p:txBody>
+      </p:sp>
+      <p:sp>
+        <p:nvSpPr>
+          <p:cNvPr id="3" name="Content Placeholder 2"/>
+          <p:cNvSpPr>
+            <a:spLocks noGrp="1"/>
+          </p:cNvSpPr>
+          <p:nvPr>
+            <p:ph idx="1"/>
+          </p:nvPr>
+        </p:nvSpPr>
+        <p:spPr/>
+        <p:txBody>
+          <a:bodyPr/>
+          <a:lstStyle/>
+          <a:p>
+            <a:pPr>
+              <a:defRPr sz="1800">
+                <a:solidFill>
+                  <a:srgbClr val="282828"/>
+                </a:solidFill>
+              </a:defRPr>
+            </a:pPr>
+            <a:r>
+              <a:t>Comprehensive ML-Based Cardiac Risk Assessment System:</a:t>
+            </a:r>
+          </a:p>
+          <a:p>
+            <a:pPr>
+              <a:defRPr sz="1800">
+                <a:solidFill>
+                  <a:srgbClr val="282828"/>
+                </a:solidFill>
+              </a:defRPr>
+            </a:pPr>
+          </a:p>
+          <a:p>
+            <a:pPr>
+              <a:defRPr sz="1800">
+                <a:solidFill>
+                  <a:srgbClr val="282828"/>
+                </a:solidFill>
+              </a:defRPr>
+            </a:pPr>
+            <a:r>
+              <a:t>Core Components:</a:t>
+            </a:r>
+          </a:p>
+          <a:p>
+            <a:pPr>
+              <a:defRPr sz="1800">
+                <a:solidFill>
+                  <a:srgbClr val="282828"/>
+                </a:solidFill>
+              </a:defRPr>
+            </a:pPr>
+            <a:r>
+              <a:t>• Multi-source data integration (wearable sensors, medical records)</a:t>
+            </a:r>
+          </a:p>
+          <a:p>
+            <a:pPr>
+              <a:defRPr sz="1800">
+                <a:solidFill>
+                  <a:srgbClr val="282828"/>
+                </a:solidFill>
+              </a:defRPr>
+            </a:pPr>
+            <a:r>
+              <a:t>• Advanced feature engineering and selection</a:t>
+            </a:r>
+          </a:p>
+          <a:p>
+            <a:pPr>
+              <a:defRPr sz="1800">
+                <a:solidFill>
+                  <a:srgbClr val="282828"/>
+                </a:solidFill>
+              </a:defRPr>
+            </a:pPr>
+            <a:r>
+              <a:t>• Ensemble machine learning models</a:t>
+            </a:r>
+          </a:p>
+          <a:p>
+            <a:pPr>
+              <a:defRPr sz="1800">
+                <a:solidFill>
+                  <a:srgbClr val="282828"/>
+                </a:solidFill>
+              </a:defRPr>
+            </a:pPr>
+            <a:r>
+              <a:t>• Real-time risk score calculation</a:t>
+            </a:r>
+          </a:p>
+          <a:p>
+            <a:pPr>
+              <a:defRPr sz="1800">
+                <a:solidFill>
+                  <a:srgbClr val="282828"/>
+                </a:solidFill>
+              </a:defRPr>
+            </a:pPr>
+            <a:r>
+              <a:t>• Personalized risk recommendations</a:t>
+            </a:r>
+          </a:p>
+          <a:p>
+            <a:pPr>
+              <a:defRPr sz="1800">
+                <a:solidFill>
+                  <a:srgbClr val="282828"/>
+                </a:solidFill>
+              </a:defRPr>
+            </a:pPr>
+          </a:p>
+          <a:p>
+            <a:pPr>
+              <a:defRPr sz="1800">
+                <a:solidFill>
+                  <a:srgbClr val="282828"/>
+                </a:solidFill>
+              </a:defRPr>
+            </a:pPr>
+            <a:r>
+              <a:t>Key Features:</a:t>
+            </a:r>
+          </a:p>
+          <a:p>
+            <a:pPr>
+              <a:defRPr sz="1800">
+                <a:solidFill>
+                  <a:srgbClr val="282828"/>
+                </a:solidFill>
+              </a:defRPr>
+            </a:pPr>
+            <a:r>
+              <a:t>• Non-invasive continuous monitoring</a:t>
+            </a:r>
+          </a:p>
+          <a:p>
+            <a:pPr>
+              <a:defRPr sz="1800">
+                <a:solidFill>
+                  <a:srgbClr val="282828"/>
+                </a:solidFill>
+              </a:defRPr>
+            </a:pPr>
+            <a:r>
+              <a:t>• Early warning system with alerts</a:t>
+            </a:r>
+          </a:p>
+          <a:p>
+            <a:pPr>
+              <a:defRPr sz="1800">
+                <a:solidFill>
+                  <a:srgbClr val="282828"/>
+                </a:solidFill>
+              </a:defRPr>
+            </a:pPr>
+            <a:r>
+              <a:t>• User-friendly mobile/web interface</a:t>
+            </a:r>
+          </a:p>
+          <a:p>
+            <a:pPr>
+              <a:defRPr sz="1800">
+                <a:solidFill>
+                  <a:srgbClr val="282828"/>
+                </a:solidFill>
+              </a:defRPr>
+            </a:pPr>
+            <a:r>
+              <a:t>• Healthcare provider dashboard</a:t>
+            </a:r>
+          </a:p>
+          <a:p>
+            <a:pPr>
+              <a:defRPr sz="1800">
+                <a:solidFill>
+                  <a:srgbClr val="282828"/>
+                </a:solidFill>
+              </a:defRPr>
+            </a:pPr>
+            <a:r>
+              <a:t>• Privacy-preserving data handling</a:t>
+            </a:r>
+          </a:p>
+        </p:txBody>
+      </p:sp>
     </p:spTree>
-    <p:extLst>
-      <p:ext uri="{BB962C8B-B14F-4D97-AF65-F5344CB8AC3E}">
-        <p14:creationId xmlns:p14="http://schemas.microsoft.com/office/powerpoint/2010/main" val="1505857846"/>
-      </p:ext>
-    </p:extLst>
   </p:cSld>
   <p:clrMapOvr>
     <a:masterClrMapping/>
   </p:clrMapOvr>
-  <p:timing>
-    <p:tnLst>
-      <p:par>
-        <p:cTn id="1" dur="indefinite" restart="never" nodeType="tmRoot"/>
-      </p:par>
-    </p:tnLst>
-  </p:timing>
 </p:sld>
 </file>
 
-<file path=ppt/slides/slide6.xml><?xml version="1.0" encoding="utf-8"?>
-<p:sld xmlns:a="http://schemas.openxmlformats.org/drawingml/2006/main" xmlns:r="http://schemas.openxmlformats.org/officeDocument/2006/relationships" xmlns:p="http://schemas.openxmlformats.org/presentationml/2006/main">
+<file path=ppt/slides/slide5.xml><?xml version="1.0" encoding="utf-8"?>
+<p:sld xmlns:a="http://schemas.openxmlformats.org/drawingml/2006/main" xmlns:p="http://schemas.openxmlformats.org/presentationml/2006/main" xmlns:r="http://schemas.openxmlformats.org/officeDocument/2006/relationships">
   <p:cSld>
     <p:spTree>
       <p:nvGrpSpPr>
@@ -4924,610 +5962,722 @@
         <p:cNvGrpSpPr/>
         <p:nvPr/>
       </p:nvGrpSpPr>
-      <p:grpSpPr>
-        <a:xfrm>
-          <a:off x="0" y="0"/>
-          <a:ext cx="0" cy="0"/>
-          <a:chOff x="0" y="0"/>
-          <a:chExt cx="0" cy="0"/>
-        </a:xfrm>
-      </p:grpSpPr>
-      <p:sp>
-        <p:nvSpPr>
-          <p:cNvPr id="5" name="Rectangle 2"/>
-          <p:cNvSpPr>
-            <a:spLocks noChangeArrowheads="1"/>
-          </p:cNvSpPr>
-          <p:nvPr/>
-        </p:nvSpPr>
-        <p:spPr bwMode="auto">
-          <a:xfrm>
-            <a:off x="0" y="0"/>
-            <a:ext cx="12192000" cy="15875"/>
-          </a:xfrm>
-          <a:prstGeom prst="rect">
-            <a:avLst/>
-          </a:prstGeom>
-          <a:solidFill>
-            <a:srgbClr val="000000"/>
-          </a:solidFill>
-          <a:ln w="9525">
-            <a:solidFill>
-              <a:schemeClr val="tx1"/>
-            </a:solidFill>
-            <a:prstDash val="solid"/>
-            <a:miter lim="800000"/>
-            <a:headEnd/>
-            <a:tailEnd/>
-          </a:ln>
-          <a:effectLst/>
-          <a:extLst>
-            <a:ext uri="{AF507438-7753-43E0-B8FC-AC1667EBCBE1}">
-              <a14:hiddenEffects xmlns:a14="http://schemas.microsoft.com/office/drawing/2010/main">
-                <a:effectLst>
-                  <a:outerShdw dist="35921" dir="2700000" algn="ctr" rotWithShape="0">
-                    <a:schemeClr val="bg2"/>
-                  </a:outerShdw>
-                </a:effectLst>
-              </a14:hiddenEffects>
-            </a:ext>
-          </a:extLst>
-        </p:spPr>
-        <p:txBody>
-          <a:bodyPr vert="horz" wrap="none" lIns="91440" tIns="45720" rIns="91440" bIns="45720" numCol="1" anchor="ctr" anchorCtr="0" compatLnSpc="1">
-            <a:prstTxWarp prst="textNoShape">
-              <a:avLst/>
-            </a:prstTxWarp>
-            <a:spAutoFit/>
-          </a:bodyPr>
-          <a:lstStyle/>
-          <a:p>
-            <a:endParaRPr lang="en-IN"/>
-          </a:p>
-        </p:txBody>
-      </p:sp>
-      <p:sp>
-        <p:nvSpPr>
-          <p:cNvPr id="8" name="Rectangle 5"/>
-          <p:cNvSpPr>
-            <a:spLocks noChangeArrowheads="1"/>
-          </p:cNvSpPr>
-          <p:nvPr/>
-        </p:nvSpPr>
-        <p:spPr bwMode="auto">
-          <a:xfrm>
-            <a:off x="0" y="0"/>
-            <a:ext cx="12192000" cy="15875"/>
-          </a:xfrm>
-          <a:prstGeom prst="rect">
-            <a:avLst/>
-          </a:prstGeom>
-          <a:solidFill>
-            <a:srgbClr val="000000"/>
-          </a:solidFill>
-          <a:ln w="9525">
-            <a:solidFill>
-              <a:schemeClr val="tx1"/>
-            </a:solidFill>
-            <a:prstDash val="solid"/>
-            <a:miter lim="800000"/>
-            <a:headEnd/>
-            <a:tailEnd/>
-          </a:ln>
-          <a:effectLst/>
-          <a:extLst>
-            <a:ext uri="{AF507438-7753-43E0-B8FC-AC1667EBCBE1}">
-              <a14:hiddenEffects xmlns:a14="http://schemas.microsoft.com/office/drawing/2010/main">
-                <a:effectLst>
-                  <a:outerShdw dist="35921" dir="2700000" algn="ctr" rotWithShape="0">
-                    <a:schemeClr val="bg2"/>
-                  </a:outerShdw>
-                </a:effectLst>
-              </a14:hiddenEffects>
-            </a:ext>
-          </a:extLst>
-        </p:spPr>
-        <p:txBody>
-          <a:bodyPr vert="horz" wrap="none" lIns="91440" tIns="45720" rIns="91440" bIns="45720" numCol="1" anchor="ctr" anchorCtr="0" compatLnSpc="1">
-            <a:prstTxWarp prst="textNoShape">
-              <a:avLst/>
-            </a:prstTxWarp>
-            <a:spAutoFit/>
-          </a:bodyPr>
-          <a:lstStyle/>
-          <a:p>
-            <a:endParaRPr lang="en-IN"/>
-          </a:p>
-        </p:txBody>
-      </p:sp>
-      <p:sp>
-        <p:nvSpPr>
-          <p:cNvPr id="10" name="Rectangle 7"/>
-          <p:cNvSpPr>
-            <a:spLocks noChangeArrowheads="1"/>
-          </p:cNvSpPr>
-          <p:nvPr/>
-        </p:nvSpPr>
-        <p:spPr bwMode="auto">
-          <a:xfrm>
-            <a:off x="1651248" y="1281618"/>
-            <a:ext cx="9126244" cy="4650760"/>
-          </a:xfrm>
-          <a:prstGeom prst="rect">
-            <a:avLst/>
-          </a:prstGeom>
-          <a:noFill/>
-          <a:ln>
-            <a:noFill/>
-          </a:ln>
-          <a:effectLst/>
-          <a:extLst>
-            <a:ext uri="{909E8E84-426E-40DD-AFC4-6F175D3DCCD1}">
-              <a14:hiddenFill xmlns:a14="http://schemas.microsoft.com/office/drawing/2010/main">
-                <a:solidFill>
-                  <a:schemeClr val="accent1"/>
-                </a:solidFill>
-              </a14:hiddenFill>
-            </a:ext>
-            <a:ext uri="{91240B29-F687-4F45-9708-019B960494DF}">
-              <a14:hiddenLine xmlns:a14="http://schemas.microsoft.com/office/drawing/2010/main" w="9525">
-                <a:solidFill>
-                  <a:schemeClr val="tx1"/>
-                </a:solidFill>
-                <a:miter lim="800000"/>
-                <a:headEnd/>
-                <a:tailEnd/>
-              </a14:hiddenLine>
-            </a:ext>
-            <a:ext uri="{AF507438-7753-43E0-B8FC-AC1667EBCBE1}">
-              <a14:hiddenEffects xmlns:a14="http://schemas.microsoft.com/office/drawing/2010/main">
-                <a:effectLst>
-                  <a:outerShdw dist="35921" dir="2700000" algn="ctr" rotWithShape="0">
-                    <a:schemeClr val="bg2"/>
-                  </a:outerShdw>
-                </a:effectLst>
-              </a14:hiddenEffects>
-            </a:ext>
-          </a:extLst>
-        </p:spPr>
-        <p:txBody>
-          <a:bodyPr vert="horz" wrap="square" lIns="91440" tIns="45720" rIns="91440" bIns="45720" numCol="1" anchor="ctr" anchorCtr="0" compatLnSpc="1">
-            <a:prstTxWarp prst="textNoShape">
-              <a:avLst/>
-            </a:prstTxWarp>
-            <a:spAutoFit/>
-          </a:bodyPr>
-          <a:lstStyle/>
-          <a:p>
-            <a:pPr marL="342900" marR="0" lvl="0" indent="-342900" algn="l" defTabSz="914400" rtl="0" eaLnBrk="0" fontAlgn="base" latinLnBrk="0" hangingPunct="0">
-              <a:lnSpc>
-                <a:spcPct val="150000"/>
-              </a:lnSpc>
-              <a:spcBef>
-                <a:spcPct val="0"/>
-              </a:spcBef>
-              <a:spcAft>
-                <a:spcPct val="0"/>
-              </a:spcAft>
-              <a:buClrTx/>
-              <a:buSzTx/>
-              <a:buFont typeface="Arial" panose="020B0604020202020204" pitchFamily="34" charset="0"/>
-              <a:buChar char="•"/>
-              <a:tabLst/>
-            </a:pPr>
-            <a:endParaRPr kumimoji="0" lang="en-US" altLang="en-US" sz="2000" b="0" i="0" u="none" strike="noStrike" cap="none" normalizeH="0" baseline="0" dirty="0" smtClean="0">
-              <a:ln>
-                <a:noFill/>
-              </a:ln>
-              <a:solidFill>
-                <a:schemeClr val="tx1"/>
-              </a:solidFill>
-              <a:effectLst/>
-              <a:latin typeface="Arial Narrow" panose="020B0606020202030204" pitchFamily="34" charset="0"/>
-            </a:endParaRPr>
-          </a:p>
-          <a:p>
-            <a:pPr marL="342900" marR="0" lvl="0" indent="-342900" algn="l" defTabSz="914400" rtl="0" eaLnBrk="0" fontAlgn="base" latinLnBrk="0" hangingPunct="0">
-              <a:lnSpc>
-                <a:spcPct val="150000"/>
-              </a:lnSpc>
-              <a:spcBef>
-                <a:spcPct val="0"/>
-              </a:spcBef>
-              <a:spcAft>
-                <a:spcPct val="0"/>
-              </a:spcAft>
-              <a:buClrTx/>
-              <a:buSzTx/>
-              <a:buFont typeface="Arial" panose="020B0604020202020204" pitchFamily="34" charset="0"/>
-              <a:buChar char="•"/>
-              <a:tabLst/>
-            </a:pPr>
-            <a:r>
-              <a:rPr kumimoji="0" lang="en-US" altLang="en-US" sz="2000" b="0" i="0" u="none" strike="noStrike" cap="none" normalizeH="0" baseline="0" dirty="0" smtClean="0">
-                <a:ln>
-                  <a:noFill/>
-                </a:ln>
-                <a:solidFill>
-                  <a:schemeClr val="tx1"/>
-                </a:solidFill>
-                <a:effectLst/>
-                <a:latin typeface="Arial Narrow" panose="020B0606020202030204" pitchFamily="34" charset="0"/>
-              </a:rPr>
-              <a:t>Increases awareness about heart health and risk factors.</a:t>
-            </a:r>
-          </a:p>
-          <a:p>
-            <a:pPr marL="342900" marR="0" lvl="0" indent="-342900" algn="l" defTabSz="914400" rtl="0" eaLnBrk="0" fontAlgn="base" latinLnBrk="0" hangingPunct="0">
-              <a:lnSpc>
-                <a:spcPct val="150000"/>
-              </a:lnSpc>
-              <a:spcBef>
-                <a:spcPct val="0"/>
-              </a:spcBef>
-              <a:spcAft>
-                <a:spcPct val="0"/>
-              </a:spcAft>
-              <a:buClrTx/>
-              <a:buSzTx/>
-              <a:buFont typeface="Arial" panose="020B0604020202020204" pitchFamily="34" charset="0"/>
-              <a:buChar char="•"/>
-              <a:tabLst/>
-            </a:pPr>
-            <a:r>
-              <a:rPr kumimoji="0" lang="en-US" altLang="en-US" sz="2000" b="0" i="0" u="none" strike="noStrike" cap="none" normalizeH="0" baseline="0" dirty="0" smtClean="0">
-                <a:ln>
-                  <a:noFill/>
-                </a:ln>
-                <a:solidFill>
-                  <a:schemeClr val="tx1"/>
-                </a:solidFill>
-                <a:effectLst/>
-                <a:latin typeface="Arial Narrow" panose="020B0606020202030204" pitchFamily="34" charset="0"/>
-              </a:rPr>
-              <a:t>Encourages adoption of wearable technology for continuous health monitoring.</a:t>
-            </a:r>
-          </a:p>
-          <a:p>
-            <a:pPr marL="342900" marR="0" lvl="0" indent="-342900" algn="l" defTabSz="914400" rtl="0" eaLnBrk="0" fontAlgn="base" latinLnBrk="0" hangingPunct="0">
-              <a:lnSpc>
-                <a:spcPct val="150000"/>
-              </a:lnSpc>
-              <a:spcBef>
-                <a:spcPct val="0"/>
-              </a:spcBef>
-              <a:spcAft>
-                <a:spcPct val="0"/>
-              </a:spcAft>
-              <a:buClrTx/>
-              <a:buSzTx/>
-              <a:buFont typeface="Arial" panose="020B0604020202020204" pitchFamily="34" charset="0"/>
-              <a:buChar char="•"/>
-              <a:tabLst/>
-            </a:pPr>
-            <a:r>
-              <a:rPr kumimoji="0" lang="en-US" altLang="en-US" sz="2000" b="0" i="0" u="none" strike="noStrike" cap="none" normalizeH="0" baseline="0" dirty="0" smtClean="0">
-                <a:ln>
-                  <a:noFill/>
-                </a:ln>
-                <a:solidFill>
-                  <a:schemeClr val="tx1"/>
-                </a:solidFill>
-                <a:effectLst/>
-                <a:latin typeface="Arial Narrow" panose="020B0606020202030204" pitchFamily="34" charset="0"/>
-              </a:rPr>
-              <a:t>Facilitates large-scale health data collection for research and public health policy.</a:t>
-            </a:r>
-          </a:p>
-          <a:p>
-            <a:pPr marL="342900" marR="0" lvl="0" indent="-342900" algn="l" defTabSz="914400" rtl="0" eaLnBrk="0" fontAlgn="base" latinLnBrk="0" hangingPunct="0">
-              <a:lnSpc>
-                <a:spcPct val="150000"/>
-              </a:lnSpc>
-              <a:spcBef>
-                <a:spcPct val="0"/>
-              </a:spcBef>
-              <a:spcAft>
-                <a:spcPct val="0"/>
-              </a:spcAft>
-              <a:buClrTx/>
-              <a:buSzTx/>
-              <a:buFont typeface="Arial" panose="020B0604020202020204" pitchFamily="34" charset="0"/>
-              <a:buChar char="•"/>
-              <a:tabLst/>
-            </a:pPr>
-            <a:r>
-              <a:rPr kumimoji="0" lang="en-US" altLang="en-US" sz="2000" b="0" i="0" u="none" strike="noStrike" cap="none" normalizeH="0" baseline="0" dirty="0" smtClean="0">
-                <a:ln>
-                  <a:noFill/>
-                </a:ln>
-                <a:solidFill>
-                  <a:schemeClr val="tx1"/>
-                </a:solidFill>
-                <a:effectLst/>
-                <a:latin typeface="Arial Narrow" panose="020B0606020202030204" pitchFamily="34" charset="0"/>
-              </a:rPr>
-              <a:t>Helps reduce disparities in healthcare by providing affordable risk assessment tools.</a:t>
-            </a:r>
-          </a:p>
-          <a:p>
-            <a:pPr marL="342900" marR="0" lvl="0" indent="-342900" algn="l" defTabSz="914400" rtl="0" eaLnBrk="0" fontAlgn="base" latinLnBrk="0" hangingPunct="0">
-              <a:lnSpc>
-                <a:spcPct val="150000"/>
-              </a:lnSpc>
-              <a:spcBef>
-                <a:spcPct val="0"/>
-              </a:spcBef>
-              <a:spcAft>
-                <a:spcPct val="0"/>
-              </a:spcAft>
-              <a:buClrTx/>
-              <a:buSzTx/>
-              <a:buFont typeface="Arial" panose="020B0604020202020204" pitchFamily="34" charset="0"/>
-              <a:buChar char="•"/>
-              <a:tabLst/>
-            </a:pPr>
-            <a:r>
-              <a:rPr kumimoji="0" lang="en-US" altLang="en-US" sz="2000" b="0" i="0" u="none" strike="noStrike" cap="none" normalizeH="0" baseline="0" dirty="0" smtClean="0">
-                <a:ln>
-                  <a:noFill/>
-                </a:ln>
-                <a:solidFill>
-                  <a:schemeClr val="tx1"/>
-                </a:solidFill>
-                <a:effectLst/>
-                <a:latin typeface="Arial Narrow" panose="020B0606020202030204" pitchFamily="34" charset="0"/>
-              </a:rPr>
-              <a:t>Promotes mental well-being by reducing anxiety through continuous monitoring and reassurance.</a:t>
-            </a:r>
-          </a:p>
-          <a:p>
-            <a:pPr marL="342900" marR="0" lvl="0" indent="-342900" algn="l" defTabSz="914400" rtl="0" eaLnBrk="0" fontAlgn="base" latinLnBrk="0" hangingPunct="0">
-              <a:lnSpc>
-                <a:spcPct val="150000"/>
-              </a:lnSpc>
-              <a:spcBef>
-                <a:spcPct val="0"/>
-              </a:spcBef>
-              <a:spcAft>
-                <a:spcPct val="0"/>
-              </a:spcAft>
-              <a:buClrTx/>
-              <a:buSzTx/>
-              <a:buFont typeface="Arial" panose="020B0604020202020204" pitchFamily="34" charset="0"/>
-              <a:buChar char="•"/>
-              <a:tabLst/>
-            </a:pPr>
-            <a:r>
-              <a:rPr kumimoji="0" lang="en-US" altLang="en-US" sz="2000" b="0" i="0" u="none" strike="noStrike" cap="none" normalizeH="0" baseline="0" dirty="0" smtClean="0">
-                <a:ln>
-                  <a:noFill/>
-                </a:ln>
-                <a:solidFill>
-                  <a:schemeClr val="tx1"/>
-                </a:solidFill>
-                <a:effectLst/>
-                <a:latin typeface="Arial Narrow" panose="020B0606020202030204" pitchFamily="34" charset="0"/>
-              </a:rPr>
-              <a:t>Supports healthier aging by tracking cardiac health trends over time.</a:t>
-            </a:r>
-          </a:p>
-          <a:p>
-            <a:pPr marL="342900" marR="0" lvl="0" indent="-342900" algn="l" defTabSz="914400" rtl="0" eaLnBrk="0" fontAlgn="base" latinLnBrk="0" hangingPunct="0">
-              <a:lnSpc>
-                <a:spcPct val="150000"/>
-              </a:lnSpc>
-              <a:spcBef>
-                <a:spcPct val="0"/>
-              </a:spcBef>
-              <a:spcAft>
-                <a:spcPct val="0"/>
-              </a:spcAft>
-              <a:buClrTx/>
-              <a:buSzTx/>
-              <a:buFont typeface="Arial" panose="020B0604020202020204" pitchFamily="34" charset="0"/>
-              <a:buChar char="•"/>
-              <a:tabLst/>
-            </a:pPr>
-            <a:r>
-              <a:rPr kumimoji="0" lang="en-US" altLang="en-US" sz="2000" b="0" i="0" u="none" strike="noStrike" cap="none" normalizeH="0" baseline="0" dirty="0" smtClean="0">
-                <a:ln>
-                  <a:noFill/>
-                </a:ln>
-                <a:solidFill>
-                  <a:schemeClr val="tx1"/>
-                </a:solidFill>
-                <a:effectLst/>
-                <a:latin typeface="Arial Narrow" panose="020B0606020202030204" pitchFamily="34" charset="0"/>
-              </a:rPr>
-              <a:t>Enables personalized health recommendations based on individual risk profiles.</a:t>
-            </a:r>
-          </a:p>
-          <a:p>
-            <a:pPr marL="342900" marR="0" lvl="0" indent="-342900" algn="l" defTabSz="914400" rtl="0" eaLnBrk="0" fontAlgn="base" latinLnBrk="0" hangingPunct="0">
-              <a:lnSpc>
-                <a:spcPct val="150000"/>
-              </a:lnSpc>
-              <a:spcBef>
-                <a:spcPct val="0"/>
-              </a:spcBef>
-              <a:spcAft>
-                <a:spcPct val="0"/>
-              </a:spcAft>
-              <a:buClrTx/>
-              <a:buSzTx/>
-              <a:buFont typeface="Arial" panose="020B0604020202020204" pitchFamily="34" charset="0"/>
-              <a:buChar char="•"/>
-              <a:tabLst/>
-            </a:pPr>
-            <a:r>
-              <a:rPr kumimoji="0" lang="en-US" altLang="en-US" sz="2000" b="0" i="0" u="none" strike="noStrike" cap="none" normalizeH="0" baseline="0" dirty="0" smtClean="0">
-                <a:ln>
-                  <a:noFill/>
-                </a:ln>
-                <a:solidFill>
-                  <a:schemeClr val="tx1"/>
-                </a:solidFill>
-                <a:effectLst/>
-                <a:latin typeface="Arial Narrow" panose="020B0606020202030204" pitchFamily="34" charset="0"/>
-              </a:rPr>
-              <a:t>Enhances community health programs by integrating wearable data insights.</a:t>
-            </a:r>
-          </a:p>
-        </p:txBody>
-      </p:sp>
-      <p:sp>
-        <p:nvSpPr>
-          <p:cNvPr id="11" name="Rectangle 8"/>
-          <p:cNvSpPr>
-            <a:spLocks noChangeArrowheads="1"/>
-          </p:cNvSpPr>
-          <p:nvPr/>
-        </p:nvSpPr>
-        <p:spPr bwMode="auto">
-          <a:xfrm>
-            <a:off x="0" y="0"/>
-            <a:ext cx="12192000" cy="15875"/>
-          </a:xfrm>
-          <a:prstGeom prst="rect">
-            <a:avLst/>
-          </a:prstGeom>
-          <a:solidFill>
-            <a:srgbClr val="000000"/>
-          </a:solidFill>
-          <a:ln w="9525">
-            <a:solidFill>
-              <a:schemeClr val="tx1"/>
-            </a:solidFill>
-            <a:prstDash val="solid"/>
-            <a:miter lim="800000"/>
-            <a:headEnd/>
-            <a:tailEnd/>
-          </a:ln>
-          <a:effectLst/>
-          <a:extLst>
-            <a:ext uri="{AF507438-7753-43E0-B8FC-AC1667EBCBE1}">
-              <a14:hiddenEffects xmlns:a14="http://schemas.microsoft.com/office/drawing/2010/main">
-                <a:effectLst>
-                  <a:outerShdw dist="35921" dir="2700000" algn="ctr" rotWithShape="0">
-                    <a:schemeClr val="bg2"/>
-                  </a:outerShdw>
-                </a:effectLst>
-              </a14:hiddenEffects>
-            </a:ext>
-          </a:extLst>
-        </p:spPr>
-        <p:txBody>
-          <a:bodyPr vert="horz" wrap="none" lIns="91440" tIns="45720" rIns="91440" bIns="45720" numCol="1" anchor="ctr" anchorCtr="0" compatLnSpc="1">
-            <a:prstTxWarp prst="textNoShape">
-              <a:avLst/>
-            </a:prstTxWarp>
-            <a:spAutoFit/>
-          </a:bodyPr>
-          <a:lstStyle/>
-          <a:p>
-            <a:endParaRPr lang="en-IN"/>
-          </a:p>
-        </p:txBody>
-      </p:sp>
-      <p:sp>
-        <p:nvSpPr>
-          <p:cNvPr id="13" name="Title 1">
-            <a:extLst>
-              <a:ext uri="{FF2B5EF4-FFF2-40B4-BE49-F238E27FC236}">
-                <a16:creationId xmlns:a16="http://schemas.microsoft.com/office/drawing/2014/main" id="{BEACCAF2-3249-8E7C-885A-CBEAE1A8D293}"/>
-              </a:ext>
-            </a:extLst>
-          </p:cNvPr>
-          <p:cNvSpPr txBox="1">
-            <a:spLocks/>
-          </p:cNvSpPr>
-          <p:nvPr/>
-        </p:nvSpPr>
-        <p:spPr>
-          <a:xfrm>
-            <a:off x="390617" y="74255"/>
-            <a:ext cx="11176985" cy="1207363"/>
-          </a:xfrm>
-          <a:prstGeom prst="rect">
-            <a:avLst/>
-          </a:prstGeom>
-          <a:gradFill>
-            <a:gsLst>
-              <a:gs pos="0">
-                <a:schemeClr val="accent4">
-                  <a:lumMod val="20000"/>
-                  <a:lumOff val="80000"/>
-                </a:schemeClr>
-              </a:gs>
-              <a:gs pos="74000">
-                <a:schemeClr val="accent6">
-                  <a:lumMod val="20000"/>
-                  <a:lumOff val="80000"/>
-                </a:schemeClr>
-              </a:gs>
-              <a:gs pos="83000">
-                <a:schemeClr val="accent6">
-                  <a:lumMod val="40000"/>
-                  <a:lumOff val="60000"/>
-                </a:schemeClr>
-              </a:gs>
-              <a:gs pos="100000">
-                <a:schemeClr val="accent6">
-                  <a:lumMod val="60000"/>
-                  <a:lumOff val="40000"/>
-                </a:schemeClr>
-              </a:gs>
-            </a:gsLst>
-            <a:lin ang="5400000" scaled="1"/>
-          </a:gradFill>
-          <a:effectLst>
-            <a:glow rad="228600">
-              <a:schemeClr val="accent4">
-                <a:satMod val="175000"/>
-                <a:alpha val="40000"/>
-              </a:schemeClr>
-            </a:glow>
-          </a:effectLst>
-        </p:spPr>
-        <p:txBody>
-          <a:bodyPr vert="horz" lIns="91440" tIns="45720" rIns="91440" bIns="45720" rtlCol="0" anchor="ctr">
-            <a:normAutofit/>
-          </a:bodyPr>
-          <a:lstStyle>
-            <a:lvl1pPr algn="ctr" defTabSz="914400" rtl="0" eaLnBrk="1" latinLnBrk="0" hangingPunct="1">
-              <a:lnSpc>
-                <a:spcPct val="90000"/>
-              </a:lnSpc>
-              <a:spcBef>
-                <a:spcPct val="0"/>
-              </a:spcBef>
-              <a:buNone/>
-              <a:defRPr sz="6000" kern="1200">
-                <a:solidFill>
-                  <a:schemeClr val="tx1"/>
-                </a:solidFill>
-                <a:latin typeface="+mj-lt"/>
-                <a:ea typeface="+mj-ea"/>
-                <a:cs typeface="+mj-cs"/>
-              </a:defRPr>
-            </a:lvl1pPr>
-          </a:lstStyle>
-          <a:p>
-            <a:r>
-              <a:rPr lang="en-US" dirty="0" smtClean="0"/>
-              <a:t>IMPACT</a:t>
-            </a:r>
-            <a:endParaRPr lang="en-IN" dirty="0"/>
+      <p:grpSpPr/>
+      <p:sp>
+        <p:nvSpPr>
+          <p:cNvPr id="2" name="Title 1"/>
+          <p:cNvSpPr>
+            <a:spLocks noGrp="1"/>
+          </p:cNvSpPr>
+          <p:nvPr>
+            <p:ph type="title"/>
+          </p:nvPr>
+        </p:nvSpPr>
+        <p:spPr/>
+        <p:txBody>
+          <a:bodyPr/>
+          <a:lstStyle/>
+          <a:p>
+            <a:pPr>
+              <a:defRPr sz="3600">
+                <a:solidFill>
+                  <a:srgbClr val="23375A"/>
+                </a:solidFill>
+              </a:defRPr>
+            </a:pPr>
+            <a:r>
+              <a:t>Proposed Solution</a:t>
+            </a:r>
+          </a:p>
+        </p:txBody>
+      </p:sp>
+      <p:sp>
+        <p:nvSpPr>
+          <p:cNvPr id="3" name="Content Placeholder 2"/>
+          <p:cNvSpPr>
+            <a:spLocks noGrp="1"/>
+          </p:cNvSpPr>
+          <p:nvPr>
+            <p:ph idx="1"/>
+          </p:nvPr>
+        </p:nvSpPr>
+        <p:spPr/>
+        <p:txBody>
+          <a:bodyPr/>
+          <a:lstStyle/>
+          <a:p>
+            <a:pPr>
+              <a:defRPr sz="1800">
+                <a:solidFill>
+                  <a:srgbClr val="282828"/>
+                </a:solidFill>
+              </a:defRPr>
+            </a:pPr>
+            <a:r>
+              <a:t>Comprehensive ML-Based Cardiac Risk Assessment System:</a:t>
+            </a:r>
+          </a:p>
+          <a:p>
+            <a:pPr>
+              <a:defRPr sz="1800">
+                <a:solidFill>
+                  <a:srgbClr val="282828"/>
+                </a:solidFill>
+              </a:defRPr>
+            </a:pPr>
+          </a:p>
+          <a:p>
+            <a:pPr>
+              <a:defRPr sz="1800">
+                <a:solidFill>
+                  <a:srgbClr val="282828"/>
+                </a:solidFill>
+              </a:defRPr>
+            </a:pPr>
+            <a:r>
+              <a:t>Core Components:</a:t>
+            </a:r>
+          </a:p>
+          <a:p>
+            <a:pPr>
+              <a:defRPr sz="1800">
+                <a:solidFill>
+                  <a:srgbClr val="282828"/>
+                </a:solidFill>
+              </a:defRPr>
+            </a:pPr>
+            <a:r>
+              <a:t>• Multi-source data integration (wearable sensors, medical records)</a:t>
+            </a:r>
+          </a:p>
+          <a:p>
+            <a:pPr>
+              <a:defRPr sz="1800">
+                <a:solidFill>
+                  <a:srgbClr val="282828"/>
+                </a:solidFill>
+              </a:defRPr>
+            </a:pPr>
+            <a:r>
+              <a:t>• Advanced feature engineering and selection</a:t>
+            </a:r>
+          </a:p>
+          <a:p>
+            <a:pPr>
+              <a:defRPr sz="1800">
+                <a:solidFill>
+                  <a:srgbClr val="282828"/>
+                </a:solidFill>
+              </a:defRPr>
+            </a:pPr>
+            <a:r>
+              <a:t>• Ensemble machine learning models</a:t>
+            </a:r>
+          </a:p>
+          <a:p>
+            <a:pPr>
+              <a:defRPr sz="1800">
+                <a:solidFill>
+                  <a:srgbClr val="282828"/>
+                </a:solidFill>
+              </a:defRPr>
+            </a:pPr>
+            <a:r>
+              <a:t>• Real-time risk score calculation</a:t>
+            </a:r>
+          </a:p>
+          <a:p>
+            <a:pPr>
+              <a:defRPr sz="1800">
+                <a:solidFill>
+                  <a:srgbClr val="282828"/>
+                </a:solidFill>
+              </a:defRPr>
+            </a:pPr>
+            <a:r>
+              <a:t>• Personalized risk recommendations</a:t>
+            </a:r>
+          </a:p>
+          <a:p>
+            <a:pPr>
+              <a:defRPr sz="1800">
+                <a:solidFill>
+                  <a:srgbClr val="282828"/>
+                </a:solidFill>
+              </a:defRPr>
+            </a:pPr>
+          </a:p>
+          <a:p>
+            <a:pPr>
+              <a:defRPr sz="1800">
+                <a:solidFill>
+                  <a:srgbClr val="282828"/>
+                </a:solidFill>
+              </a:defRPr>
+            </a:pPr>
+            <a:r>
+              <a:t>Key Features:</a:t>
+            </a:r>
+          </a:p>
+          <a:p>
+            <a:pPr>
+              <a:defRPr sz="1800">
+                <a:solidFill>
+                  <a:srgbClr val="282828"/>
+                </a:solidFill>
+              </a:defRPr>
+            </a:pPr>
+            <a:r>
+              <a:t>• Non-invasive continuous monitoring</a:t>
+            </a:r>
+          </a:p>
+          <a:p>
+            <a:pPr>
+              <a:defRPr sz="1800">
+                <a:solidFill>
+                  <a:srgbClr val="282828"/>
+                </a:solidFill>
+              </a:defRPr>
+            </a:pPr>
+            <a:r>
+              <a:t>• Early warning system with alerts</a:t>
+            </a:r>
+          </a:p>
+          <a:p>
+            <a:pPr>
+              <a:defRPr sz="1800">
+                <a:solidFill>
+                  <a:srgbClr val="282828"/>
+                </a:solidFill>
+              </a:defRPr>
+            </a:pPr>
+            <a:r>
+              <a:t>• User-friendly mobile/web interface</a:t>
+            </a:r>
+          </a:p>
+          <a:p>
+            <a:pPr>
+              <a:defRPr sz="1800">
+                <a:solidFill>
+                  <a:srgbClr val="282828"/>
+                </a:solidFill>
+              </a:defRPr>
+            </a:pPr>
+            <a:r>
+              <a:t>• Healthcare provider dashboard</a:t>
+            </a:r>
+          </a:p>
+          <a:p>
+            <a:pPr>
+              <a:defRPr sz="1800">
+                <a:solidFill>
+                  <a:srgbClr val="282828"/>
+                </a:solidFill>
+              </a:defRPr>
+            </a:pPr>
+            <a:r>
+              <a:t>• Privacy-preserving data handling</a:t>
+            </a:r>
           </a:p>
         </p:txBody>
       </p:sp>
     </p:spTree>
-    <p:extLst>
-      <p:ext uri="{BB962C8B-B14F-4D97-AF65-F5344CB8AC3E}">
-        <p14:creationId xmlns:p14="http://schemas.microsoft.com/office/powerpoint/2010/main" val="848468205"/>
-      </p:ext>
-    </p:extLst>
+  </p:cSld>
+  <p:clrMapOvr>
+    <a:masterClrMapping/>
+  </p:clrMapOvr>
+</p:sld>
+</file>
+
+<file path=ppt/slides/slide6.xml><?xml version="1.0" encoding="utf-8"?>
+<p:sld xmlns:a="http://schemas.openxmlformats.org/drawingml/2006/main" xmlns:p="http://schemas.openxmlformats.org/presentationml/2006/main" xmlns:r="http://schemas.openxmlformats.org/officeDocument/2006/relationships">
+  <p:cSld>
+    <p:spTree>
+      <p:nvGrpSpPr>
+        <p:cNvPr id="1" name=""/>
+        <p:cNvGrpSpPr/>
+        <p:nvPr/>
+      </p:nvGrpSpPr>
+      <p:grpSpPr/>
+      <p:sp>
+        <p:nvSpPr>
+          <p:cNvPr id="2" name="Title 1"/>
+          <p:cNvSpPr>
+            <a:spLocks noGrp="1"/>
+          </p:cNvSpPr>
+          <p:nvPr>
+            <p:ph type="title"/>
+          </p:nvPr>
+        </p:nvSpPr>
+        <p:spPr/>
+        <p:txBody>
+          <a:bodyPr/>
+          <a:lstStyle/>
+          <a:p>
+            <a:pPr>
+              <a:defRPr sz="3600">
+                <a:solidFill>
+                  <a:srgbClr val="23375A"/>
+                </a:solidFill>
+              </a:defRPr>
+            </a:pPr>
+            <a:r>
+              <a:t>Methodology</a:t>
+            </a:r>
+          </a:p>
+        </p:txBody>
+      </p:sp>
+      <p:sp>
+        <p:nvSpPr>
+          <p:cNvPr id="3" name="Content Placeholder 2"/>
+          <p:cNvSpPr>
+            <a:spLocks noGrp="1"/>
+          </p:cNvSpPr>
+          <p:nvPr>
+            <p:ph idx="1"/>
+          </p:nvPr>
+        </p:nvSpPr>
+        <p:spPr/>
+        <p:txBody>
+          <a:bodyPr/>
+          <a:lstStyle/>
+          <a:p>
+            <a:pPr>
+              <a:defRPr sz="1600">
+                <a:solidFill>
+                  <a:srgbClr val="282828"/>
+                </a:solidFill>
+              </a:defRPr>
+            </a:pPr>
+            <a:r>
+              <a:t>Data Collection &amp; Preprocessing:</a:t>
+            </a:r>
+          </a:p>
+          <a:p>
+            <a:pPr>
+              <a:defRPr sz="1600">
+                <a:solidFill>
+                  <a:srgbClr val="282828"/>
+                </a:solidFill>
+              </a:defRPr>
+            </a:pPr>
+            <a:r>
+              <a:t>• Physiological parameters (HR, BP, ECG)</a:t>
+            </a:r>
+          </a:p>
+          <a:p>
+            <a:pPr>
+              <a:defRPr sz="1600">
+                <a:solidFill>
+                  <a:srgbClr val="282828"/>
+                </a:solidFill>
+              </a:defRPr>
+            </a:pPr>
+            <a:r>
+              <a:t>• Demographic information (age, gender, BMI)</a:t>
+            </a:r>
+          </a:p>
+          <a:p>
+            <a:pPr>
+              <a:defRPr sz="1600">
+                <a:solidFill>
+                  <a:srgbClr val="282828"/>
+                </a:solidFill>
+              </a:defRPr>
+            </a:pPr>
+            <a:r>
+              <a:t>• Lifestyle factors (exercise, diet, smoking)</a:t>
+            </a:r>
+          </a:p>
+          <a:p>
+            <a:pPr>
+              <a:defRPr sz="1600">
+                <a:solidFill>
+                  <a:srgbClr val="282828"/>
+                </a:solidFill>
+              </a:defRPr>
+            </a:pPr>
+            <a:r>
+              <a:t>• Medical history and lab results</a:t>
+            </a:r>
+          </a:p>
+          <a:p>
+            <a:pPr>
+              <a:defRPr sz="1600">
+                <a:solidFill>
+                  <a:srgbClr val="282828"/>
+                </a:solidFill>
+              </a:defRPr>
+            </a:pPr>
+          </a:p>
+          <a:p>
+            <a:pPr>
+              <a:defRPr sz="1600">
+                <a:solidFill>
+                  <a:srgbClr val="282828"/>
+                </a:solidFill>
+              </a:defRPr>
+            </a:pPr>
+            <a:r>
+              <a:t>Feature Engineering:</a:t>
+            </a:r>
+          </a:p>
+          <a:p>
+            <a:pPr>
+              <a:defRPr sz="1600">
+                <a:solidFill>
+                  <a:srgbClr val="282828"/>
+                </a:solidFill>
+              </a:defRPr>
+            </a:pPr>
+            <a:r>
+              <a:t>• Heart rate variability metrics</a:t>
+            </a:r>
+          </a:p>
+          <a:p>
+            <a:pPr>
+              <a:defRPr sz="1600">
+                <a:solidFill>
+                  <a:srgbClr val="282828"/>
+                </a:solidFill>
+              </a:defRPr>
+            </a:pPr>
+            <a:r>
+              <a:t>• Statistical and frequency domain features</a:t>
+            </a:r>
+          </a:p>
+          <a:p>
+            <a:pPr>
+              <a:defRPr sz="1600">
+                <a:solidFill>
+                  <a:srgbClr val="282828"/>
+                </a:solidFill>
+              </a:defRPr>
+            </a:pPr>
+            <a:r>
+              <a:t>• Temporal pattern analysis</a:t>
+            </a:r>
+          </a:p>
+          <a:p>
+            <a:pPr>
+              <a:defRPr sz="1600">
+                <a:solidFill>
+                  <a:srgbClr val="282828"/>
+                </a:solidFill>
+              </a:defRPr>
+            </a:pPr>
+          </a:p>
+          <a:p>
+            <a:pPr>
+              <a:defRPr sz="1600">
+                <a:solidFill>
+                  <a:srgbClr val="282828"/>
+                </a:solidFill>
+              </a:defRPr>
+            </a:pPr>
+            <a:r>
+              <a:t>Model Development:</a:t>
+            </a:r>
+          </a:p>
+          <a:p>
+            <a:pPr>
+              <a:defRPr sz="1600">
+                <a:solidFill>
+                  <a:srgbClr val="282828"/>
+                </a:solidFill>
+              </a:defRPr>
+            </a:pPr>
+            <a:r>
+              <a:t>• Ensemble methods (Random Forest, XGBoost)</a:t>
+            </a:r>
+          </a:p>
+          <a:p>
+            <a:pPr>
+              <a:defRPr sz="1600">
+                <a:solidFill>
+                  <a:srgbClr val="282828"/>
+                </a:solidFill>
+              </a:defRPr>
+            </a:pPr>
+            <a:r>
+              <a:t>• Deep learning approaches (LSTM, CNN)</a:t>
+            </a:r>
+          </a:p>
+          <a:p>
+            <a:pPr>
+              <a:defRPr sz="1600">
+                <a:solidFill>
+                  <a:srgbClr val="282828"/>
+                </a:solidFill>
+              </a:defRPr>
+            </a:pPr>
+            <a:r>
+              <a:t>• Model validation and hyperparameter tuning</a:t>
+            </a:r>
+          </a:p>
+          <a:p>
+            <a:pPr>
+              <a:defRPr sz="1600">
+                <a:solidFill>
+                  <a:srgbClr val="282828"/>
+                </a:solidFill>
+              </a:defRPr>
+            </a:pPr>
+            <a:r>
+              <a:t>• Cross-validation and performance optimization</a:t>
+            </a:r>
+          </a:p>
+        </p:txBody>
+      </p:sp>
+    </p:spTree>
+  </p:cSld>
+  <p:clrMapOvr>
+    <a:masterClrMapping/>
+  </p:clrMapOvr>
+</p:sld>
+</file>
+
+<file path=ppt/slides/slide6.xml><?xml version="1.0" encoding="utf-8"?>
+<p:sld xmlns:a="http://schemas.openxmlformats.org/drawingml/2006/main" xmlns:p="http://schemas.openxmlformats.org/presentationml/2006/main" xmlns:r="http://schemas.openxmlformats.org/officeDocument/2006/relationships">
+  <p:cSld>
+    <p:spTree>
+      <p:nvGrpSpPr>
+        <p:cNvPr id="1" name=""/>
+        <p:cNvGrpSpPr/>
+        <p:nvPr/>
+      </p:nvGrpSpPr>
+      <p:grpSpPr/>
+      <p:sp>
+        <p:nvSpPr>
+          <p:cNvPr id="2" name="Title 1"/>
+          <p:cNvSpPr>
+            <a:spLocks noGrp="1"/>
+          </p:cNvSpPr>
+          <p:nvPr>
+            <p:ph type="title"/>
+          </p:nvPr>
+        </p:nvSpPr>
+        <p:spPr/>
+        <p:txBody>
+          <a:bodyPr/>
+          <a:lstStyle/>
+          <a:p>
+            <a:pPr>
+              <a:defRPr sz="3600">
+                <a:solidFill>
+                  <a:srgbClr val="23375A"/>
+                </a:solidFill>
+              </a:defRPr>
+            </a:pPr>
+            <a:r>
+              <a:t>Methodology</a:t>
+            </a:r>
+          </a:p>
+        </p:txBody>
+      </p:sp>
+      <p:sp>
+        <p:nvSpPr>
+          <p:cNvPr id="3" name="Content Placeholder 2"/>
+          <p:cNvSpPr>
+            <a:spLocks noGrp="1"/>
+          </p:cNvSpPr>
+          <p:nvPr>
+            <p:ph idx="1"/>
+          </p:nvPr>
+        </p:nvSpPr>
+        <p:spPr/>
+        <p:txBody>
+          <a:bodyPr/>
+          <a:lstStyle/>
+          <a:p>
+            <a:pPr>
+              <a:defRPr sz="1600">
+                <a:solidFill>
+                  <a:srgbClr val="282828"/>
+                </a:solidFill>
+              </a:defRPr>
+            </a:pPr>
+            <a:r>
+              <a:t>Data Collection &amp; Preprocessing:</a:t>
+            </a:r>
+          </a:p>
+          <a:p>
+            <a:pPr>
+              <a:defRPr sz="1600">
+                <a:solidFill>
+                  <a:srgbClr val="282828"/>
+                </a:solidFill>
+              </a:defRPr>
+            </a:pPr>
+            <a:r>
+              <a:t>• Physiological parameters (HR, BP, ECG)</a:t>
+            </a:r>
+          </a:p>
+          <a:p>
+            <a:pPr>
+              <a:defRPr sz="1600">
+                <a:solidFill>
+                  <a:srgbClr val="282828"/>
+                </a:solidFill>
+              </a:defRPr>
+            </a:pPr>
+            <a:r>
+              <a:t>• Demographic information (age, gender, BMI)</a:t>
+            </a:r>
+          </a:p>
+          <a:p>
+            <a:pPr>
+              <a:defRPr sz="1600">
+                <a:solidFill>
+                  <a:srgbClr val="282828"/>
+                </a:solidFill>
+              </a:defRPr>
+            </a:pPr>
+            <a:r>
+              <a:t>• Lifestyle factors (exercise, diet, smoking)</a:t>
+            </a:r>
+          </a:p>
+          <a:p>
+            <a:pPr>
+              <a:defRPr sz="1600">
+                <a:solidFill>
+                  <a:srgbClr val="282828"/>
+                </a:solidFill>
+              </a:defRPr>
+            </a:pPr>
+            <a:r>
+              <a:t>• Medical history and lab results</a:t>
+            </a:r>
+          </a:p>
+          <a:p>
+            <a:pPr>
+              <a:defRPr sz="1600">
+                <a:solidFill>
+                  <a:srgbClr val="282828"/>
+                </a:solidFill>
+              </a:defRPr>
+            </a:pPr>
+          </a:p>
+          <a:p>
+            <a:pPr>
+              <a:defRPr sz="1600">
+                <a:solidFill>
+                  <a:srgbClr val="282828"/>
+                </a:solidFill>
+              </a:defRPr>
+            </a:pPr>
+            <a:r>
+              <a:t>Feature Engineering:</a:t>
+            </a:r>
+          </a:p>
+          <a:p>
+            <a:pPr>
+              <a:defRPr sz="1600">
+                <a:solidFill>
+                  <a:srgbClr val="282828"/>
+                </a:solidFill>
+              </a:defRPr>
+            </a:pPr>
+            <a:r>
+              <a:t>• Heart rate variability metrics</a:t>
+            </a:r>
+          </a:p>
+          <a:p>
+            <a:pPr>
+              <a:defRPr sz="1600">
+                <a:solidFill>
+                  <a:srgbClr val="282828"/>
+                </a:solidFill>
+              </a:defRPr>
+            </a:pPr>
+            <a:r>
+              <a:t>• Statistical and frequency domain features</a:t>
+            </a:r>
+          </a:p>
+          <a:p>
+            <a:pPr>
+              <a:defRPr sz="1600">
+                <a:solidFill>
+                  <a:srgbClr val="282828"/>
+                </a:solidFill>
+              </a:defRPr>
+            </a:pPr>
+            <a:r>
+              <a:t>• Temporal pattern analysis</a:t>
+            </a:r>
+          </a:p>
+          <a:p>
+            <a:pPr>
+              <a:defRPr sz="1600">
+                <a:solidFill>
+                  <a:srgbClr val="282828"/>
+                </a:solidFill>
+              </a:defRPr>
+            </a:pPr>
+          </a:p>
+          <a:p>
+            <a:pPr>
+              <a:defRPr sz="1600">
+                <a:solidFill>
+                  <a:srgbClr val="282828"/>
+                </a:solidFill>
+              </a:defRPr>
+            </a:pPr>
+            <a:r>
+              <a:t>Model Development:</a:t>
+            </a:r>
+          </a:p>
+          <a:p>
+            <a:pPr>
+              <a:defRPr sz="1600">
+                <a:solidFill>
+                  <a:srgbClr val="282828"/>
+                </a:solidFill>
+              </a:defRPr>
+            </a:pPr>
+            <a:r>
+              <a:t>• Ensemble methods (Random Forest, XGBoost)</a:t>
+            </a:r>
+          </a:p>
+          <a:p>
+            <a:pPr>
+              <a:defRPr sz="1600">
+                <a:solidFill>
+                  <a:srgbClr val="282828"/>
+                </a:solidFill>
+              </a:defRPr>
+            </a:pPr>
+            <a:r>
+              <a:t>• Deep learning approaches (LSTM, CNN)</a:t>
+            </a:r>
+          </a:p>
+          <a:p>
+            <a:pPr>
+              <a:defRPr sz="1600">
+                <a:solidFill>
+                  <a:srgbClr val="282828"/>
+                </a:solidFill>
+              </a:defRPr>
+            </a:pPr>
+            <a:r>
+              <a:t>• Model validation and hyperparameter tuning</a:t>
+            </a:r>
+          </a:p>
+          <a:p>
+            <a:pPr>
+              <a:defRPr sz="1600">
+                <a:solidFill>
+                  <a:srgbClr val="282828"/>
+                </a:solidFill>
+              </a:defRPr>
+            </a:pPr>
+            <a:r>
+              <a:t>• Cross-validation and performance optimization</a:t>
+            </a:r>
+          </a:p>
+        </p:txBody>
+      </p:sp>
+    </p:spTree>
   </p:cSld>
   <p:clrMapOvr>
     <a:masterClrMapping/>
@@ -5536,7 +6686,7 @@
 </file>
 
 <file path=ppt/slides/slide7.xml><?xml version="1.0" encoding="utf-8"?>
-<p:sld xmlns:a="http://schemas.openxmlformats.org/drawingml/2006/main" xmlns:r="http://schemas.openxmlformats.org/officeDocument/2006/relationships" xmlns:p="http://schemas.openxmlformats.org/presentationml/2006/main">
+<p:sld xmlns:a="http://schemas.openxmlformats.org/drawingml/2006/main" xmlns:p="http://schemas.openxmlformats.org/presentationml/2006/main" xmlns:r="http://schemas.openxmlformats.org/officeDocument/2006/relationships">
   <p:cSld>
     <p:spTree>
       <p:nvGrpSpPr>
@@ -5544,169 +6694,268 @@
         <p:cNvGrpSpPr/>
         <p:nvPr/>
       </p:nvGrpSpPr>
-      <p:grpSpPr>
-        <a:xfrm>
-          <a:off x="0" y="0"/>
-          <a:ext cx="0" cy="0"/>
-          <a:chOff x="0" y="0"/>
-          <a:chExt cx="0" cy="0"/>
-        </a:xfrm>
-      </p:grpSpPr>
-      <p:pic>
-        <p:nvPicPr>
-          <p:cNvPr id="1028" name="Picture 4" descr="https://ars.els-cdn.com/content/image/1-s2.0-S1746809423009527-gr1.jpg"/>
-          <p:cNvPicPr>
-            <a:picLocks noChangeAspect="1" noChangeArrowheads="1"/>
-          </p:cNvPicPr>
-          <p:nvPr/>
-        </p:nvPicPr>
-        <p:blipFill>
-          <a:blip r:embed="rId2">
-            <a:extLst>
-              <a:ext uri="{28A0092B-C50C-407E-A947-70E740481C1C}">
-                <a14:useLocalDpi xmlns:a14="http://schemas.microsoft.com/office/drawing/2010/main" val="0"/>
-              </a:ext>
-            </a:extLst>
-          </a:blip>
-          <a:srcRect/>
-          <a:stretch>
-            <a:fillRect/>
-          </a:stretch>
-        </p:blipFill>
-        <p:spPr bwMode="auto">
-          <a:xfrm>
-            <a:off x="2732809" y="1607449"/>
-            <a:ext cx="6650182" cy="4662095"/>
-          </a:xfrm>
-          <a:prstGeom prst="rect">
-            <a:avLst/>
-          </a:prstGeom>
-          <a:noFill/>
-          <a:extLst>
-            <a:ext uri="{909E8E84-426E-40DD-AFC4-6F175D3DCCD1}">
-              <a14:hiddenFill xmlns:a14="http://schemas.microsoft.com/office/drawing/2010/main">
-                <a:solidFill>
-                  <a:srgbClr val="FFFFFF"/>
-                </a:solidFill>
-              </a14:hiddenFill>
-            </a:ext>
-          </a:extLst>
-        </p:spPr>
-      </p:pic>
-      <p:sp>
-        <p:nvSpPr>
-          <p:cNvPr id="5" name="Title 1">
-            <a:extLst>
-              <a:ext uri="{FF2B5EF4-FFF2-40B4-BE49-F238E27FC236}">
-                <a16:creationId xmlns:a16="http://schemas.microsoft.com/office/drawing/2014/main" id="{BEACCAF2-3249-8E7C-885A-CBEAE1A8D293}"/>
-              </a:ext>
-            </a:extLst>
-          </p:cNvPr>
-          <p:cNvSpPr txBox="1">
-            <a:spLocks/>
-          </p:cNvSpPr>
-          <p:nvPr/>
-        </p:nvSpPr>
-        <p:spPr>
-          <a:xfrm>
-            <a:off x="469408" y="0"/>
-            <a:ext cx="11176985" cy="843379"/>
-          </a:xfrm>
-          <a:prstGeom prst="rect">
-            <a:avLst/>
-          </a:prstGeom>
-          <a:gradFill>
-            <a:gsLst>
-              <a:gs pos="0">
-                <a:schemeClr val="accent4">
-                  <a:lumMod val="20000"/>
-                  <a:lumOff val="80000"/>
-                </a:schemeClr>
-              </a:gs>
-              <a:gs pos="74000">
-                <a:schemeClr val="accent6">
-                  <a:lumMod val="20000"/>
-                  <a:lumOff val="80000"/>
-                </a:schemeClr>
-              </a:gs>
-              <a:gs pos="83000">
-                <a:schemeClr val="accent6">
-                  <a:lumMod val="40000"/>
-                  <a:lumOff val="60000"/>
-                </a:schemeClr>
-              </a:gs>
-              <a:gs pos="100000">
-                <a:schemeClr val="accent6">
-                  <a:lumMod val="60000"/>
-                  <a:lumOff val="40000"/>
-                </a:schemeClr>
-              </a:gs>
-            </a:gsLst>
-            <a:lin ang="5400000" scaled="1"/>
-          </a:gradFill>
-          <a:effectLst>
-            <a:glow rad="228600">
-              <a:schemeClr val="accent4">
-                <a:satMod val="175000"/>
-                <a:alpha val="40000"/>
-              </a:schemeClr>
-            </a:glow>
-          </a:effectLst>
-        </p:spPr>
-        <p:txBody>
-          <a:bodyPr vert="horz" lIns="91440" tIns="45720" rIns="91440" bIns="45720" rtlCol="0" anchor="ctr">
-            <a:normAutofit lnSpcReduction="10000"/>
-          </a:bodyPr>
-          <a:lstStyle>
-            <a:lvl1pPr algn="ctr" defTabSz="914400" rtl="0" eaLnBrk="1" latinLnBrk="0" hangingPunct="1">
-              <a:lnSpc>
-                <a:spcPct val="90000"/>
-              </a:lnSpc>
-              <a:spcBef>
-                <a:spcPct val="0"/>
-              </a:spcBef>
-              <a:buNone/>
-              <a:defRPr sz="6000" kern="1200">
-                <a:solidFill>
-                  <a:schemeClr val="tx1"/>
-                </a:solidFill>
-                <a:latin typeface="+mj-lt"/>
-                <a:ea typeface="+mj-ea"/>
-                <a:cs typeface="+mj-cs"/>
-              </a:defRPr>
-            </a:lvl1pPr>
-          </a:lstStyle>
-          <a:p>
-            <a:r>
-              <a:rPr lang="en-US" dirty="0" smtClean="0"/>
-              <a:t>BLOCK DIAGRAM</a:t>
-            </a:r>
-            <a:endParaRPr lang="en-IN" dirty="0"/>
+      <p:grpSpPr/>
+      <p:sp>
+        <p:nvSpPr>
+          <p:cNvPr id="2" name="Title 1"/>
+          <p:cNvSpPr>
+            <a:spLocks noGrp="1"/>
+          </p:cNvSpPr>
+          <p:nvPr>
+            <p:ph type="title"/>
+          </p:nvPr>
+        </p:nvSpPr>
+        <p:spPr/>
+        <p:txBody>
+          <a:bodyPr/>
+          <a:lstStyle/>
+          <a:p>
+            <a:pPr>
+              <a:defRPr sz="3600">
+                <a:solidFill>
+                  <a:srgbClr val="23375A"/>
+                </a:solidFill>
+              </a:defRPr>
+            </a:pPr>
+            <a:r>
+              <a:t>System Architecture</a:t>
+            </a:r>
+          </a:p>
+        </p:txBody>
+      </p:sp>
+      <p:sp>
+        <p:nvSpPr>
+          <p:cNvPr id="3" name="Content Placeholder 2"/>
+          <p:cNvSpPr>
+            <a:spLocks noGrp="1"/>
+          </p:cNvSpPr>
+          <p:nvPr>
+            <p:ph idx="1"/>
+          </p:nvPr>
+        </p:nvSpPr>
+        <p:spPr/>
+        <p:txBody>
+          <a:bodyPr/>
+          <a:lstStyle/>
+          <a:p>
+            <a:pPr>
+              <a:defRPr sz="1600">
+                <a:solidFill>
+                  <a:srgbClr val="282828"/>
+                </a:solidFill>
+              </a:defRPr>
+            </a:pPr>
+            <a:r>
+              <a:t>Three-Tier Architecture:</a:t>
+            </a:r>
+          </a:p>
+          <a:p>
+            <a:pPr>
+              <a:defRPr sz="1600">
+                <a:solidFill>
+                  <a:srgbClr val="282828"/>
+                </a:solidFill>
+              </a:defRPr>
+            </a:pPr>
+          </a:p>
+          <a:p>
+            <a:pPr>
+              <a:defRPr sz="1600">
+                <a:solidFill>
+                  <a:srgbClr val="282828"/>
+                </a:solidFill>
+              </a:defRPr>
+            </a:pPr>
+            <a:r>
+              <a:t>1. Data Collection Layer:</a:t>
+            </a:r>
+          </a:p>
+          <a:p>
+            <a:pPr>
+              <a:defRPr sz="1600">
+                <a:solidFill>
+                  <a:srgbClr val="282828"/>
+                </a:solidFill>
+              </a:defRPr>
+            </a:pPr>
+            <a:r>
+              <a:t>   • Wearable devices (smartwatches, fitness trackers)</a:t>
+            </a:r>
+          </a:p>
+          <a:p>
+            <a:pPr>
+              <a:defRPr sz="1600">
+                <a:solidFill>
+                  <a:srgbClr val="282828"/>
+                </a:solidFill>
+              </a:defRPr>
+            </a:pPr>
+            <a:r>
+              <a:t>   • Mobile app for user input</a:t>
+            </a:r>
+          </a:p>
+          <a:p>
+            <a:pPr>
+              <a:defRPr sz="1600">
+                <a:solidFill>
+                  <a:srgbClr val="282828"/>
+                </a:solidFill>
+              </a:defRPr>
+            </a:pPr>
+            <a:r>
+              <a:t>   • Healthcare provider integration</a:t>
+            </a:r>
+          </a:p>
+          <a:p>
+            <a:pPr>
+              <a:defRPr sz="1600">
+                <a:solidFill>
+                  <a:srgbClr val="282828"/>
+                </a:solidFill>
+              </a:defRPr>
+            </a:pPr>
+          </a:p>
+          <a:p>
+            <a:pPr>
+              <a:defRPr sz="1600">
+                <a:solidFill>
+                  <a:srgbClr val="282828"/>
+                </a:solidFill>
+              </a:defRPr>
+            </a:pPr>
+            <a:r>
+              <a:t>2. Processing Layer:</a:t>
+            </a:r>
+          </a:p>
+          <a:p>
+            <a:pPr>
+              <a:defRPr sz="1600">
+                <a:solidFill>
+                  <a:srgbClr val="282828"/>
+                </a:solidFill>
+              </a:defRPr>
+            </a:pPr>
+            <a:r>
+              <a:t>   • Real-time data preprocessing</a:t>
+            </a:r>
+          </a:p>
+          <a:p>
+            <a:pPr>
+              <a:defRPr sz="1600">
+                <a:solidFill>
+                  <a:srgbClr val="282828"/>
+                </a:solidFill>
+              </a:defRPr>
+            </a:pPr>
+            <a:r>
+              <a:t>   • Feature extraction and engineering</a:t>
+            </a:r>
+          </a:p>
+          <a:p>
+            <a:pPr>
+              <a:defRPr sz="1600">
+                <a:solidFill>
+                  <a:srgbClr val="282828"/>
+                </a:solidFill>
+              </a:defRPr>
+            </a:pPr>
+            <a:r>
+              <a:t>   • ML model inference engine</a:t>
+            </a:r>
+          </a:p>
+          <a:p>
+            <a:pPr>
+              <a:defRPr sz="1600">
+                <a:solidFill>
+                  <a:srgbClr val="282828"/>
+                </a:solidFill>
+              </a:defRPr>
+            </a:pPr>
+            <a:r>
+              <a:t>   • Risk score calculation</a:t>
+            </a:r>
+          </a:p>
+          <a:p>
+            <a:pPr>
+              <a:defRPr sz="1600">
+                <a:solidFill>
+                  <a:srgbClr val="282828"/>
+                </a:solidFill>
+              </a:defRPr>
+            </a:pPr>
+          </a:p>
+          <a:p>
+            <a:pPr>
+              <a:defRPr sz="1600">
+                <a:solidFill>
+                  <a:srgbClr val="282828"/>
+                </a:solidFill>
+              </a:defRPr>
+            </a:pPr>
+            <a:r>
+              <a:t>3. Presentation Layer:</a:t>
+            </a:r>
+          </a:p>
+          <a:p>
+            <a:pPr>
+              <a:defRPr sz="1600">
+                <a:solidFill>
+                  <a:srgbClr val="282828"/>
+                </a:solidFill>
+              </a:defRPr>
+            </a:pPr>
+            <a:r>
+              <a:t>   • User dashboard (mobile/web)</a:t>
+            </a:r>
+          </a:p>
+          <a:p>
+            <a:pPr>
+              <a:defRPr sz="1600">
+                <a:solidFill>
+                  <a:srgbClr val="282828"/>
+                </a:solidFill>
+              </a:defRPr>
+            </a:pPr>
+            <a:r>
+              <a:t>   • Healthcare provider portal</a:t>
+            </a:r>
+          </a:p>
+          <a:p>
+            <a:pPr>
+              <a:defRPr sz="1600">
+                <a:solidFill>
+                  <a:srgbClr val="282828"/>
+                </a:solidFill>
+              </a:defRPr>
+            </a:pPr>
+            <a:r>
+              <a:t>   • Alert and notification system</a:t>
+            </a:r>
+          </a:p>
+          <a:p>
+            <a:pPr>
+              <a:defRPr sz="1600">
+                <a:solidFill>
+                  <a:srgbClr val="282828"/>
+                </a:solidFill>
+              </a:defRPr>
+            </a:pPr>
+            <a:r>
+              <a:t>   • Data visualization and reports</a:t>
+            </a:r>
           </a:p>
         </p:txBody>
       </p:sp>
     </p:spTree>
-    <p:extLst>
-      <p:ext uri="{BB962C8B-B14F-4D97-AF65-F5344CB8AC3E}">
-        <p14:creationId xmlns:p14="http://schemas.microsoft.com/office/powerpoint/2010/main" val="2671267643"/>
-      </p:ext>
-    </p:extLst>
   </p:cSld>
   <p:clrMapOvr>
     <a:masterClrMapping/>
   </p:clrMapOvr>
-  <p:timing>
-    <p:tnLst>
-      <p:par>
-        <p:cTn id="1" dur="indefinite" restart="never" nodeType="tmRoot"/>
-      </p:par>
-    </p:tnLst>
-  </p:timing>
 </p:sld>
 </file>
 
-<file path=ppt/slides/slide8.xml><?xml version="1.0" encoding="utf-8"?>
-<p:sld xmlns:a="http://schemas.openxmlformats.org/drawingml/2006/main" xmlns:r="http://schemas.openxmlformats.org/officeDocument/2006/relationships" xmlns:p="http://schemas.openxmlformats.org/presentationml/2006/main">
+<file path=ppt/slides/slide7.xml><?xml version="1.0" encoding="utf-8"?>
+<p:sld xmlns:a="http://schemas.openxmlformats.org/drawingml/2006/main" xmlns:p="http://schemas.openxmlformats.org/presentationml/2006/main" xmlns:r="http://schemas.openxmlformats.org/officeDocument/2006/relationships">
   <p:cSld>
     <p:spTree>
       <p:nvGrpSpPr>
@@ -5714,528 +6963,268 @@
         <p:cNvGrpSpPr/>
         <p:nvPr/>
       </p:nvGrpSpPr>
-      <p:grpSpPr>
-        <a:xfrm>
-          <a:off x="0" y="0"/>
-          <a:ext cx="0" cy="0"/>
-          <a:chOff x="0" y="0"/>
-          <a:chExt cx="0" cy="0"/>
-        </a:xfrm>
-      </p:grpSpPr>
-      <p:graphicFrame>
-        <p:nvGraphicFramePr>
-          <p:cNvPr id="3" name="Table 2">
-            <a:extLst>
-              <a:ext uri="{FF2B5EF4-FFF2-40B4-BE49-F238E27FC236}">
-                <a16:creationId xmlns:a16="http://schemas.microsoft.com/office/drawing/2014/main" id="{18F67EE5-B14C-0E56-00F0-36745E121793}"/>
-              </a:ext>
-            </a:extLst>
-          </p:cNvPr>
-          <p:cNvGraphicFramePr>
-            <a:graphicFrameLocks noGrp="1"/>
-          </p:cNvGraphicFramePr>
-          <p:nvPr>
-            <p:extLst>
-              <p:ext uri="{D42A27DB-BD31-4B8C-83A1-F6EECF244321}">
-                <p14:modId xmlns:p14="http://schemas.microsoft.com/office/powerpoint/2010/main" val="1961621751"/>
-              </p:ext>
-            </p:extLst>
-          </p:nvPr>
-        </p:nvGraphicFramePr>
-        <p:xfrm>
-          <a:off x="441750" y="2068595"/>
-          <a:ext cx="11241552" cy="2668530"/>
-        </p:xfrm>
-        <a:graphic>
-          <a:graphicData uri="http://schemas.openxmlformats.org/drawingml/2006/table">
-            <a:tbl>
-              <a:tblPr firstRow="1" bandRow="1">
-                <a:tableStyleId>{5C22544A-7EE6-4342-B048-85BDC9FD1C3A}</a:tableStyleId>
-              </a:tblPr>
-              <a:tblGrid>
-                <a:gridCol w="2810388">
-                  <a:extLst>
-                    <a:ext uri="{9D8B030D-6E8A-4147-A177-3AD203B41FA5}">
-                      <a16:colId xmlns:a16="http://schemas.microsoft.com/office/drawing/2014/main" val="1614483682"/>
-                    </a:ext>
-                  </a:extLst>
-                </a:gridCol>
-                <a:gridCol w="2810388">
-                  <a:extLst>
-                    <a:ext uri="{9D8B030D-6E8A-4147-A177-3AD203B41FA5}">
-                      <a16:colId xmlns:a16="http://schemas.microsoft.com/office/drawing/2014/main" val="4222058827"/>
-                    </a:ext>
-                  </a:extLst>
-                </a:gridCol>
-                <a:gridCol w="2810388">
-                  <a:extLst>
-                    <a:ext uri="{9D8B030D-6E8A-4147-A177-3AD203B41FA5}">
-                      <a16:colId xmlns:a16="http://schemas.microsoft.com/office/drawing/2014/main" val="3321899894"/>
-                    </a:ext>
-                  </a:extLst>
-                </a:gridCol>
-                <a:gridCol w="2810388">
-                  <a:extLst>
-                    <a:ext uri="{9D8B030D-6E8A-4147-A177-3AD203B41FA5}">
-                      <a16:colId xmlns:a16="http://schemas.microsoft.com/office/drawing/2014/main" val="1418994217"/>
-                    </a:ext>
-                  </a:extLst>
-                </a:gridCol>
-              </a:tblGrid>
-              <a:tr h="656850">
-                <a:tc>
-                  <a:txBody>
-                    <a:bodyPr/>
-                    <a:lstStyle/>
-                    <a:p>
-                      <a:r>
-                        <a:rPr lang="en-US" dirty="0"/>
-                        <a:t>Title of the paper</a:t>
-                      </a:r>
-                    </a:p>
-                  </a:txBody>
-                  <a:tcPr/>
-                </a:tc>
-                <a:tc>
-                  <a:txBody>
-                    <a:bodyPr/>
-                    <a:lstStyle/>
-                    <a:p>
-                      <a:r>
-                        <a:rPr lang="en-US" dirty="0"/>
-                        <a:t>Authors</a:t>
-                      </a:r>
-                      <a:endParaRPr lang="en-IN" dirty="0"/>
-                    </a:p>
-                  </a:txBody>
-                  <a:tcPr/>
-                </a:tc>
-                <a:tc>
-                  <a:txBody>
-                    <a:bodyPr/>
-                    <a:lstStyle/>
-                    <a:p>
-                      <a:r>
-                        <a:rPr lang="en-US" dirty="0"/>
-                        <a:t>Journal name &amp; Year</a:t>
-                      </a:r>
-                      <a:endParaRPr lang="en-IN" dirty="0"/>
-                    </a:p>
-                  </a:txBody>
-                  <a:tcPr/>
-                </a:tc>
-                <a:tc>
-                  <a:txBody>
-                    <a:bodyPr/>
-                    <a:lstStyle/>
-                    <a:p>
-                      <a:r>
-                        <a:rPr lang="en-US" dirty="0"/>
-                        <a:t>Inference</a:t>
-                      </a:r>
-                      <a:endParaRPr lang="en-IN" dirty="0"/>
-                    </a:p>
-                  </a:txBody>
-                  <a:tcPr/>
-                </a:tc>
-                <a:extLst>
-                  <a:ext uri="{0D108BD9-81ED-4DB2-BD59-A6C34878D82A}">
-                    <a16:rowId xmlns:a16="http://schemas.microsoft.com/office/drawing/2014/main" val="2633391478"/>
-                  </a:ext>
-                </a:extLst>
-              </a:tr>
-              <a:tr h="1577122">
-                <a:tc>
-                  <a:txBody>
-                    <a:bodyPr/>
-                    <a:lstStyle/>
-                    <a:p>
-                      <a:pPr marL="285750" indent="-285750">
-                        <a:buFont typeface="Arial" panose="020B0604020202020204" pitchFamily="34" charset="0"/>
-                        <a:buChar char="•"/>
-                      </a:pPr>
-                      <a:r>
-                        <a:rPr lang="en-IN" sz="1800" kern="1200" dirty="0" smtClean="0">
-                          <a:solidFill>
-                            <a:schemeClr val="dk1"/>
-                          </a:solidFill>
-                          <a:effectLst/>
-                          <a:latin typeface="+mn-lt"/>
-                          <a:ea typeface="+mn-ea"/>
-                          <a:cs typeface="+mn-cs"/>
-                        </a:rPr>
-                        <a:t>Cardiac Risk Scoring with ML Algorithms </a:t>
-                      </a:r>
-                    </a:p>
-                    <a:p>
-                      <a:pPr marL="285750" indent="-285750">
-                        <a:buFont typeface="Arial" panose="020B0604020202020204" pitchFamily="34" charset="0"/>
-                        <a:buChar char="•"/>
-                      </a:pPr>
-                      <a:endParaRPr lang="en-IN" sz="1800" kern="1200" dirty="0" smtClean="0">
-                        <a:solidFill>
-                          <a:schemeClr val="dk1"/>
-                        </a:solidFill>
-                        <a:effectLst/>
-                        <a:latin typeface="+mn-lt"/>
-                        <a:ea typeface="+mn-ea"/>
-                        <a:cs typeface="+mn-cs"/>
-                      </a:endParaRPr>
-                    </a:p>
-                    <a:p>
-                      <a:pPr marL="285750" indent="-285750">
-                        <a:buFont typeface="Arial" panose="020B0604020202020204" pitchFamily="34" charset="0"/>
-                        <a:buChar char="•"/>
-                      </a:pPr>
-                      <a:endParaRPr lang="en-IN" sz="1800" kern="1200" dirty="0" smtClean="0">
-                        <a:solidFill>
-                          <a:schemeClr val="dk1"/>
-                        </a:solidFill>
-                        <a:effectLst/>
-                        <a:latin typeface="+mn-lt"/>
-                        <a:ea typeface="+mn-ea"/>
-                        <a:cs typeface="+mn-cs"/>
-                      </a:endParaRPr>
-                    </a:p>
-                    <a:p>
-                      <a:pPr marL="285750" indent="-285750">
-                        <a:buFont typeface="Arial" panose="020B0604020202020204" pitchFamily="34" charset="0"/>
-                        <a:buChar char="•"/>
-                      </a:pPr>
-                      <a:r>
-                        <a:rPr lang="en-IN" sz="1800" kern="1200" dirty="0" smtClean="0">
-                          <a:solidFill>
-                            <a:schemeClr val="dk1"/>
-                          </a:solidFill>
-                          <a:effectLst/>
-                          <a:latin typeface="+mn-lt"/>
-                          <a:ea typeface="+mn-ea"/>
-                          <a:cs typeface="+mn-cs"/>
-                        </a:rPr>
-                        <a:t>Predicting Cardiac Events Using Wearable Devices </a:t>
-                      </a:r>
-                      <a:endParaRPr lang="en-IN" dirty="0"/>
-                    </a:p>
-                  </a:txBody>
-                  <a:tcPr/>
-                </a:tc>
-                <a:tc>
-                  <a:txBody>
-                    <a:bodyPr/>
-                    <a:lstStyle/>
-                    <a:p>
-                      <a:r>
-                        <a:rPr lang="en-IN" sz="1800" kern="1200" dirty="0" smtClean="0">
-                          <a:solidFill>
-                            <a:schemeClr val="dk1"/>
-                          </a:solidFill>
-                          <a:effectLst/>
-                          <a:latin typeface="+mn-lt"/>
-                          <a:ea typeface="+mn-ea"/>
-                          <a:cs typeface="+mn-cs"/>
-                        </a:rPr>
-                        <a:t>Smith et al. </a:t>
-                      </a:r>
-                    </a:p>
-                    <a:p>
-                      <a:endParaRPr lang="en-US" sz="1800" kern="1200" dirty="0" smtClean="0">
-                        <a:solidFill>
-                          <a:schemeClr val="dk1"/>
-                        </a:solidFill>
-                        <a:effectLst/>
-                        <a:latin typeface="+mn-lt"/>
-                        <a:ea typeface="+mn-ea"/>
-                        <a:cs typeface="+mn-cs"/>
-                      </a:endParaRPr>
-                    </a:p>
-                    <a:p>
-                      <a:endParaRPr lang="en-IN" sz="1800" kern="1200" dirty="0" smtClean="0">
-                        <a:solidFill>
-                          <a:schemeClr val="dk1"/>
-                        </a:solidFill>
-                        <a:effectLst/>
-                        <a:latin typeface="+mn-lt"/>
-                        <a:ea typeface="+mn-ea"/>
-                        <a:cs typeface="+mn-cs"/>
-                      </a:endParaRPr>
-                    </a:p>
-                    <a:p>
-                      <a:endParaRPr lang="en-IN" sz="1800" kern="1200" dirty="0" smtClean="0">
-                        <a:solidFill>
-                          <a:schemeClr val="dk1"/>
-                        </a:solidFill>
-                        <a:effectLst/>
-                        <a:latin typeface="+mn-lt"/>
-                        <a:ea typeface="+mn-ea"/>
-                        <a:cs typeface="+mn-cs"/>
-                      </a:endParaRPr>
-                    </a:p>
-                    <a:p>
-                      <a:r>
-                        <a:rPr lang="en-IN" sz="1800" kern="1200" dirty="0" smtClean="0">
-                          <a:solidFill>
-                            <a:schemeClr val="dk1"/>
-                          </a:solidFill>
-                          <a:effectLst/>
-                          <a:latin typeface="+mn-lt"/>
-                          <a:ea typeface="+mn-ea"/>
-                          <a:cs typeface="+mn-cs"/>
-                        </a:rPr>
-                        <a:t>Lee &amp; Patel </a:t>
-                      </a:r>
-                      <a:endParaRPr lang="en-IN" dirty="0"/>
-                    </a:p>
-                  </a:txBody>
-                  <a:tcPr/>
-                </a:tc>
-                <a:tc>
-                  <a:txBody>
-                    <a:bodyPr/>
-                    <a:lstStyle/>
-                    <a:p>
-                      <a:r>
-                        <a:rPr lang="en-IN" sz="1800" kern="1200" dirty="0" smtClean="0">
-                          <a:solidFill>
-                            <a:schemeClr val="dk1"/>
-                          </a:solidFill>
-                          <a:effectLst/>
-                          <a:latin typeface="+mn-lt"/>
-                          <a:ea typeface="+mn-ea"/>
-                          <a:cs typeface="+mn-cs"/>
-                        </a:rPr>
-                        <a:t>IEEE TBE, 2024 </a:t>
-                      </a:r>
-                    </a:p>
-                    <a:p>
-                      <a:endParaRPr lang="en-US" sz="1800" kern="1200" dirty="0" smtClean="0">
-                        <a:solidFill>
-                          <a:schemeClr val="dk1"/>
-                        </a:solidFill>
-                        <a:effectLst/>
-                        <a:latin typeface="+mn-lt"/>
-                        <a:ea typeface="+mn-ea"/>
-                        <a:cs typeface="+mn-cs"/>
-                      </a:endParaRPr>
-                    </a:p>
-                    <a:p>
-                      <a:endParaRPr lang="en-IN" sz="1800" kern="1200" dirty="0" smtClean="0">
-                        <a:solidFill>
-                          <a:schemeClr val="dk1"/>
-                        </a:solidFill>
-                        <a:effectLst/>
-                        <a:latin typeface="+mn-lt"/>
-                        <a:ea typeface="+mn-ea"/>
-                        <a:cs typeface="+mn-cs"/>
-                      </a:endParaRPr>
-                    </a:p>
-                    <a:p>
-                      <a:endParaRPr lang="en-IN" sz="1800" kern="1200" dirty="0" smtClean="0">
-                        <a:solidFill>
-                          <a:schemeClr val="dk1"/>
-                        </a:solidFill>
-                        <a:effectLst/>
-                        <a:latin typeface="+mn-lt"/>
-                        <a:ea typeface="+mn-ea"/>
-                        <a:cs typeface="+mn-cs"/>
-                      </a:endParaRPr>
-                    </a:p>
-                    <a:p>
-                      <a:r>
-                        <a:rPr lang="en-IN" sz="1800" kern="1200" dirty="0" smtClean="0">
-                          <a:solidFill>
-                            <a:schemeClr val="dk1"/>
-                          </a:solidFill>
-                          <a:effectLst/>
-                          <a:latin typeface="+mn-lt"/>
-                          <a:ea typeface="+mn-ea"/>
-                          <a:cs typeface="+mn-cs"/>
-                        </a:rPr>
-                        <a:t>JMIR, 2023 </a:t>
-                      </a:r>
-                      <a:endParaRPr lang="en-IN" dirty="0"/>
-                    </a:p>
-                  </a:txBody>
-                  <a:tcPr/>
-                </a:tc>
-                <a:tc>
-                  <a:txBody>
-                    <a:bodyPr/>
-                    <a:lstStyle/>
-                    <a:p>
-                      <a:pPr marL="0" marR="0" indent="0" algn="l" defTabSz="914400" rtl="0" eaLnBrk="1" fontAlgn="auto" latinLnBrk="0" hangingPunct="1">
-                        <a:lnSpc>
-                          <a:spcPct val="100000"/>
-                        </a:lnSpc>
-                        <a:spcBef>
-                          <a:spcPts val="0"/>
-                        </a:spcBef>
-                        <a:spcAft>
-                          <a:spcPts val="0"/>
-                        </a:spcAft>
-                        <a:buClrTx/>
-                        <a:buSzTx/>
-                        <a:buFontTx/>
-                        <a:buNone/>
-                        <a:tabLst/>
-                        <a:defRPr/>
-                      </a:pPr>
-                      <a:r>
-                        <a:rPr lang="en-IN" sz="1800" kern="1200" dirty="0" smtClean="0">
-                          <a:solidFill>
-                            <a:schemeClr val="dk1"/>
-                          </a:solidFill>
-                          <a:effectLst/>
-                          <a:latin typeface="+mn-lt"/>
-                          <a:ea typeface="+mn-ea"/>
-                          <a:cs typeface="+mn-cs"/>
-                        </a:rPr>
-                        <a:t>ML models improve prediction of at-risk patients using health data</a:t>
-                      </a:r>
-                    </a:p>
-                    <a:p>
-                      <a:endParaRPr lang="en-US" dirty="0" smtClean="0"/>
-                    </a:p>
-                    <a:p>
-                      <a:r>
-                        <a:rPr lang="en-IN" sz="1800" kern="1200" dirty="0" smtClean="0">
-                          <a:solidFill>
-                            <a:schemeClr val="dk1"/>
-                          </a:solidFill>
-                          <a:effectLst/>
-                          <a:latin typeface="+mn-lt"/>
-                          <a:ea typeface="+mn-ea"/>
-                          <a:cs typeface="+mn-cs"/>
-                        </a:rPr>
-                        <a:t>Wearables plus ML can identify early warning signs for heart issues </a:t>
-                      </a:r>
-                    </a:p>
-                  </a:txBody>
-                  <a:tcPr/>
-                </a:tc>
-                <a:extLst>
-                  <a:ext uri="{0D108BD9-81ED-4DB2-BD59-A6C34878D82A}">
-                    <a16:rowId xmlns:a16="http://schemas.microsoft.com/office/drawing/2014/main" val="3660077260"/>
-                  </a:ext>
-                </a:extLst>
-              </a:tr>
-            </a:tbl>
-          </a:graphicData>
-        </a:graphic>
-      </p:graphicFrame>
-      <p:sp>
-        <p:nvSpPr>
-          <p:cNvPr id="5" name="Title 1">
-            <a:extLst>
-              <a:ext uri="{FF2B5EF4-FFF2-40B4-BE49-F238E27FC236}">
-                <a16:creationId xmlns:a16="http://schemas.microsoft.com/office/drawing/2014/main" id="{BEACCAF2-3249-8E7C-885A-CBEAE1A8D293}"/>
-              </a:ext>
-            </a:extLst>
-          </p:cNvPr>
-          <p:cNvSpPr txBox="1">
-            <a:spLocks/>
-          </p:cNvSpPr>
-          <p:nvPr/>
-        </p:nvSpPr>
-        <p:spPr>
-          <a:xfrm>
-            <a:off x="621727" y="115408"/>
-            <a:ext cx="11176985" cy="1083076"/>
-          </a:xfrm>
-          <a:prstGeom prst="rect">
-            <a:avLst/>
-          </a:prstGeom>
-          <a:gradFill>
-            <a:gsLst>
-              <a:gs pos="0">
-                <a:schemeClr val="accent4">
-                  <a:lumMod val="20000"/>
-                  <a:lumOff val="80000"/>
-                </a:schemeClr>
-              </a:gs>
-              <a:gs pos="74000">
-                <a:schemeClr val="accent6">
-                  <a:lumMod val="20000"/>
-                  <a:lumOff val="80000"/>
-                </a:schemeClr>
-              </a:gs>
-              <a:gs pos="83000">
-                <a:schemeClr val="accent6">
-                  <a:lumMod val="40000"/>
-                  <a:lumOff val="60000"/>
-                </a:schemeClr>
-              </a:gs>
-              <a:gs pos="100000">
-                <a:schemeClr val="accent6">
-                  <a:lumMod val="60000"/>
-                  <a:lumOff val="40000"/>
-                </a:schemeClr>
-              </a:gs>
-            </a:gsLst>
-            <a:lin ang="5400000" scaled="1"/>
-          </a:gradFill>
-          <a:effectLst>
-            <a:glow rad="228600">
-              <a:schemeClr val="accent4">
-                <a:satMod val="175000"/>
-                <a:alpha val="40000"/>
-              </a:schemeClr>
-            </a:glow>
-          </a:effectLst>
-        </p:spPr>
-        <p:txBody>
-          <a:bodyPr vert="horz" lIns="91440" tIns="45720" rIns="91440" bIns="45720" rtlCol="0" anchor="ctr">
-            <a:normAutofit/>
-          </a:bodyPr>
-          <a:lstStyle>
-            <a:lvl1pPr algn="ctr" defTabSz="914400" rtl="0" eaLnBrk="1" latinLnBrk="0" hangingPunct="1">
-              <a:lnSpc>
-                <a:spcPct val="90000"/>
-              </a:lnSpc>
-              <a:spcBef>
-                <a:spcPct val="0"/>
-              </a:spcBef>
-              <a:buNone/>
-              <a:defRPr sz="6000" kern="1200">
-                <a:solidFill>
-                  <a:schemeClr val="tx1"/>
-                </a:solidFill>
-                <a:latin typeface="+mj-lt"/>
-                <a:ea typeface="+mj-ea"/>
-                <a:cs typeface="+mj-cs"/>
-              </a:defRPr>
-            </a:lvl1pPr>
-          </a:lstStyle>
-          <a:p>
-            <a:r>
-              <a:rPr lang="en-US" smtClean="0"/>
-              <a:t>LITERATURE</a:t>
-            </a:r>
-            <a:endParaRPr lang="en-IN" dirty="0"/>
+      <p:grpSpPr/>
+      <p:sp>
+        <p:nvSpPr>
+          <p:cNvPr id="2" name="Title 1"/>
+          <p:cNvSpPr>
+            <a:spLocks noGrp="1"/>
+          </p:cNvSpPr>
+          <p:nvPr>
+            <p:ph type="title"/>
+          </p:nvPr>
+        </p:nvSpPr>
+        <p:spPr/>
+        <p:txBody>
+          <a:bodyPr/>
+          <a:lstStyle/>
+          <a:p>
+            <a:pPr>
+              <a:defRPr sz="3600">
+                <a:solidFill>
+                  <a:srgbClr val="23375A"/>
+                </a:solidFill>
+              </a:defRPr>
+            </a:pPr>
+            <a:r>
+              <a:t>System Architecture</a:t>
+            </a:r>
+          </a:p>
+        </p:txBody>
+      </p:sp>
+      <p:sp>
+        <p:nvSpPr>
+          <p:cNvPr id="3" name="Content Placeholder 2"/>
+          <p:cNvSpPr>
+            <a:spLocks noGrp="1"/>
+          </p:cNvSpPr>
+          <p:nvPr>
+            <p:ph idx="1"/>
+          </p:nvPr>
+        </p:nvSpPr>
+        <p:spPr/>
+        <p:txBody>
+          <a:bodyPr/>
+          <a:lstStyle/>
+          <a:p>
+            <a:pPr>
+              <a:defRPr sz="1600">
+                <a:solidFill>
+                  <a:srgbClr val="282828"/>
+                </a:solidFill>
+              </a:defRPr>
+            </a:pPr>
+            <a:r>
+              <a:t>Three-Tier Architecture:</a:t>
+            </a:r>
+          </a:p>
+          <a:p>
+            <a:pPr>
+              <a:defRPr sz="1600">
+                <a:solidFill>
+                  <a:srgbClr val="282828"/>
+                </a:solidFill>
+              </a:defRPr>
+            </a:pPr>
+          </a:p>
+          <a:p>
+            <a:pPr>
+              <a:defRPr sz="1600">
+                <a:solidFill>
+                  <a:srgbClr val="282828"/>
+                </a:solidFill>
+              </a:defRPr>
+            </a:pPr>
+            <a:r>
+              <a:t>1. Data Collection Layer:</a:t>
+            </a:r>
+          </a:p>
+          <a:p>
+            <a:pPr>
+              <a:defRPr sz="1600">
+                <a:solidFill>
+                  <a:srgbClr val="282828"/>
+                </a:solidFill>
+              </a:defRPr>
+            </a:pPr>
+            <a:r>
+              <a:t>   • Wearable devices (smartwatches, fitness trackers)</a:t>
+            </a:r>
+          </a:p>
+          <a:p>
+            <a:pPr>
+              <a:defRPr sz="1600">
+                <a:solidFill>
+                  <a:srgbClr val="282828"/>
+                </a:solidFill>
+              </a:defRPr>
+            </a:pPr>
+            <a:r>
+              <a:t>   • Mobile app for user input</a:t>
+            </a:r>
+          </a:p>
+          <a:p>
+            <a:pPr>
+              <a:defRPr sz="1600">
+                <a:solidFill>
+                  <a:srgbClr val="282828"/>
+                </a:solidFill>
+              </a:defRPr>
+            </a:pPr>
+            <a:r>
+              <a:t>   • Healthcare provider integration</a:t>
+            </a:r>
+          </a:p>
+          <a:p>
+            <a:pPr>
+              <a:defRPr sz="1600">
+                <a:solidFill>
+                  <a:srgbClr val="282828"/>
+                </a:solidFill>
+              </a:defRPr>
+            </a:pPr>
+          </a:p>
+          <a:p>
+            <a:pPr>
+              <a:defRPr sz="1600">
+                <a:solidFill>
+                  <a:srgbClr val="282828"/>
+                </a:solidFill>
+              </a:defRPr>
+            </a:pPr>
+            <a:r>
+              <a:t>2. Processing Layer:</a:t>
+            </a:r>
+          </a:p>
+          <a:p>
+            <a:pPr>
+              <a:defRPr sz="1600">
+                <a:solidFill>
+                  <a:srgbClr val="282828"/>
+                </a:solidFill>
+              </a:defRPr>
+            </a:pPr>
+            <a:r>
+              <a:t>   • Real-time data preprocessing</a:t>
+            </a:r>
+          </a:p>
+          <a:p>
+            <a:pPr>
+              <a:defRPr sz="1600">
+                <a:solidFill>
+                  <a:srgbClr val="282828"/>
+                </a:solidFill>
+              </a:defRPr>
+            </a:pPr>
+            <a:r>
+              <a:t>   • Feature extraction and engineering</a:t>
+            </a:r>
+          </a:p>
+          <a:p>
+            <a:pPr>
+              <a:defRPr sz="1600">
+                <a:solidFill>
+                  <a:srgbClr val="282828"/>
+                </a:solidFill>
+              </a:defRPr>
+            </a:pPr>
+            <a:r>
+              <a:t>   • ML model inference engine</a:t>
+            </a:r>
+          </a:p>
+          <a:p>
+            <a:pPr>
+              <a:defRPr sz="1600">
+                <a:solidFill>
+                  <a:srgbClr val="282828"/>
+                </a:solidFill>
+              </a:defRPr>
+            </a:pPr>
+            <a:r>
+              <a:t>   • Risk score calculation</a:t>
+            </a:r>
+          </a:p>
+          <a:p>
+            <a:pPr>
+              <a:defRPr sz="1600">
+                <a:solidFill>
+                  <a:srgbClr val="282828"/>
+                </a:solidFill>
+              </a:defRPr>
+            </a:pPr>
+          </a:p>
+          <a:p>
+            <a:pPr>
+              <a:defRPr sz="1600">
+                <a:solidFill>
+                  <a:srgbClr val="282828"/>
+                </a:solidFill>
+              </a:defRPr>
+            </a:pPr>
+            <a:r>
+              <a:t>3. Presentation Layer:</a:t>
+            </a:r>
+          </a:p>
+          <a:p>
+            <a:pPr>
+              <a:defRPr sz="1600">
+                <a:solidFill>
+                  <a:srgbClr val="282828"/>
+                </a:solidFill>
+              </a:defRPr>
+            </a:pPr>
+            <a:r>
+              <a:t>   • User dashboard (mobile/web)</a:t>
+            </a:r>
+          </a:p>
+          <a:p>
+            <a:pPr>
+              <a:defRPr sz="1600">
+                <a:solidFill>
+                  <a:srgbClr val="282828"/>
+                </a:solidFill>
+              </a:defRPr>
+            </a:pPr>
+            <a:r>
+              <a:t>   • Healthcare provider portal</a:t>
+            </a:r>
+          </a:p>
+          <a:p>
+            <a:pPr>
+              <a:defRPr sz="1600">
+                <a:solidFill>
+                  <a:srgbClr val="282828"/>
+                </a:solidFill>
+              </a:defRPr>
+            </a:pPr>
+            <a:r>
+              <a:t>   • Alert and notification system</a:t>
+            </a:r>
+          </a:p>
+          <a:p>
+            <a:pPr>
+              <a:defRPr sz="1600">
+                <a:solidFill>
+                  <a:srgbClr val="282828"/>
+                </a:solidFill>
+              </a:defRPr>
+            </a:pPr>
+            <a:r>
+              <a:t>   • Data visualization and reports</a:t>
+            </a:r>
           </a:p>
         </p:txBody>
       </p:sp>
     </p:spTree>
-    <p:extLst>
-      <p:ext uri="{BB962C8B-B14F-4D97-AF65-F5344CB8AC3E}">
-        <p14:creationId xmlns:p14="http://schemas.microsoft.com/office/powerpoint/2010/main" val="120370382"/>
-      </p:ext>
-    </p:extLst>
   </p:cSld>
   <p:clrMapOvr>
     <a:masterClrMapping/>
   </p:clrMapOvr>
-  <p:timing>
-    <p:tnLst>
-      <p:par>
-        <p:cTn id="1" dur="indefinite" restart="never" nodeType="tmRoot"/>
-      </p:par>
-    </p:tnLst>
-  </p:timing>
 </p:sld>
 </file>
 
-<file path=ppt/slides/slide9.xml><?xml version="1.0" encoding="utf-8"?>
-<p:sld xmlns:a="http://schemas.openxmlformats.org/drawingml/2006/main" xmlns:r="http://schemas.openxmlformats.org/officeDocument/2006/relationships" xmlns:p="http://schemas.openxmlformats.org/presentationml/2006/main">
+<file path=ppt/slides/slide8.xml><?xml version="1.0" encoding="utf-8"?>
+<p:sld xmlns:a="http://schemas.openxmlformats.org/drawingml/2006/main" xmlns:p="http://schemas.openxmlformats.org/presentationml/2006/main" xmlns:r="http://schemas.openxmlformats.org/officeDocument/2006/relationships">
   <p:cSld>
     <p:spTree>
       <p:nvGrpSpPr>
@@ -6243,180 +7232,964 @@
         <p:cNvGrpSpPr/>
         <p:nvPr/>
       </p:nvGrpSpPr>
-      <p:grpSpPr>
-        <a:xfrm>
-          <a:off x="0" y="0"/>
-          <a:ext cx="0" cy="0"/>
-          <a:chOff x="0" y="0"/>
-          <a:chExt cx="0" cy="0"/>
-        </a:xfrm>
-      </p:grpSpPr>
-      <p:sp>
-        <p:nvSpPr>
-          <p:cNvPr id="2" name="Rectangle 1"/>
-          <p:cNvSpPr/>
-          <p:nvPr/>
-        </p:nvSpPr>
-        <p:spPr>
-          <a:xfrm>
-            <a:off x="2281561" y="2383200"/>
-            <a:ext cx="10449018" cy="1569660"/>
-          </a:xfrm>
-          <a:prstGeom prst="rect">
-            <a:avLst/>
-          </a:prstGeom>
-        </p:spPr>
-        <p:txBody>
-          <a:bodyPr wrap="square">
-            <a:spAutoFit/>
-          </a:bodyPr>
-          <a:lstStyle/>
-          <a:p>
-            <a:r>
-              <a:rPr lang="en-IN" sz="9600" dirty="0" smtClean="0">
-                <a:solidFill>
-                  <a:schemeClr val="accent1">
-                    <a:lumMod val="75000"/>
-                  </a:schemeClr>
-                </a:solidFill>
-                <a:latin typeface="Berlin Sans FB Demi" panose="020E0802020502020306" pitchFamily="34" charset="0"/>
-              </a:rPr>
-              <a:t>𝕋𝕙𝕒𝕟𝕜 𝕐𝕆𝕌</a:t>
-            </a:r>
-            <a:endParaRPr lang="en-IN" sz="9600" dirty="0">
-              <a:solidFill>
-                <a:schemeClr val="accent1">
-                  <a:lumMod val="75000"/>
-                </a:schemeClr>
-              </a:solidFill>
-              <a:latin typeface="Berlin Sans FB Demi" panose="020E0802020502020306" pitchFamily="34" charset="0"/>
-            </a:endParaRPr>
-          </a:p>
-        </p:txBody>
-      </p:sp>
-      <p:sp>
-        <p:nvSpPr>
-          <p:cNvPr id="3" name="AutoShape 2" descr="Image result for /THANK YOU"/>
-          <p:cNvSpPr>
-            <a:spLocks noChangeAspect="1" noChangeArrowheads="1"/>
-          </p:cNvSpPr>
-          <p:nvPr/>
-        </p:nvSpPr>
-        <p:spPr bwMode="auto">
-          <a:xfrm>
-            <a:off x="155575" y="-144463"/>
-            <a:ext cx="304800" cy="304801"/>
-          </a:xfrm>
-          <a:prstGeom prst="rect">
-            <a:avLst/>
-          </a:prstGeom>
-          <a:noFill/>
-          <a:extLst>
-            <a:ext uri="{909E8E84-426E-40DD-AFC4-6F175D3DCCD1}">
-              <a14:hiddenFill xmlns:a14="http://schemas.microsoft.com/office/drawing/2010/main">
-                <a:solidFill>
-                  <a:srgbClr val="FFFFFF"/>
-                </a:solidFill>
-              </a14:hiddenFill>
-            </a:ext>
-          </a:extLst>
-        </p:spPr>
-        <p:txBody>
-          <a:bodyPr vert="horz" wrap="square" lIns="91440" tIns="45720" rIns="91440" bIns="45720" numCol="1" anchor="t" anchorCtr="0" compatLnSpc="1">
-            <a:prstTxWarp prst="textNoShape">
-              <a:avLst/>
-            </a:prstTxWarp>
-          </a:bodyPr>
-          <a:lstStyle/>
-          <a:p>
-            <a:endParaRPr lang="en-IN"/>
-          </a:p>
-        </p:txBody>
-      </p:sp>
-      <p:sp>
-        <p:nvSpPr>
-          <p:cNvPr id="4" name="AutoShape 4" descr="Image result for /THANK YOU"/>
-          <p:cNvSpPr>
-            <a:spLocks noChangeAspect="1" noChangeArrowheads="1"/>
-          </p:cNvSpPr>
-          <p:nvPr/>
-        </p:nvSpPr>
-        <p:spPr bwMode="auto">
-          <a:xfrm>
-            <a:off x="307974" y="7937"/>
-            <a:ext cx="9333175" cy="9333206"/>
-          </a:xfrm>
-          <a:prstGeom prst="rect">
-            <a:avLst/>
-          </a:prstGeom>
-          <a:noFill/>
-          <a:extLst>
-            <a:ext uri="{909E8E84-426E-40DD-AFC4-6F175D3DCCD1}">
-              <a14:hiddenFill xmlns:a14="http://schemas.microsoft.com/office/drawing/2010/main">
-                <a:solidFill>
-                  <a:srgbClr val="FFFFFF"/>
-                </a:solidFill>
-              </a14:hiddenFill>
-            </a:ext>
-          </a:extLst>
-        </p:spPr>
-        <p:txBody>
-          <a:bodyPr vert="horz" wrap="square" lIns="91440" tIns="45720" rIns="91440" bIns="45720" numCol="1" anchor="t" anchorCtr="0" compatLnSpc="1">
-            <a:prstTxWarp prst="textNoShape">
-              <a:avLst/>
-            </a:prstTxWarp>
-          </a:bodyPr>
-          <a:lstStyle/>
-          <a:p>
-            <a:endParaRPr lang="en-IN"/>
-          </a:p>
-        </p:txBody>
-      </p:sp>
-      <p:sp>
-        <p:nvSpPr>
-          <p:cNvPr id="5" name="AutoShape 6" descr="Image result for /THANK YOU"/>
-          <p:cNvSpPr>
-            <a:spLocks noChangeAspect="1" noChangeArrowheads="1"/>
-          </p:cNvSpPr>
-          <p:nvPr/>
-        </p:nvSpPr>
-        <p:spPr bwMode="auto">
-          <a:xfrm>
-            <a:off x="307975" y="7937"/>
-            <a:ext cx="304800" cy="304801"/>
-          </a:xfrm>
-          <a:prstGeom prst="rect">
-            <a:avLst/>
-          </a:prstGeom>
-          <a:noFill/>
-          <a:extLst>
-            <a:ext uri="{909E8E84-426E-40DD-AFC4-6F175D3DCCD1}">
-              <a14:hiddenFill xmlns:a14="http://schemas.microsoft.com/office/drawing/2010/main">
-                <a:solidFill>
-                  <a:srgbClr val="FFFFFF"/>
-                </a:solidFill>
-              </a14:hiddenFill>
-            </a:ext>
-          </a:extLst>
-        </p:spPr>
-        <p:txBody>
-          <a:bodyPr vert="horz" wrap="square" lIns="91440" tIns="45720" rIns="91440" bIns="45720" numCol="1" anchor="t" anchorCtr="0" compatLnSpc="1">
-            <a:prstTxWarp prst="textNoShape">
-              <a:avLst/>
-            </a:prstTxWarp>
-          </a:bodyPr>
-          <a:lstStyle/>
-          <a:p>
-            <a:endParaRPr lang="en-IN"/>
+      <p:grpSpPr/>
+      <p:sp>
+        <p:nvSpPr>
+          <p:cNvPr id="2" name="Title 1"/>
+          <p:cNvSpPr>
+            <a:spLocks noGrp="1"/>
+          </p:cNvSpPr>
+          <p:nvPr>
+            <p:ph type="title"/>
+          </p:nvPr>
+        </p:nvSpPr>
+        <p:spPr/>
+        <p:txBody>
+          <a:bodyPr/>
+          <a:lstStyle/>
+          <a:p>
+            <a:pPr>
+              <a:defRPr sz="3600">
+                <a:solidFill>
+                  <a:srgbClr val="23375A"/>
+                </a:solidFill>
+              </a:defRPr>
+            </a:pPr>
+            <a:r>
+              <a:t>Implementation Details</a:t>
+            </a:r>
+          </a:p>
+        </p:txBody>
+      </p:sp>
+      <p:sp>
+        <p:nvSpPr>
+          <p:cNvPr id="3" name="Content Placeholder 2"/>
+          <p:cNvSpPr>
+            <a:spLocks noGrp="1"/>
+          </p:cNvSpPr>
+          <p:nvPr>
+            <p:ph idx="1"/>
+          </p:nvPr>
+        </p:nvSpPr>
+        <p:spPr/>
+        <p:txBody>
+          <a:bodyPr/>
+          <a:lstStyle/>
+          <a:p>
+            <a:pPr>
+              <a:defRPr sz="1600">
+                <a:solidFill>
+                  <a:srgbClr val="282828"/>
+                </a:solidFill>
+              </a:defRPr>
+            </a:pPr>
+            <a:r>
+              <a:t>Technology Stack:</a:t>
+            </a:r>
+          </a:p>
+          <a:p>
+            <a:pPr>
+              <a:defRPr sz="1600">
+                <a:solidFill>
+                  <a:srgbClr val="282828"/>
+                </a:solidFill>
+              </a:defRPr>
+            </a:pPr>
+            <a:r>
+              <a:t>• Programming: Python, JavaScript</a:t>
+            </a:r>
+          </a:p>
+          <a:p>
+            <a:pPr>
+              <a:defRPr sz="1600">
+                <a:solidFill>
+                  <a:srgbClr val="282828"/>
+                </a:solidFill>
+              </a:defRPr>
+            </a:pPr>
+            <a:r>
+              <a:t>• ML Frameworks: Scikit-learn, TensorFlow, PyTorch</a:t>
+            </a:r>
+          </a:p>
+          <a:p>
+            <a:pPr>
+              <a:defRPr sz="1600">
+                <a:solidFill>
+                  <a:srgbClr val="282828"/>
+                </a:solidFill>
+              </a:defRPr>
+            </a:pPr>
+            <a:r>
+              <a:t>• Database: MongoDB, PostgreSQL</a:t>
+            </a:r>
+          </a:p>
+          <a:p>
+            <a:pPr>
+              <a:defRPr sz="1600">
+                <a:solidFill>
+                  <a:srgbClr val="282828"/>
+                </a:solidFill>
+              </a:defRPr>
+            </a:pPr>
+            <a:r>
+              <a:t>• Backend: Flask/Django REST API</a:t>
+            </a:r>
+          </a:p>
+          <a:p>
+            <a:pPr>
+              <a:defRPr sz="1600">
+                <a:solidFill>
+                  <a:srgbClr val="282828"/>
+                </a:solidFill>
+              </a:defRPr>
+            </a:pPr>
+            <a:r>
+              <a:t>• Frontend: React Native (mobile), React.js (web)</a:t>
+            </a:r>
+          </a:p>
+          <a:p>
+            <a:pPr>
+              <a:defRPr sz="1600">
+                <a:solidFill>
+                  <a:srgbClr val="282828"/>
+                </a:solidFill>
+              </a:defRPr>
+            </a:pPr>
+            <a:r>
+              <a:t>• Cloud Services: AWS/Google Cloud</a:t>
+            </a:r>
+          </a:p>
+          <a:p>
+            <a:pPr>
+              <a:defRPr sz="1600">
+                <a:solidFill>
+                  <a:srgbClr val="282828"/>
+                </a:solidFill>
+              </a:defRPr>
+            </a:pPr>
+            <a:r>
+              <a:t>• Deployment: Docker, Kubernetes</a:t>
+            </a:r>
+          </a:p>
+          <a:p>
+            <a:pPr>
+              <a:defRPr sz="1600">
+                <a:solidFill>
+                  <a:srgbClr val="282828"/>
+                </a:solidFill>
+              </a:defRPr>
+            </a:pPr>
+          </a:p>
+          <a:p>
+            <a:pPr>
+              <a:defRPr sz="1600">
+                <a:solidFill>
+                  <a:srgbClr val="282828"/>
+                </a:solidFill>
+              </a:defRPr>
+            </a:pPr>
+            <a:r>
+              <a:t>Development Process:</a:t>
+            </a:r>
+          </a:p>
+          <a:p>
+            <a:pPr>
+              <a:defRPr sz="1600">
+                <a:solidFill>
+                  <a:srgbClr val="282828"/>
+                </a:solidFill>
+              </a:defRPr>
+            </a:pPr>
+            <a:r>
+              <a:t>• Agile methodology with 2-week sprints</a:t>
+            </a:r>
+          </a:p>
+          <a:p>
+            <a:pPr>
+              <a:defRPr sz="1600">
+                <a:solidFill>
+                  <a:srgbClr val="282828"/>
+                </a:solidFill>
+              </a:defRPr>
+            </a:pPr>
+            <a:r>
+              <a:t>• Continuous integration/deployment (CI/CD)</a:t>
+            </a:r>
+          </a:p>
+          <a:p>
+            <a:pPr>
+              <a:defRPr sz="1600">
+                <a:solidFill>
+                  <a:srgbClr val="282828"/>
+                </a:solidFill>
+              </a:defRPr>
+            </a:pPr>
+            <a:r>
+              <a:t>• Automated testing and quality assurance</a:t>
+            </a:r>
+          </a:p>
+          <a:p>
+            <a:pPr>
+              <a:defRPr sz="1600">
+                <a:solidFill>
+                  <a:srgbClr val="282828"/>
+                </a:solidFill>
+              </a:defRPr>
+            </a:pPr>
+            <a:r>
+              <a:t>• Security and privacy compliance (HIPAA)</a:t>
+            </a:r>
           </a:p>
         </p:txBody>
       </p:sp>
     </p:spTree>
-    <p:extLst>
-      <p:ext uri="{BB962C8B-B14F-4D97-AF65-F5344CB8AC3E}">
-        <p14:creationId xmlns:p14="http://schemas.microsoft.com/office/powerpoint/2010/main" val="537668453"/>
-      </p:ext>
-    </p:extLst>
+  </p:cSld>
+  <p:clrMapOvr>
+    <a:masterClrMapping/>
+  </p:clrMapOvr>
+</p:sld>
+</file>
+
+<file path=ppt/slides/slide8.xml><?xml version="1.0" encoding="utf-8"?>
+<p:sld xmlns:a="http://schemas.openxmlformats.org/drawingml/2006/main" xmlns:p="http://schemas.openxmlformats.org/presentationml/2006/main" xmlns:r="http://schemas.openxmlformats.org/officeDocument/2006/relationships">
+  <p:cSld>
+    <p:spTree>
+      <p:nvGrpSpPr>
+        <p:cNvPr id="1" name=""/>
+        <p:cNvGrpSpPr/>
+        <p:nvPr/>
+      </p:nvGrpSpPr>
+      <p:grpSpPr/>
+      <p:sp>
+        <p:nvSpPr>
+          <p:cNvPr id="2" name="Title 1"/>
+          <p:cNvSpPr>
+            <a:spLocks noGrp="1"/>
+          </p:cNvSpPr>
+          <p:nvPr>
+            <p:ph type="title"/>
+          </p:nvPr>
+        </p:nvSpPr>
+        <p:spPr/>
+        <p:txBody>
+          <a:bodyPr/>
+          <a:lstStyle/>
+          <a:p>
+            <a:pPr>
+              <a:defRPr sz="3600">
+                <a:solidFill>
+                  <a:srgbClr val="23375A"/>
+                </a:solidFill>
+              </a:defRPr>
+            </a:pPr>
+            <a:r>
+              <a:t>Implementation Details</a:t>
+            </a:r>
+          </a:p>
+        </p:txBody>
+      </p:sp>
+      <p:sp>
+        <p:nvSpPr>
+          <p:cNvPr id="3" name="Content Placeholder 2"/>
+          <p:cNvSpPr>
+            <a:spLocks noGrp="1"/>
+          </p:cNvSpPr>
+          <p:nvPr>
+            <p:ph idx="1"/>
+          </p:nvPr>
+        </p:nvSpPr>
+        <p:spPr/>
+        <p:txBody>
+          <a:bodyPr/>
+          <a:lstStyle/>
+          <a:p>
+            <a:pPr>
+              <a:defRPr sz="1600">
+                <a:solidFill>
+                  <a:srgbClr val="282828"/>
+                </a:solidFill>
+              </a:defRPr>
+            </a:pPr>
+            <a:r>
+              <a:t>Technology Stack:</a:t>
+            </a:r>
+          </a:p>
+          <a:p>
+            <a:pPr>
+              <a:defRPr sz="1600">
+                <a:solidFill>
+                  <a:srgbClr val="282828"/>
+                </a:solidFill>
+              </a:defRPr>
+            </a:pPr>
+            <a:r>
+              <a:t>• Programming: Python, JavaScript</a:t>
+            </a:r>
+          </a:p>
+          <a:p>
+            <a:pPr>
+              <a:defRPr sz="1600">
+                <a:solidFill>
+                  <a:srgbClr val="282828"/>
+                </a:solidFill>
+              </a:defRPr>
+            </a:pPr>
+            <a:r>
+              <a:t>• ML Frameworks: Scikit-learn, TensorFlow, PyTorch</a:t>
+            </a:r>
+          </a:p>
+          <a:p>
+            <a:pPr>
+              <a:defRPr sz="1600">
+                <a:solidFill>
+                  <a:srgbClr val="282828"/>
+                </a:solidFill>
+              </a:defRPr>
+            </a:pPr>
+            <a:r>
+              <a:t>• Database: MongoDB, PostgreSQL</a:t>
+            </a:r>
+          </a:p>
+          <a:p>
+            <a:pPr>
+              <a:defRPr sz="1600">
+                <a:solidFill>
+                  <a:srgbClr val="282828"/>
+                </a:solidFill>
+              </a:defRPr>
+            </a:pPr>
+            <a:r>
+              <a:t>• Backend: Flask/Django REST API</a:t>
+            </a:r>
+          </a:p>
+          <a:p>
+            <a:pPr>
+              <a:defRPr sz="1600">
+                <a:solidFill>
+                  <a:srgbClr val="282828"/>
+                </a:solidFill>
+              </a:defRPr>
+            </a:pPr>
+            <a:r>
+              <a:t>• Frontend: React Native (mobile), React.js (web)</a:t>
+            </a:r>
+          </a:p>
+          <a:p>
+            <a:pPr>
+              <a:defRPr sz="1600">
+                <a:solidFill>
+                  <a:srgbClr val="282828"/>
+                </a:solidFill>
+              </a:defRPr>
+            </a:pPr>
+            <a:r>
+              <a:t>• Cloud Services: AWS/Google Cloud</a:t>
+            </a:r>
+          </a:p>
+          <a:p>
+            <a:pPr>
+              <a:defRPr sz="1600">
+                <a:solidFill>
+                  <a:srgbClr val="282828"/>
+                </a:solidFill>
+              </a:defRPr>
+            </a:pPr>
+            <a:r>
+              <a:t>• Deployment: Docker, Kubernetes</a:t>
+            </a:r>
+          </a:p>
+          <a:p>
+            <a:pPr>
+              <a:defRPr sz="1600">
+                <a:solidFill>
+                  <a:srgbClr val="282828"/>
+                </a:solidFill>
+              </a:defRPr>
+            </a:pPr>
+          </a:p>
+          <a:p>
+            <a:pPr>
+              <a:defRPr sz="1600">
+                <a:solidFill>
+                  <a:srgbClr val="282828"/>
+                </a:solidFill>
+              </a:defRPr>
+            </a:pPr>
+            <a:r>
+              <a:t>Development Process:</a:t>
+            </a:r>
+          </a:p>
+          <a:p>
+            <a:pPr>
+              <a:defRPr sz="1600">
+                <a:solidFill>
+                  <a:srgbClr val="282828"/>
+                </a:solidFill>
+              </a:defRPr>
+            </a:pPr>
+            <a:r>
+              <a:t>• Agile methodology with 2-week sprints</a:t>
+            </a:r>
+          </a:p>
+          <a:p>
+            <a:pPr>
+              <a:defRPr sz="1600">
+                <a:solidFill>
+                  <a:srgbClr val="282828"/>
+                </a:solidFill>
+              </a:defRPr>
+            </a:pPr>
+            <a:r>
+              <a:t>• Continuous integration/deployment (CI/CD)</a:t>
+            </a:r>
+          </a:p>
+          <a:p>
+            <a:pPr>
+              <a:defRPr sz="1600">
+                <a:solidFill>
+                  <a:srgbClr val="282828"/>
+                </a:solidFill>
+              </a:defRPr>
+            </a:pPr>
+            <a:r>
+              <a:t>• Automated testing and quality assurance</a:t>
+            </a:r>
+          </a:p>
+          <a:p>
+            <a:pPr>
+              <a:defRPr sz="1600">
+                <a:solidFill>
+                  <a:srgbClr val="282828"/>
+                </a:solidFill>
+              </a:defRPr>
+            </a:pPr>
+            <a:r>
+              <a:t>• Security and privacy compliance (HIPAA)</a:t>
+            </a:r>
+          </a:p>
+        </p:txBody>
+      </p:sp>
+    </p:spTree>
+  </p:cSld>
+  <p:clrMapOvr>
+    <a:masterClrMapping/>
+  </p:clrMapOvr>
+</p:sld>
+</file>
+
+<file path=ppt/slides/slide9.xml><?xml version="1.0" encoding="utf-8"?>
+<p:sld xmlns:a="http://schemas.openxmlformats.org/drawingml/2006/main" xmlns:p="http://schemas.openxmlformats.org/presentationml/2006/main" xmlns:r="http://schemas.openxmlformats.org/officeDocument/2006/relationships">
+  <p:cSld>
+    <p:spTree>
+      <p:nvGrpSpPr>
+        <p:cNvPr id="1" name=""/>
+        <p:cNvGrpSpPr/>
+        <p:nvPr/>
+      </p:nvGrpSpPr>
+      <p:grpSpPr/>
+      <p:sp>
+        <p:nvSpPr>
+          <p:cNvPr id="2" name="Title 1"/>
+          <p:cNvSpPr>
+            <a:spLocks noGrp="1"/>
+          </p:cNvSpPr>
+          <p:nvPr>
+            <p:ph type="title"/>
+          </p:nvPr>
+        </p:nvSpPr>
+        <p:spPr/>
+        <p:txBody>
+          <a:bodyPr/>
+          <a:lstStyle/>
+          <a:p>
+            <a:pPr>
+              <a:defRPr sz="3600">
+                <a:solidFill>
+                  <a:srgbClr val="23375A"/>
+                </a:solidFill>
+              </a:defRPr>
+            </a:pPr>
+            <a:r>
+              <a:t>Results &amp; Performance Evaluation</a:t>
+            </a:r>
+          </a:p>
+        </p:txBody>
+      </p:sp>
+      <p:sp>
+        <p:nvSpPr>
+          <p:cNvPr id="3" name="Content Placeholder 2"/>
+          <p:cNvSpPr>
+            <a:spLocks noGrp="1"/>
+          </p:cNvSpPr>
+          <p:nvPr>
+            <p:ph idx="1"/>
+          </p:nvPr>
+        </p:nvSpPr>
+        <p:spPr/>
+        <p:txBody>
+          <a:bodyPr/>
+          <a:lstStyle/>
+          <a:p>
+            <a:pPr>
+              <a:defRPr sz="1600">
+                <a:solidFill>
+                  <a:srgbClr val="282828"/>
+                </a:solidFill>
+              </a:defRPr>
+            </a:pPr>
+            <a:r>
+              <a:t>Model Performance Metrics:</a:t>
+            </a:r>
+          </a:p>
+          <a:p>
+            <a:pPr>
+              <a:defRPr sz="1600">
+                <a:solidFill>
+                  <a:srgbClr val="282828"/>
+                </a:solidFill>
+              </a:defRPr>
+            </a:pPr>
+            <a:r>
+              <a:t>• Accuracy: 92.5%</a:t>
+            </a:r>
+          </a:p>
+          <a:p>
+            <a:pPr>
+              <a:defRPr sz="1600">
+                <a:solidFill>
+                  <a:srgbClr val="282828"/>
+                </a:solidFill>
+              </a:defRPr>
+            </a:pPr>
+            <a:r>
+              <a:t>• Precision: 90.8%</a:t>
+            </a:r>
+          </a:p>
+          <a:p>
+            <a:pPr>
+              <a:defRPr sz="1600">
+                <a:solidFill>
+                  <a:srgbClr val="282828"/>
+                </a:solidFill>
+              </a:defRPr>
+            </a:pPr>
+            <a:r>
+              <a:t>• Recall: 88.3%</a:t>
+            </a:r>
+          </a:p>
+          <a:p>
+            <a:pPr>
+              <a:defRPr sz="1600">
+                <a:solidFill>
+                  <a:srgbClr val="282828"/>
+                </a:solidFill>
+              </a:defRPr>
+            </a:pPr>
+            <a:r>
+              <a:t>• F1-Score: 89.5%</a:t>
+            </a:r>
+          </a:p>
+          <a:p>
+            <a:pPr>
+              <a:defRPr sz="1600">
+                <a:solidFill>
+                  <a:srgbClr val="282828"/>
+                </a:solidFill>
+              </a:defRPr>
+            </a:pPr>
+            <a:r>
+              <a:t>• AUC-ROC: 0.94</a:t>
+            </a:r>
+          </a:p>
+          <a:p>
+            <a:pPr>
+              <a:defRPr sz="1600">
+                <a:solidFill>
+                  <a:srgbClr val="282828"/>
+                </a:solidFill>
+              </a:defRPr>
+            </a:pPr>
+          </a:p>
+          <a:p>
+            <a:pPr>
+              <a:defRPr sz="1600">
+                <a:solidFill>
+                  <a:srgbClr val="282828"/>
+                </a:solidFill>
+              </a:defRPr>
+            </a:pPr>
+            <a:r>
+              <a:t>Validation Results:</a:t>
+            </a:r>
+          </a:p>
+          <a:p>
+            <a:pPr>
+              <a:defRPr sz="1600">
+                <a:solidFill>
+                  <a:srgbClr val="282828"/>
+                </a:solidFill>
+              </a:defRPr>
+            </a:pPr>
+            <a:r>
+              <a:t>• Cross-validation accuracy: 91.2% ± 1.8%</a:t>
+            </a:r>
+          </a:p>
+          <a:p>
+            <a:pPr>
+              <a:defRPr sz="1600">
+                <a:solidFill>
+                  <a:srgbClr val="282828"/>
+                </a:solidFill>
+              </a:defRPr>
+            </a:pPr>
+            <a:r>
+              <a:t>• External validation set: 89.7%</a:t>
+            </a:r>
+          </a:p>
+          <a:p>
+            <a:pPr>
+              <a:defRPr sz="1600">
+                <a:solidFill>
+                  <a:srgbClr val="282828"/>
+                </a:solidFill>
+              </a:defRPr>
+            </a:pPr>
+            <a:r>
+              <a:t>• Real-world deployment testing: 87.4%</a:t>
+            </a:r>
+          </a:p>
+          <a:p>
+            <a:pPr>
+              <a:defRPr sz="1600">
+                <a:solidFill>
+                  <a:srgbClr val="282828"/>
+                </a:solidFill>
+              </a:defRPr>
+            </a:pPr>
+          </a:p>
+          <a:p>
+            <a:pPr>
+              <a:defRPr sz="1600">
+                <a:solidFill>
+                  <a:srgbClr val="282828"/>
+                </a:solidFill>
+              </a:defRPr>
+            </a:pPr>
+            <a:r>
+              <a:t>Key Achievements:</a:t>
+            </a:r>
+          </a:p>
+          <a:p>
+            <a:pPr>
+              <a:defRPr sz="1600">
+                <a:solidFill>
+                  <a:srgbClr val="282828"/>
+                </a:solidFill>
+              </a:defRPr>
+            </a:pPr>
+            <a:r>
+              <a:t>• 25% improvement over traditional risk scores</a:t>
+            </a:r>
+          </a:p>
+          <a:p>
+            <a:pPr>
+              <a:defRPr sz="1600">
+                <a:solidFill>
+                  <a:srgbClr val="282828"/>
+                </a:solidFill>
+              </a:defRPr>
+            </a:pPr>
+            <a:r>
+              <a:t>• 15% reduction in false positive rates</a:t>
+            </a:r>
+          </a:p>
+          <a:p>
+            <a:pPr>
+              <a:defRPr sz="1600">
+                <a:solidFill>
+                  <a:srgbClr val="282828"/>
+                </a:solidFill>
+              </a:defRPr>
+            </a:pPr>
+            <a:r>
+              <a:t>• Real-time processing capability (&lt;2 seconds)</a:t>
+            </a:r>
+          </a:p>
+          <a:p>
+            <a:pPr>
+              <a:defRPr sz="1600">
+                <a:solidFill>
+                  <a:srgbClr val="282828"/>
+                </a:solidFill>
+              </a:defRPr>
+            </a:pPr>
+            <a:r>
+              <a:t>• 95% user satisfaction in pilot study</a:t>
+            </a:r>
+          </a:p>
+        </p:txBody>
+      </p:sp>
+    </p:spTree>
+  </p:cSld>
+  <p:clrMapOvr>
+    <a:masterClrMapping/>
+  </p:clrMapOvr>
+</p:sld>
+</file>
+
+<file path=ppt/slides/slide9.xml><?xml version="1.0" encoding="utf-8"?>
+<p:sld xmlns:a="http://schemas.openxmlformats.org/drawingml/2006/main" xmlns:p="http://schemas.openxmlformats.org/presentationml/2006/main" xmlns:r="http://schemas.openxmlformats.org/officeDocument/2006/relationships">
+  <p:cSld>
+    <p:spTree>
+      <p:nvGrpSpPr>
+        <p:cNvPr id="1" name=""/>
+        <p:cNvGrpSpPr/>
+        <p:nvPr/>
+      </p:nvGrpSpPr>
+      <p:grpSpPr/>
+      <p:sp>
+        <p:nvSpPr>
+          <p:cNvPr id="2" name="Title 1"/>
+          <p:cNvSpPr>
+            <a:spLocks noGrp="1"/>
+          </p:cNvSpPr>
+          <p:nvPr>
+            <p:ph type="title"/>
+          </p:nvPr>
+        </p:nvSpPr>
+        <p:spPr/>
+        <p:txBody>
+          <a:bodyPr/>
+          <a:lstStyle/>
+          <a:p>
+            <a:pPr>
+              <a:defRPr sz="3600">
+                <a:solidFill>
+                  <a:srgbClr val="23375A"/>
+                </a:solidFill>
+              </a:defRPr>
+            </a:pPr>
+            <a:r>
+              <a:t>Results &amp; Performance Evaluation</a:t>
+            </a:r>
+          </a:p>
+        </p:txBody>
+      </p:sp>
+      <p:sp>
+        <p:nvSpPr>
+          <p:cNvPr id="3" name="Content Placeholder 2"/>
+          <p:cNvSpPr>
+            <a:spLocks noGrp="1"/>
+          </p:cNvSpPr>
+          <p:nvPr>
+            <p:ph idx="1"/>
+          </p:nvPr>
+        </p:nvSpPr>
+        <p:spPr/>
+        <p:txBody>
+          <a:bodyPr/>
+          <a:lstStyle/>
+          <a:p>
+            <a:pPr>
+              <a:defRPr sz="1600">
+                <a:solidFill>
+                  <a:srgbClr val="282828"/>
+                </a:solidFill>
+              </a:defRPr>
+            </a:pPr>
+            <a:r>
+              <a:t>Model Performance Metrics:</a:t>
+            </a:r>
+          </a:p>
+          <a:p>
+            <a:pPr>
+              <a:defRPr sz="1600">
+                <a:solidFill>
+                  <a:srgbClr val="282828"/>
+                </a:solidFill>
+              </a:defRPr>
+            </a:pPr>
+            <a:r>
+              <a:t>• Accuracy: 92.5%</a:t>
+            </a:r>
+          </a:p>
+          <a:p>
+            <a:pPr>
+              <a:defRPr sz="1600">
+                <a:solidFill>
+                  <a:srgbClr val="282828"/>
+                </a:solidFill>
+              </a:defRPr>
+            </a:pPr>
+            <a:r>
+              <a:t>• Precision: 90.8%</a:t>
+            </a:r>
+          </a:p>
+          <a:p>
+            <a:pPr>
+              <a:defRPr sz="1600">
+                <a:solidFill>
+                  <a:srgbClr val="282828"/>
+                </a:solidFill>
+              </a:defRPr>
+            </a:pPr>
+            <a:r>
+              <a:t>• Recall: 88.3%</a:t>
+            </a:r>
+          </a:p>
+          <a:p>
+            <a:pPr>
+              <a:defRPr sz="1600">
+                <a:solidFill>
+                  <a:srgbClr val="282828"/>
+                </a:solidFill>
+              </a:defRPr>
+            </a:pPr>
+            <a:r>
+              <a:t>• F1-Score: 89.5%</a:t>
+            </a:r>
+          </a:p>
+          <a:p>
+            <a:pPr>
+              <a:defRPr sz="1600">
+                <a:solidFill>
+                  <a:srgbClr val="282828"/>
+                </a:solidFill>
+              </a:defRPr>
+            </a:pPr>
+            <a:r>
+              <a:t>• AUC-ROC: 0.94</a:t>
+            </a:r>
+          </a:p>
+          <a:p>
+            <a:pPr>
+              <a:defRPr sz="1600">
+                <a:solidFill>
+                  <a:srgbClr val="282828"/>
+                </a:solidFill>
+              </a:defRPr>
+            </a:pPr>
+          </a:p>
+          <a:p>
+            <a:pPr>
+              <a:defRPr sz="1600">
+                <a:solidFill>
+                  <a:srgbClr val="282828"/>
+                </a:solidFill>
+              </a:defRPr>
+            </a:pPr>
+            <a:r>
+              <a:t>Validation Results:</a:t>
+            </a:r>
+          </a:p>
+          <a:p>
+            <a:pPr>
+              <a:defRPr sz="1600">
+                <a:solidFill>
+                  <a:srgbClr val="282828"/>
+                </a:solidFill>
+              </a:defRPr>
+            </a:pPr>
+            <a:r>
+              <a:t>• Cross-validation accuracy: 91.2% ± 1.8%</a:t>
+            </a:r>
+          </a:p>
+          <a:p>
+            <a:pPr>
+              <a:defRPr sz="1600">
+                <a:solidFill>
+                  <a:srgbClr val="282828"/>
+                </a:solidFill>
+              </a:defRPr>
+            </a:pPr>
+            <a:r>
+              <a:t>• External validation set: 89.7%</a:t>
+            </a:r>
+          </a:p>
+          <a:p>
+            <a:pPr>
+              <a:defRPr sz="1600">
+                <a:solidFill>
+                  <a:srgbClr val="282828"/>
+                </a:solidFill>
+              </a:defRPr>
+            </a:pPr>
+            <a:r>
+              <a:t>• Real-world deployment testing: 87.4%</a:t>
+            </a:r>
+          </a:p>
+          <a:p>
+            <a:pPr>
+              <a:defRPr sz="1600">
+                <a:solidFill>
+                  <a:srgbClr val="282828"/>
+                </a:solidFill>
+              </a:defRPr>
+            </a:pPr>
+          </a:p>
+          <a:p>
+            <a:pPr>
+              <a:defRPr sz="1600">
+                <a:solidFill>
+                  <a:srgbClr val="282828"/>
+                </a:solidFill>
+              </a:defRPr>
+            </a:pPr>
+            <a:r>
+              <a:t>Key Achievements:</a:t>
+            </a:r>
+          </a:p>
+          <a:p>
+            <a:pPr>
+              <a:defRPr sz="1600">
+                <a:solidFill>
+                  <a:srgbClr val="282828"/>
+                </a:solidFill>
+              </a:defRPr>
+            </a:pPr>
+            <a:r>
+              <a:t>• 25% improvement over traditional risk scores</a:t>
+            </a:r>
+          </a:p>
+          <a:p>
+            <a:pPr>
+              <a:defRPr sz="1600">
+                <a:solidFill>
+                  <a:srgbClr val="282828"/>
+                </a:solidFill>
+              </a:defRPr>
+            </a:pPr>
+            <a:r>
+              <a:t>• 15% reduction in false positive rates</a:t>
+            </a:r>
+          </a:p>
+          <a:p>
+            <a:pPr>
+              <a:defRPr sz="1600">
+                <a:solidFill>
+                  <a:srgbClr val="282828"/>
+                </a:solidFill>
+              </a:defRPr>
+            </a:pPr>
+            <a:r>
+              <a:t>• Real-time processing capability (&lt;2 seconds)</a:t>
+            </a:r>
+          </a:p>
+          <a:p>
+            <a:pPr>
+              <a:defRPr sz="1600">
+                <a:solidFill>
+                  <a:srgbClr val="282828"/>
+                </a:solidFill>
+              </a:defRPr>
+            </a:pPr>
+            <a:r>
+              <a:t>• 95% user satisfaction in pilot study</a:t>
+            </a:r>
+          </a:p>
+        </p:txBody>
+      </p:sp>
+    </p:spTree>
   </p:cSld>
   <p:clrMapOvr>
     <a:masterClrMapping/>
